--- a/Diagramme.pptx
+++ b/Diagramme.pptx
@@ -2,10 +2,11 @@
 <file path=ppt/presentation.xml><?xml version="1.0" encoding="utf-8"?>
 <p:presentation xmlns:a="http://schemas.openxmlformats.org/drawingml/2006/main" xmlns:r="http://schemas.openxmlformats.org/officeDocument/2006/relationships" xmlns:p="http://schemas.openxmlformats.org/presentationml/2006/main" saveSubsetFonts="1">
   <p:sldMasterIdLst>
-    <p:sldMasterId id="2147483648" r:id="rId2"/>
+    <p:sldMasterId id="2147483648" r:id="rId5"/>
   </p:sldMasterIdLst>
   <p:sldIdLst>
-    <p:sldId id="256" r:id="rId3"/>
+    <p:sldId id="256" r:id="rId6"/>
+    <p:sldId id="257" r:id="rId7"/>
   </p:sldIdLst>
   <p:sldSz cx="12192000" cy="6858000"/>
   <p:notesSz cx="6858000" cy="9144000"/>
@@ -104,7 +105,305 @@
       </a:defRPr>
     </a:lvl9pPr>
   </p:defaultTextStyle>
+  <p:extLst>
+    <p:ext uri="{EFAFB233-063F-42B5-8137-9DF3F51BA10A}">
+      <p15:sldGuideLst xmlns:p15="http://schemas.microsoft.com/office/powerpoint/2012/main"/>
+    </p:ext>
+  </p:extLst>
 </p:presentation>
+</file>
+
+<file path=ppt/revisionInfo.xml><?xml version="1.0" encoding="utf-8"?>
+<p1510:revInfo xmlns:a="http://schemas.openxmlformats.org/drawingml/2006/main" xmlns:r="http://schemas.openxmlformats.org/officeDocument/2006/relationships" xmlns:p1510="http://schemas.microsoft.com/office/powerpoint/2015/10/main">
+  <p1510:revLst>
+    <p1510:client id="{0AF7E597-49B2-41BC-A681-8964848EC46E}" v="197" dt="2021-08-03T09:20:01.942"/>
+  </p1510:revLst>
+</p1510:revInfo>
+</file>
+
+<file path=ppt/changesInfos/changesInfo1.xml><?xml version="1.0" encoding="utf-8"?>
+<pc:chgInfo xmlns:a="http://schemas.openxmlformats.org/drawingml/2006/main" xmlns:r="http://schemas.openxmlformats.org/officeDocument/2006/relationships" xmlns:ac="http://schemas.microsoft.com/office/drawing/2013/main/command" xmlns:pc="http://schemas.microsoft.com/office/powerpoint/2013/main/command">
+  <pc:docChgLst>
+    <pc:chgData name="Claudia Arnold" userId="a34ee16d-61d7-43e2-b6f8-1246cdcb6fd4" providerId="ADAL" clId="{0AF7E597-49B2-41BC-A681-8964848EC46E}"/>
+    <pc:docChg chg="custSel addSld modSld">
+      <pc:chgData name="Claudia Arnold" userId="a34ee16d-61d7-43e2-b6f8-1246cdcb6fd4" providerId="ADAL" clId="{0AF7E597-49B2-41BC-A681-8964848EC46E}" dt="2021-08-03T09:20:11.916" v="339" actId="1076"/>
+      <pc:docMkLst>
+        <pc:docMk/>
+      </pc:docMkLst>
+      <pc:sldChg chg="addSp delSp modSp new mod">
+        <pc:chgData name="Claudia Arnold" userId="a34ee16d-61d7-43e2-b6f8-1246cdcb6fd4" providerId="ADAL" clId="{0AF7E597-49B2-41BC-A681-8964848EC46E}" dt="2021-08-03T09:20:11.916" v="339" actId="1076"/>
+        <pc:sldMkLst>
+          <pc:docMk/>
+          <pc:sldMk cId="1031281379" sldId="257"/>
+        </pc:sldMkLst>
+        <pc:spChg chg="del">
+          <ac:chgData name="Claudia Arnold" userId="a34ee16d-61d7-43e2-b6f8-1246cdcb6fd4" providerId="ADAL" clId="{0AF7E597-49B2-41BC-A681-8964848EC46E}" dt="2021-08-02T12:13:02.141" v="1" actId="478"/>
+          <ac:spMkLst>
+            <pc:docMk/>
+            <pc:sldMk cId="1031281379" sldId="257"/>
+            <ac:spMk id="2" creationId="{B859F7B7-83D9-4ADD-A4FC-DDE7E8D4FEB1}"/>
+          </ac:spMkLst>
+        </pc:spChg>
+        <pc:spChg chg="add mod">
+          <ac:chgData name="Claudia Arnold" userId="a34ee16d-61d7-43e2-b6f8-1246cdcb6fd4" providerId="ADAL" clId="{0AF7E597-49B2-41BC-A681-8964848EC46E}" dt="2021-08-03T09:03:27.084" v="282" actId="404"/>
+          <ac:spMkLst>
+            <pc:docMk/>
+            <pc:sldMk cId="1031281379" sldId="257"/>
+            <ac:spMk id="2" creationId="{CB30130D-F5DE-4CB3-A0DB-AEB181CAE8A8}"/>
+          </ac:spMkLst>
+        </pc:spChg>
+        <pc:spChg chg="add del mod">
+          <ac:chgData name="Claudia Arnold" userId="a34ee16d-61d7-43e2-b6f8-1246cdcb6fd4" providerId="ADAL" clId="{0AF7E597-49B2-41BC-A681-8964848EC46E}" dt="2021-08-03T09:02:35.520" v="244" actId="478"/>
+          <ac:spMkLst>
+            <pc:docMk/>
+            <pc:sldMk cId="1031281379" sldId="257"/>
+            <ac:spMk id="3" creationId="{5F26B0E4-9896-4983-B486-71333789ADC1}"/>
+          </ac:spMkLst>
+        </pc:spChg>
+        <pc:spChg chg="del">
+          <ac:chgData name="Claudia Arnold" userId="a34ee16d-61d7-43e2-b6f8-1246cdcb6fd4" providerId="ADAL" clId="{0AF7E597-49B2-41BC-A681-8964848EC46E}" dt="2021-08-02T12:13:06.580" v="2" actId="478"/>
+          <ac:spMkLst>
+            <pc:docMk/>
+            <pc:sldMk cId="1031281379" sldId="257"/>
+            <ac:spMk id="3" creationId="{E4C139F1-36CE-47DD-AB3E-EA113EBF36B4}"/>
+          </ac:spMkLst>
+        </pc:spChg>
+        <pc:spChg chg="add mod">
+          <ac:chgData name="Claudia Arnold" userId="a34ee16d-61d7-43e2-b6f8-1246cdcb6fd4" providerId="ADAL" clId="{0AF7E597-49B2-41BC-A681-8964848EC46E}" dt="2021-08-03T09:03:27.084" v="282" actId="404"/>
+          <ac:spMkLst>
+            <pc:docMk/>
+            <pc:sldMk cId="1031281379" sldId="257"/>
+            <ac:spMk id="4" creationId="{A6A9E001-E536-4F6C-8DE6-CC8205D36EEE}"/>
+          </ac:spMkLst>
+        </pc:spChg>
+        <pc:spChg chg="add mod">
+          <ac:chgData name="Claudia Arnold" userId="a34ee16d-61d7-43e2-b6f8-1246cdcb6fd4" providerId="ADAL" clId="{0AF7E597-49B2-41BC-A681-8964848EC46E}" dt="2021-08-03T09:07:45.023" v="306" actId="13822"/>
+          <ac:spMkLst>
+            <pc:docMk/>
+            <pc:sldMk cId="1031281379" sldId="257"/>
+            <ac:spMk id="5" creationId="{80EB8579-8633-4DC7-A669-47833FF67DE4}"/>
+          </ac:spMkLst>
+        </pc:spChg>
+        <pc:spChg chg="add del mod">
+          <ac:chgData name="Claudia Arnold" userId="a34ee16d-61d7-43e2-b6f8-1246cdcb6fd4" providerId="ADAL" clId="{0AF7E597-49B2-41BC-A681-8964848EC46E}" dt="2021-08-02T12:36:50.610" v="87" actId="478"/>
+          <ac:spMkLst>
+            <pc:docMk/>
+            <pc:sldMk cId="1031281379" sldId="257"/>
+            <ac:spMk id="5" creationId="{E09A8227-2027-4DDE-9AA7-0D0E80E9F085}"/>
+          </ac:spMkLst>
+        </pc:spChg>
+        <pc:spChg chg="add del mod">
+          <ac:chgData name="Claudia Arnold" userId="a34ee16d-61d7-43e2-b6f8-1246cdcb6fd4" providerId="ADAL" clId="{0AF7E597-49B2-41BC-A681-8964848EC46E}" dt="2021-08-02T12:36:50.610" v="87" actId="478"/>
+          <ac:spMkLst>
+            <pc:docMk/>
+            <pc:sldMk cId="1031281379" sldId="257"/>
+            <ac:spMk id="6" creationId="{1F3288ED-5D00-445D-AC31-CD021D37E19D}"/>
+          </ac:spMkLst>
+        </pc:spChg>
+        <pc:spChg chg="add del mod">
+          <ac:chgData name="Claudia Arnold" userId="a34ee16d-61d7-43e2-b6f8-1246cdcb6fd4" providerId="ADAL" clId="{0AF7E597-49B2-41BC-A681-8964848EC46E}" dt="2021-08-03T09:02:32.453" v="243" actId="478"/>
+          <ac:spMkLst>
+            <pc:docMk/>
+            <pc:sldMk cId="1031281379" sldId="257"/>
+            <ac:spMk id="6" creationId="{B16DD873-A9E2-4544-9451-BC1B004A79B0}"/>
+          </ac:spMkLst>
+        </pc:spChg>
+        <pc:spChg chg="add del mod">
+          <ac:chgData name="Claudia Arnold" userId="a34ee16d-61d7-43e2-b6f8-1246cdcb6fd4" providerId="ADAL" clId="{0AF7E597-49B2-41BC-A681-8964848EC46E}" dt="2021-08-02T12:19:10.246" v="43" actId="478"/>
+          <ac:spMkLst>
+            <pc:docMk/>
+            <pc:sldMk cId="1031281379" sldId="257"/>
+            <ac:spMk id="7" creationId="{03BEF627-1FA5-48E2-80B3-30312ECC545E}"/>
+          </ac:spMkLst>
+        </pc:spChg>
+        <pc:spChg chg="add mod">
+          <ac:chgData name="Claudia Arnold" userId="a34ee16d-61d7-43e2-b6f8-1246cdcb6fd4" providerId="ADAL" clId="{0AF7E597-49B2-41BC-A681-8964848EC46E}" dt="2021-08-03T09:03:27.084" v="282" actId="404"/>
+          <ac:spMkLst>
+            <pc:docMk/>
+            <pc:sldMk cId="1031281379" sldId="257"/>
+            <ac:spMk id="7" creationId="{B4A12CE1-3D7D-4B74-80D0-FA04770C2265}"/>
+          </ac:spMkLst>
+        </pc:spChg>
+        <pc:spChg chg="add del">
+          <ac:chgData name="Claudia Arnold" userId="a34ee16d-61d7-43e2-b6f8-1246cdcb6fd4" providerId="ADAL" clId="{0AF7E597-49B2-41BC-A681-8964848EC46E}" dt="2021-08-03T09:17:35.316" v="316" actId="478"/>
+          <ac:spMkLst>
+            <pc:docMk/>
+            <pc:sldMk cId="1031281379" sldId="257"/>
+            <ac:spMk id="8" creationId="{E78352ED-5625-4603-AD47-D370B18A28A9}"/>
+          </ac:spMkLst>
+        </pc:spChg>
+        <pc:spChg chg="add mod">
+          <ac:chgData name="Claudia Arnold" userId="a34ee16d-61d7-43e2-b6f8-1246cdcb6fd4" providerId="ADAL" clId="{0AF7E597-49B2-41BC-A681-8964848EC46E}" dt="2021-08-03T09:07:45.023" v="306" actId="13822"/>
+          <ac:spMkLst>
+            <pc:docMk/>
+            <pc:sldMk cId="1031281379" sldId="257"/>
+            <ac:spMk id="9" creationId="{8DFD850E-41B9-40A2-AC3F-3DDC2594DE93}"/>
+          </ac:spMkLst>
+        </pc:spChg>
+        <pc:spChg chg="add mod">
+          <ac:chgData name="Claudia Arnold" userId="a34ee16d-61d7-43e2-b6f8-1246cdcb6fd4" providerId="ADAL" clId="{0AF7E597-49B2-41BC-A681-8964848EC46E}" dt="2021-08-03T09:19:02.658" v="324" actId="208"/>
+          <ac:spMkLst>
+            <pc:docMk/>
+            <pc:sldMk cId="1031281379" sldId="257"/>
+            <ac:spMk id="10" creationId="{29A8C8B7-292B-40D2-B907-8F5E1BC64523}"/>
+          </ac:spMkLst>
+        </pc:spChg>
+        <pc:spChg chg="add mod">
+          <ac:chgData name="Claudia Arnold" userId="a34ee16d-61d7-43e2-b6f8-1246cdcb6fd4" providerId="ADAL" clId="{0AF7E597-49B2-41BC-A681-8964848EC46E}" dt="2021-08-03T09:19:02.658" v="324" actId="208"/>
+          <ac:spMkLst>
+            <pc:docMk/>
+            <pc:sldMk cId="1031281379" sldId="257"/>
+            <ac:spMk id="11" creationId="{2B437743-AC44-42A1-B9B4-D0B724474B70}"/>
+          </ac:spMkLst>
+        </pc:spChg>
+        <pc:spChg chg="add mod">
+          <ac:chgData name="Claudia Arnold" userId="a34ee16d-61d7-43e2-b6f8-1246cdcb6fd4" providerId="ADAL" clId="{0AF7E597-49B2-41BC-A681-8964848EC46E}" dt="2021-08-03T09:19:52.880" v="337" actId="208"/>
+          <ac:spMkLst>
+            <pc:docMk/>
+            <pc:sldMk cId="1031281379" sldId="257"/>
+            <ac:spMk id="12" creationId="{18A1877F-56E6-4DC5-9504-340ADC7B865D}"/>
+          </ac:spMkLst>
+        </pc:spChg>
+        <pc:spChg chg="add mod">
+          <ac:chgData name="Claudia Arnold" userId="a34ee16d-61d7-43e2-b6f8-1246cdcb6fd4" providerId="ADAL" clId="{0AF7E597-49B2-41BC-A681-8964848EC46E}" dt="2021-08-03T09:19:52.880" v="337" actId="208"/>
+          <ac:spMkLst>
+            <pc:docMk/>
+            <pc:sldMk cId="1031281379" sldId="257"/>
+            <ac:spMk id="14" creationId="{76802F32-EE12-4E55-AB3F-6569A23A2889}"/>
+          </ac:spMkLst>
+        </pc:spChg>
+        <pc:spChg chg="add del">
+          <ac:chgData name="Claudia Arnold" userId="a34ee16d-61d7-43e2-b6f8-1246cdcb6fd4" providerId="ADAL" clId="{0AF7E597-49B2-41BC-A681-8964848EC46E}" dt="2021-08-02T12:20:30.439" v="51" actId="478"/>
+          <ac:spMkLst>
+            <pc:docMk/>
+            <pc:sldMk cId="1031281379" sldId="257"/>
+            <ac:spMk id="14" creationId="{8AB14CB3-6239-483B-A42D-A9EFC5304AD0}"/>
+          </ac:spMkLst>
+        </pc:spChg>
+        <pc:spChg chg="add mod">
+          <ac:chgData name="Claudia Arnold" userId="a34ee16d-61d7-43e2-b6f8-1246cdcb6fd4" providerId="ADAL" clId="{0AF7E597-49B2-41BC-A681-8964848EC46E}" dt="2021-08-03T09:19:52.880" v="337" actId="208"/>
+          <ac:spMkLst>
+            <pc:docMk/>
+            <pc:sldMk cId="1031281379" sldId="257"/>
+            <ac:spMk id="15" creationId="{B37442ED-FF02-4C7D-96FA-27030017E33E}"/>
+          </ac:spMkLst>
+        </pc:spChg>
+        <pc:spChg chg="add del mod">
+          <ac:chgData name="Claudia Arnold" userId="a34ee16d-61d7-43e2-b6f8-1246cdcb6fd4" providerId="ADAL" clId="{0AF7E597-49B2-41BC-A681-8964848EC46E}" dt="2021-08-02T12:26:26.387" v="60" actId="478"/>
+          <ac:spMkLst>
+            <pc:docMk/>
+            <pc:sldMk cId="1031281379" sldId="257"/>
+            <ac:spMk id="16" creationId="{63FCB85B-1D30-40D9-A99B-7F02E6754782}"/>
+          </ac:spMkLst>
+        </pc:spChg>
+        <pc:spChg chg="add mod">
+          <ac:chgData name="Claudia Arnold" userId="a34ee16d-61d7-43e2-b6f8-1246cdcb6fd4" providerId="ADAL" clId="{0AF7E597-49B2-41BC-A681-8964848EC46E}" dt="2021-08-03T09:19:52.880" v="337" actId="208"/>
+          <ac:spMkLst>
+            <pc:docMk/>
+            <pc:sldMk cId="1031281379" sldId="257"/>
+            <ac:spMk id="16" creationId="{64125772-2541-4466-A872-10B229A34684}"/>
+          </ac:spMkLst>
+        </pc:spChg>
+        <pc:spChg chg="add mod">
+          <ac:chgData name="Claudia Arnold" userId="a34ee16d-61d7-43e2-b6f8-1246cdcb6fd4" providerId="ADAL" clId="{0AF7E597-49B2-41BC-A681-8964848EC46E}" dt="2021-08-03T09:19:52.880" v="337" actId="208"/>
+          <ac:spMkLst>
+            <pc:docMk/>
+            <pc:sldMk cId="1031281379" sldId="257"/>
+            <ac:spMk id="17" creationId="{7704A0AA-D943-413D-8C24-79E60F5BDD00}"/>
+          </ac:spMkLst>
+        </pc:spChg>
+        <pc:spChg chg="add mod">
+          <ac:chgData name="Claudia Arnold" userId="a34ee16d-61d7-43e2-b6f8-1246cdcb6fd4" providerId="ADAL" clId="{0AF7E597-49B2-41BC-A681-8964848EC46E}" dt="2021-08-03T09:20:11.916" v="339" actId="1076"/>
+          <ac:spMkLst>
+            <pc:docMk/>
+            <pc:sldMk cId="1031281379" sldId="257"/>
+            <ac:spMk id="18" creationId="{D0F9B32F-13ED-4185-A073-A82756B0250A}"/>
+          </ac:spMkLst>
+        </pc:spChg>
+        <pc:spChg chg="add mod">
+          <ac:chgData name="Claudia Arnold" userId="a34ee16d-61d7-43e2-b6f8-1246cdcb6fd4" providerId="ADAL" clId="{0AF7E597-49B2-41BC-A681-8964848EC46E}" dt="2021-08-03T09:20:11.916" v="339" actId="1076"/>
+          <ac:spMkLst>
+            <pc:docMk/>
+            <pc:sldMk cId="1031281379" sldId="257"/>
+            <ac:spMk id="19" creationId="{BFFA160B-D5B7-45D6-81B1-83BAF9F57B98}"/>
+          </ac:spMkLst>
+        </pc:spChg>
+        <pc:spChg chg="add mod">
+          <ac:chgData name="Claudia Arnold" userId="a34ee16d-61d7-43e2-b6f8-1246cdcb6fd4" providerId="ADAL" clId="{0AF7E597-49B2-41BC-A681-8964848EC46E}" dt="2021-08-03T09:20:11.916" v="339" actId="1076"/>
+          <ac:spMkLst>
+            <pc:docMk/>
+            <pc:sldMk cId="1031281379" sldId="257"/>
+            <ac:spMk id="20" creationId="{38610074-9BE8-43B7-A7FC-22E4A1B524C4}"/>
+          </ac:spMkLst>
+        </pc:spChg>
+        <pc:spChg chg="add mod">
+          <ac:chgData name="Claudia Arnold" userId="a34ee16d-61d7-43e2-b6f8-1246cdcb6fd4" providerId="ADAL" clId="{0AF7E597-49B2-41BC-A681-8964848EC46E}" dt="2021-08-03T09:20:11.916" v="339" actId="1076"/>
+          <ac:spMkLst>
+            <pc:docMk/>
+            <pc:sldMk cId="1031281379" sldId="257"/>
+            <ac:spMk id="21" creationId="{B110F46B-041D-4A76-8752-2B005B18FCE6}"/>
+          </ac:spMkLst>
+        </pc:spChg>
+        <pc:spChg chg="add mod">
+          <ac:chgData name="Claudia Arnold" userId="a34ee16d-61d7-43e2-b6f8-1246cdcb6fd4" providerId="ADAL" clId="{0AF7E597-49B2-41BC-A681-8964848EC46E}" dt="2021-08-03T09:20:11.916" v="339" actId="1076"/>
+          <ac:spMkLst>
+            <pc:docMk/>
+            <pc:sldMk cId="1031281379" sldId="257"/>
+            <ac:spMk id="22" creationId="{A7D6122F-C761-4AC7-9376-EFB9BDA9A587}"/>
+          </ac:spMkLst>
+        </pc:spChg>
+        <pc:spChg chg="add del mod">
+          <ac:chgData name="Claudia Arnold" userId="a34ee16d-61d7-43e2-b6f8-1246cdcb6fd4" providerId="ADAL" clId="{0AF7E597-49B2-41BC-A681-8964848EC46E}" dt="2021-08-02T12:36:50.610" v="87" actId="478"/>
+          <ac:spMkLst>
+            <pc:docMk/>
+            <pc:sldMk cId="1031281379" sldId="257"/>
+            <ac:spMk id="24" creationId="{FA896D5F-A397-4B16-AAC8-5652ADE1A33E}"/>
+          </ac:spMkLst>
+        </pc:spChg>
+        <pc:graphicFrameChg chg="add del mod modGraphic">
+          <ac:chgData name="Claudia Arnold" userId="a34ee16d-61d7-43e2-b6f8-1246cdcb6fd4" providerId="ADAL" clId="{0AF7E597-49B2-41BC-A681-8964848EC46E}" dt="2021-08-02T12:16:41.961" v="22" actId="478"/>
+          <ac:graphicFrameMkLst>
+            <pc:docMk/>
+            <pc:sldMk cId="1031281379" sldId="257"/>
+            <ac:graphicFrameMk id="4" creationId="{BE3D74F1-7431-4A01-ACA9-E8339321901C}"/>
+          </ac:graphicFrameMkLst>
+        </pc:graphicFrameChg>
+        <pc:graphicFrameChg chg="add del mod modGraphic">
+          <ac:chgData name="Claudia Arnold" userId="a34ee16d-61d7-43e2-b6f8-1246cdcb6fd4" providerId="ADAL" clId="{0AF7E597-49B2-41BC-A681-8964848EC46E}" dt="2021-08-03T08:33:54.294" v="201" actId="478"/>
+          <ac:graphicFrameMkLst>
+            <pc:docMk/>
+            <pc:sldMk cId="1031281379" sldId="257"/>
+            <ac:graphicFrameMk id="25" creationId="{3B960DD6-1D90-4E4D-8E4E-636495080989}"/>
+          </ac:graphicFrameMkLst>
+        </pc:graphicFrameChg>
+        <pc:cxnChg chg="add del mod">
+          <ac:chgData name="Claudia Arnold" userId="a34ee16d-61d7-43e2-b6f8-1246cdcb6fd4" providerId="ADAL" clId="{0AF7E597-49B2-41BC-A681-8964848EC46E}" dt="2021-08-02T12:19:36.453" v="49" actId="478"/>
+          <ac:cxnSpMkLst>
+            <pc:docMk/>
+            <pc:sldMk cId="1031281379" sldId="257"/>
+            <ac:cxnSpMk id="9" creationId="{1AE1107C-71B7-4E7E-A59D-DA6F56F3DBAD}"/>
+          </ac:cxnSpMkLst>
+        </pc:cxnChg>
+        <pc:cxnChg chg="add del mod">
+          <ac:chgData name="Claudia Arnold" userId="a34ee16d-61d7-43e2-b6f8-1246cdcb6fd4" providerId="ADAL" clId="{0AF7E597-49B2-41BC-A681-8964848EC46E}" dt="2021-08-02T12:23:31.541" v="57" actId="478"/>
+          <ac:cxnSpMkLst>
+            <pc:docMk/>
+            <pc:sldMk cId="1031281379" sldId="257"/>
+            <ac:cxnSpMk id="15" creationId="{64C3C067-014F-48DF-8CF1-F5E0AA5C6320}"/>
+          </ac:cxnSpMkLst>
+        </pc:cxnChg>
+        <pc:cxnChg chg="add del mod">
+          <ac:chgData name="Claudia Arnold" userId="a34ee16d-61d7-43e2-b6f8-1246cdcb6fd4" providerId="ADAL" clId="{0AF7E597-49B2-41BC-A681-8964848EC46E}" dt="2021-08-02T12:27:24.501" v="67" actId="478"/>
+          <ac:cxnSpMkLst>
+            <pc:docMk/>
+            <pc:sldMk cId="1031281379" sldId="257"/>
+            <ac:cxnSpMk id="18" creationId="{92234A4F-4869-4A3F-9BC9-B17C114185D5}"/>
+          </ac:cxnSpMkLst>
+        </pc:cxnChg>
+      </pc:sldChg>
+    </pc:docChg>
+  </pc:docChgLst>
+</pc:chgInfo>
 </file>
 
 <file path=ppt/slideLayouts/slideLayout1.xml><?xml version="1.0" encoding="utf-8"?>
@@ -254,7 +553,7 @@
           <a:p>
             <a:fld id="{10BC16AE-9200-4BE0-AC73-31034FABBE51}" type="datetimeFigureOut">
               <a:rPr lang="de-DE" smtClean="0"/>
-              <a:t>21.07.2021</a:t>
+              <a:t>03.08.2021</a:t>
             </a:fld>
             <a:endParaRPr lang="de-DE"/>
           </a:p>
@@ -452,7 +751,7 @@
           <a:p>
             <a:fld id="{10BC16AE-9200-4BE0-AC73-31034FABBE51}" type="datetimeFigureOut">
               <a:rPr lang="de-DE" smtClean="0"/>
-              <a:t>21.07.2021</a:t>
+              <a:t>03.08.2021</a:t>
             </a:fld>
             <a:endParaRPr lang="de-DE"/>
           </a:p>
@@ -660,7 +959,7 @@
           <a:p>
             <a:fld id="{10BC16AE-9200-4BE0-AC73-31034FABBE51}" type="datetimeFigureOut">
               <a:rPr lang="de-DE" smtClean="0"/>
-              <a:t>21.07.2021</a:t>
+              <a:t>03.08.2021</a:t>
             </a:fld>
             <a:endParaRPr lang="de-DE"/>
           </a:p>
@@ -858,7 +1157,7 @@
           <a:p>
             <a:fld id="{10BC16AE-9200-4BE0-AC73-31034FABBE51}" type="datetimeFigureOut">
               <a:rPr lang="de-DE" smtClean="0"/>
-              <a:t>21.07.2021</a:t>
+              <a:t>03.08.2021</a:t>
             </a:fld>
             <a:endParaRPr lang="de-DE"/>
           </a:p>
@@ -1133,7 +1432,7 @@
           <a:p>
             <a:fld id="{10BC16AE-9200-4BE0-AC73-31034FABBE51}" type="datetimeFigureOut">
               <a:rPr lang="de-DE" smtClean="0"/>
-              <a:t>21.07.2021</a:t>
+              <a:t>03.08.2021</a:t>
             </a:fld>
             <a:endParaRPr lang="de-DE"/>
           </a:p>
@@ -1398,7 +1697,7 @@
           <a:p>
             <a:fld id="{10BC16AE-9200-4BE0-AC73-31034FABBE51}" type="datetimeFigureOut">
               <a:rPr lang="de-DE" smtClean="0"/>
-              <a:t>21.07.2021</a:t>
+              <a:t>03.08.2021</a:t>
             </a:fld>
             <a:endParaRPr lang="de-DE"/>
           </a:p>
@@ -1810,7 +2109,7 @@
           <a:p>
             <a:fld id="{10BC16AE-9200-4BE0-AC73-31034FABBE51}" type="datetimeFigureOut">
               <a:rPr lang="de-DE" smtClean="0"/>
-              <a:t>21.07.2021</a:t>
+              <a:t>03.08.2021</a:t>
             </a:fld>
             <a:endParaRPr lang="de-DE"/>
           </a:p>
@@ -1951,7 +2250,7 @@
           <a:p>
             <a:fld id="{10BC16AE-9200-4BE0-AC73-31034FABBE51}" type="datetimeFigureOut">
               <a:rPr lang="de-DE" smtClean="0"/>
-              <a:t>21.07.2021</a:t>
+              <a:t>03.08.2021</a:t>
             </a:fld>
             <a:endParaRPr lang="de-DE"/>
           </a:p>
@@ -2064,7 +2363,7 @@
           <a:p>
             <a:fld id="{10BC16AE-9200-4BE0-AC73-31034FABBE51}" type="datetimeFigureOut">
               <a:rPr lang="de-DE" smtClean="0"/>
-              <a:t>21.07.2021</a:t>
+              <a:t>03.08.2021</a:t>
             </a:fld>
             <a:endParaRPr lang="de-DE"/>
           </a:p>
@@ -2375,7 +2674,7 @@
           <a:p>
             <a:fld id="{10BC16AE-9200-4BE0-AC73-31034FABBE51}" type="datetimeFigureOut">
               <a:rPr lang="de-DE" smtClean="0"/>
-              <a:t>21.07.2021</a:t>
+              <a:t>03.08.2021</a:t>
             </a:fld>
             <a:endParaRPr lang="de-DE"/>
           </a:p>
@@ -2663,7 +2962,7 @@
           <a:p>
             <a:fld id="{10BC16AE-9200-4BE0-AC73-31034FABBE51}" type="datetimeFigureOut">
               <a:rPr lang="de-DE" smtClean="0"/>
-              <a:t>21.07.2021</a:t>
+              <a:t>03.08.2021</a:t>
             </a:fld>
             <a:endParaRPr lang="de-DE"/>
           </a:p>
@@ -2904,7 +3203,7 @@
           <a:p>
             <a:fld id="{10BC16AE-9200-4BE0-AC73-31034FABBE51}" type="datetimeFigureOut">
               <a:rPr lang="de-DE" smtClean="0"/>
-              <a:t>21.07.2021</a:t>
+              <a:t>03.08.2021</a:t>
             </a:fld>
             <a:endParaRPr lang="de-DE"/>
           </a:p>
@@ -3854,6 +4153,954 @@
 </p:sld>
 </file>
 
+<file path=ppt/slides/slide2.xml><?xml version="1.0" encoding="utf-8"?>
+<p:sld xmlns:a="http://schemas.openxmlformats.org/drawingml/2006/main" xmlns:r="http://schemas.openxmlformats.org/officeDocument/2006/relationships" xmlns:p="http://schemas.openxmlformats.org/presentationml/2006/main">
+  <p:cSld>
+    <p:spTree>
+      <p:nvGrpSpPr>
+        <p:cNvPr id="1" name=""/>
+        <p:cNvGrpSpPr/>
+        <p:nvPr/>
+      </p:nvGrpSpPr>
+      <p:grpSpPr>
+        <a:xfrm>
+          <a:off x="0" y="0"/>
+          <a:ext cx="0" cy="0"/>
+          <a:chOff x="0" y="0"/>
+          <a:chExt cx="0" cy="0"/>
+        </a:xfrm>
+      </p:grpSpPr>
+      <p:sp>
+        <p:nvSpPr>
+          <p:cNvPr id="2" name="Rechteck: abgerundete Ecken 1">
+            <a:extLst>
+              <a:ext uri="{FF2B5EF4-FFF2-40B4-BE49-F238E27FC236}">
+                <a16:creationId xmlns:a16="http://schemas.microsoft.com/office/drawing/2014/main" id="{CB30130D-F5DE-4CB3-A0DB-AEB181CAE8A8}"/>
+              </a:ext>
+            </a:extLst>
+          </p:cNvPr>
+          <p:cNvSpPr/>
+          <p:nvPr/>
+        </p:nvSpPr>
+        <p:spPr>
+          <a:xfrm>
+            <a:off x="4758613" y="2099387"/>
+            <a:ext cx="1474237" cy="503854"/>
+          </a:xfrm>
+          <a:prstGeom prst="roundRect">
+            <a:avLst/>
+          </a:prstGeom>
+          <a:solidFill>
+            <a:srgbClr val="000066"/>
+          </a:solidFill>
+          <a:ln>
+            <a:solidFill>
+              <a:srgbClr val="000066"/>
+            </a:solidFill>
+          </a:ln>
+        </p:spPr>
+        <p:style>
+          <a:lnRef idx="2">
+            <a:schemeClr val="accent1">
+              <a:shade val="50000"/>
+            </a:schemeClr>
+          </a:lnRef>
+          <a:fillRef idx="1">
+            <a:schemeClr val="accent1"/>
+          </a:fillRef>
+          <a:effectRef idx="0">
+            <a:schemeClr val="accent1"/>
+          </a:effectRef>
+          <a:fontRef idx="minor">
+            <a:schemeClr val="lt1"/>
+          </a:fontRef>
+        </p:style>
+        <p:txBody>
+          <a:bodyPr rtlCol="0" anchor="ctr"/>
+          <a:lstStyle/>
+          <a:p>
+            <a:pPr algn="ctr"/>
+            <a:r>
+              <a:rPr lang="de-DE" sz="1400" dirty="0">
+                <a:latin typeface="Arial" panose="020B0604020202020204" pitchFamily="34" charset="0"/>
+                <a:cs typeface="Arial" panose="020B0604020202020204" pitchFamily="34" charset="0"/>
+              </a:rPr>
+              <a:t>Development</a:t>
+            </a:r>
+          </a:p>
+        </p:txBody>
+      </p:sp>
+      <p:sp>
+        <p:nvSpPr>
+          <p:cNvPr id="4" name="Rechteck: abgerundete Ecken 3">
+            <a:extLst>
+              <a:ext uri="{FF2B5EF4-FFF2-40B4-BE49-F238E27FC236}">
+                <a16:creationId xmlns:a16="http://schemas.microsoft.com/office/drawing/2014/main" id="{A6A9E001-E536-4F6C-8DE6-CC8205D36EEE}"/>
+              </a:ext>
+            </a:extLst>
+          </p:cNvPr>
+          <p:cNvSpPr/>
+          <p:nvPr/>
+        </p:nvSpPr>
+        <p:spPr>
+          <a:xfrm>
+            <a:off x="7943463" y="2099387"/>
+            <a:ext cx="1474237" cy="503854"/>
+          </a:xfrm>
+          <a:prstGeom prst="roundRect">
+            <a:avLst/>
+          </a:prstGeom>
+          <a:solidFill>
+            <a:srgbClr val="000066"/>
+          </a:solidFill>
+          <a:ln>
+            <a:solidFill>
+              <a:srgbClr val="000066"/>
+            </a:solidFill>
+          </a:ln>
+        </p:spPr>
+        <p:style>
+          <a:lnRef idx="2">
+            <a:schemeClr val="accent1">
+              <a:shade val="50000"/>
+            </a:schemeClr>
+          </a:lnRef>
+          <a:fillRef idx="1">
+            <a:schemeClr val="accent1"/>
+          </a:fillRef>
+          <a:effectRef idx="0">
+            <a:schemeClr val="accent1"/>
+          </a:effectRef>
+          <a:fontRef idx="minor">
+            <a:schemeClr val="lt1"/>
+          </a:fontRef>
+        </p:style>
+        <p:txBody>
+          <a:bodyPr rtlCol="0" anchor="ctr"/>
+          <a:lstStyle/>
+          <a:p>
+            <a:pPr algn="ctr"/>
+            <a:r>
+              <a:rPr lang="de-DE" sz="1400" dirty="0">
+                <a:latin typeface="Arial" panose="020B0604020202020204" pitchFamily="34" charset="0"/>
+                <a:cs typeface="Arial" panose="020B0604020202020204" pitchFamily="34" charset="0"/>
+              </a:rPr>
+              <a:t>Operations</a:t>
+            </a:r>
+          </a:p>
+        </p:txBody>
+      </p:sp>
+      <p:sp>
+        <p:nvSpPr>
+          <p:cNvPr id="7" name="Rechteck: abgerundete Ecken 6">
+            <a:extLst>
+              <a:ext uri="{FF2B5EF4-FFF2-40B4-BE49-F238E27FC236}">
+                <a16:creationId xmlns:a16="http://schemas.microsoft.com/office/drawing/2014/main" id="{B4A12CE1-3D7D-4B74-80D0-FA04770C2265}"/>
+              </a:ext>
+            </a:extLst>
+          </p:cNvPr>
+          <p:cNvSpPr/>
+          <p:nvPr/>
+        </p:nvSpPr>
+        <p:spPr>
+          <a:xfrm>
+            <a:off x="1573763" y="2099387"/>
+            <a:ext cx="1474237" cy="503854"/>
+          </a:xfrm>
+          <a:prstGeom prst="roundRect">
+            <a:avLst/>
+          </a:prstGeom>
+          <a:solidFill>
+            <a:srgbClr val="000066"/>
+          </a:solidFill>
+          <a:ln>
+            <a:solidFill>
+              <a:srgbClr val="000066"/>
+            </a:solidFill>
+          </a:ln>
+        </p:spPr>
+        <p:style>
+          <a:lnRef idx="2">
+            <a:schemeClr val="accent1">
+              <a:shade val="50000"/>
+            </a:schemeClr>
+          </a:lnRef>
+          <a:fillRef idx="1">
+            <a:schemeClr val="accent1"/>
+          </a:fillRef>
+          <a:effectRef idx="0">
+            <a:schemeClr val="accent1"/>
+          </a:effectRef>
+          <a:fontRef idx="minor">
+            <a:schemeClr val="lt1"/>
+          </a:fontRef>
+        </p:style>
+        <p:txBody>
+          <a:bodyPr rtlCol="0" anchor="ctr"/>
+          <a:lstStyle/>
+          <a:p>
+            <a:pPr algn="ctr"/>
+            <a:r>
+              <a:rPr lang="de-DE" sz="1400" dirty="0">
+                <a:latin typeface="Arial" panose="020B0604020202020204" pitchFamily="34" charset="0"/>
+                <a:cs typeface="Arial" panose="020B0604020202020204" pitchFamily="34" charset="0"/>
+              </a:rPr>
+              <a:t>Business</a:t>
+            </a:r>
+          </a:p>
+        </p:txBody>
+      </p:sp>
+      <p:sp>
+        <p:nvSpPr>
+          <p:cNvPr id="5" name="Bogen 4">
+            <a:extLst>
+              <a:ext uri="{FF2B5EF4-FFF2-40B4-BE49-F238E27FC236}">
+                <a16:creationId xmlns:a16="http://schemas.microsoft.com/office/drawing/2014/main" id="{80EB8579-8633-4DC7-A669-47833FF67DE4}"/>
+              </a:ext>
+            </a:extLst>
+          </p:cNvPr>
+          <p:cNvSpPr/>
+          <p:nvPr/>
+        </p:nvSpPr>
+        <p:spPr>
+          <a:xfrm rot="2418059" flipV="1">
+            <a:off x="2218377" y="515417"/>
+            <a:ext cx="2934429" cy="2598773"/>
+          </a:xfrm>
+          <a:prstGeom prst="arc">
+            <a:avLst/>
+          </a:prstGeom>
+          <a:ln>
+            <a:headEnd type="none" w="med" len="med"/>
+            <a:tailEnd type="arrow" w="med" len="med"/>
+          </a:ln>
+        </p:spPr>
+        <p:style>
+          <a:lnRef idx="3">
+            <a:schemeClr val="dk1"/>
+          </a:lnRef>
+          <a:fillRef idx="0">
+            <a:schemeClr val="dk1"/>
+          </a:fillRef>
+          <a:effectRef idx="2">
+            <a:schemeClr val="dk1"/>
+          </a:effectRef>
+          <a:fontRef idx="minor">
+            <a:schemeClr val="tx1"/>
+          </a:fontRef>
+        </p:style>
+        <p:txBody>
+          <a:bodyPr rtlCol="0" anchor="ctr"/>
+          <a:lstStyle/>
+          <a:p>
+            <a:pPr algn="ctr"/>
+            <a:endParaRPr lang="de-DE"/>
+          </a:p>
+        </p:txBody>
+      </p:sp>
+      <p:sp>
+        <p:nvSpPr>
+          <p:cNvPr id="9" name="Bogen 8">
+            <a:extLst>
+              <a:ext uri="{FF2B5EF4-FFF2-40B4-BE49-F238E27FC236}">
+                <a16:creationId xmlns:a16="http://schemas.microsoft.com/office/drawing/2014/main" id="{8DFD850E-41B9-40A2-AC3F-3DDC2594DE93}"/>
+              </a:ext>
+            </a:extLst>
+          </p:cNvPr>
+          <p:cNvSpPr/>
+          <p:nvPr/>
+        </p:nvSpPr>
+        <p:spPr>
+          <a:xfrm rot="2418059" flipV="1">
+            <a:off x="5367459" y="515418"/>
+            <a:ext cx="2934429" cy="2598773"/>
+          </a:xfrm>
+          <a:prstGeom prst="arc">
+            <a:avLst/>
+          </a:prstGeom>
+          <a:ln>
+            <a:headEnd type="none" w="med" len="med"/>
+            <a:tailEnd type="arrow" w="med" len="med"/>
+          </a:ln>
+        </p:spPr>
+        <p:style>
+          <a:lnRef idx="3">
+            <a:schemeClr val="dk1"/>
+          </a:lnRef>
+          <a:fillRef idx="0">
+            <a:schemeClr val="dk1"/>
+          </a:fillRef>
+          <a:effectRef idx="2">
+            <a:schemeClr val="dk1"/>
+          </a:effectRef>
+          <a:fontRef idx="minor">
+            <a:schemeClr val="tx1"/>
+          </a:fontRef>
+        </p:style>
+        <p:txBody>
+          <a:bodyPr rtlCol="0" anchor="ctr"/>
+          <a:lstStyle/>
+          <a:p>
+            <a:pPr algn="ctr"/>
+            <a:endParaRPr lang="de-DE"/>
+          </a:p>
+        </p:txBody>
+      </p:sp>
+      <p:sp>
+        <p:nvSpPr>
+          <p:cNvPr id="10" name="Bogen 9">
+            <a:extLst>
+              <a:ext uri="{FF2B5EF4-FFF2-40B4-BE49-F238E27FC236}">
+                <a16:creationId xmlns:a16="http://schemas.microsoft.com/office/drawing/2014/main" id="{29A8C8B7-292B-40D2-B907-8F5E1BC64523}"/>
+              </a:ext>
+            </a:extLst>
+          </p:cNvPr>
+          <p:cNvSpPr/>
+          <p:nvPr/>
+        </p:nvSpPr>
+        <p:spPr>
+          <a:xfrm rot="13112312" flipV="1">
+            <a:off x="2538389" y="1507572"/>
+            <a:ext cx="2934429" cy="2598773"/>
+          </a:xfrm>
+          <a:prstGeom prst="arc">
+            <a:avLst/>
+          </a:prstGeom>
+          <a:ln>
+            <a:solidFill>
+              <a:srgbClr val="000066"/>
+            </a:solidFill>
+            <a:headEnd type="none" w="med" len="med"/>
+            <a:tailEnd type="arrow" w="med" len="med"/>
+          </a:ln>
+        </p:spPr>
+        <p:style>
+          <a:lnRef idx="3">
+            <a:schemeClr val="dk1"/>
+          </a:lnRef>
+          <a:fillRef idx="0">
+            <a:schemeClr val="dk1"/>
+          </a:fillRef>
+          <a:effectRef idx="2">
+            <a:schemeClr val="dk1"/>
+          </a:effectRef>
+          <a:fontRef idx="minor">
+            <a:schemeClr val="tx1"/>
+          </a:fontRef>
+        </p:style>
+        <p:txBody>
+          <a:bodyPr rtlCol="0" anchor="ctr"/>
+          <a:lstStyle/>
+          <a:p>
+            <a:pPr algn="ctr"/>
+            <a:endParaRPr lang="de-DE"/>
+          </a:p>
+        </p:txBody>
+      </p:sp>
+      <p:sp>
+        <p:nvSpPr>
+          <p:cNvPr id="11" name="Bogen 10">
+            <a:extLst>
+              <a:ext uri="{FF2B5EF4-FFF2-40B4-BE49-F238E27FC236}">
+                <a16:creationId xmlns:a16="http://schemas.microsoft.com/office/drawing/2014/main" id="{2B437743-AC44-42A1-B9B4-D0B724474B70}"/>
+              </a:ext>
+            </a:extLst>
+          </p:cNvPr>
+          <p:cNvSpPr/>
+          <p:nvPr/>
+        </p:nvSpPr>
+        <p:spPr>
+          <a:xfrm rot="13112312" flipV="1">
+            <a:off x="5687471" y="1507570"/>
+            <a:ext cx="2934429" cy="2598773"/>
+          </a:xfrm>
+          <a:prstGeom prst="arc">
+            <a:avLst/>
+          </a:prstGeom>
+          <a:ln>
+            <a:solidFill>
+              <a:srgbClr val="000066"/>
+            </a:solidFill>
+            <a:headEnd type="none" w="med" len="med"/>
+            <a:tailEnd type="arrow" w="med" len="med"/>
+          </a:ln>
+        </p:spPr>
+        <p:style>
+          <a:lnRef idx="3">
+            <a:schemeClr val="dk1"/>
+          </a:lnRef>
+          <a:fillRef idx="0">
+            <a:schemeClr val="dk1"/>
+          </a:fillRef>
+          <a:effectRef idx="2">
+            <a:schemeClr val="dk1"/>
+          </a:effectRef>
+          <a:fontRef idx="minor">
+            <a:schemeClr val="tx1"/>
+          </a:fontRef>
+        </p:style>
+        <p:txBody>
+          <a:bodyPr rtlCol="0" anchor="ctr"/>
+          <a:lstStyle/>
+          <a:p>
+            <a:pPr algn="ctr"/>
+            <a:endParaRPr lang="de-DE"/>
+          </a:p>
+        </p:txBody>
+      </p:sp>
+      <p:sp>
+        <p:nvSpPr>
+          <p:cNvPr id="12" name="Bogen 11">
+            <a:extLst>
+              <a:ext uri="{FF2B5EF4-FFF2-40B4-BE49-F238E27FC236}">
+                <a16:creationId xmlns:a16="http://schemas.microsoft.com/office/drawing/2014/main" id="{18A1877F-56E6-4DC5-9504-340ADC7B865D}"/>
+              </a:ext>
+            </a:extLst>
+          </p:cNvPr>
+          <p:cNvSpPr/>
+          <p:nvPr/>
+        </p:nvSpPr>
+        <p:spPr>
+          <a:xfrm flipH="1">
+            <a:off x="3214556" y="2192693"/>
+            <a:ext cx="388096" cy="335902"/>
+          </a:xfrm>
+          <a:prstGeom prst="arc">
+            <a:avLst>
+              <a:gd name="adj1" fmla="val 18164090"/>
+              <a:gd name="adj2" fmla="val 14505760"/>
+            </a:avLst>
+          </a:prstGeom>
+          <a:ln>
+            <a:solidFill>
+              <a:srgbClr val="0099FF"/>
+            </a:solidFill>
+            <a:headEnd type="none" w="med" len="med"/>
+            <a:tailEnd type="arrow" w="med" len="med"/>
+          </a:ln>
+        </p:spPr>
+        <p:style>
+          <a:lnRef idx="3">
+            <a:schemeClr val="dk1"/>
+          </a:lnRef>
+          <a:fillRef idx="0">
+            <a:schemeClr val="dk1"/>
+          </a:fillRef>
+          <a:effectRef idx="2">
+            <a:schemeClr val="dk1"/>
+          </a:effectRef>
+          <a:fontRef idx="minor">
+            <a:schemeClr val="tx1"/>
+          </a:fontRef>
+        </p:style>
+        <p:txBody>
+          <a:bodyPr rtlCol="0" anchor="ctr"/>
+          <a:lstStyle/>
+          <a:p>
+            <a:pPr algn="ctr"/>
+            <a:endParaRPr lang="de-DE"/>
+          </a:p>
+        </p:txBody>
+      </p:sp>
+      <p:sp>
+        <p:nvSpPr>
+          <p:cNvPr id="14" name="Bogen 13">
+            <a:extLst>
+              <a:ext uri="{FF2B5EF4-FFF2-40B4-BE49-F238E27FC236}">
+                <a16:creationId xmlns:a16="http://schemas.microsoft.com/office/drawing/2014/main" id="{76802F32-EE12-4E55-AB3F-6569A23A2889}"/>
+              </a:ext>
+            </a:extLst>
+          </p:cNvPr>
+          <p:cNvSpPr/>
+          <p:nvPr/>
+        </p:nvSpPr>
+        <p:spPr>
+          <a:xfrm flipH="1">
+            <a:off x="3408604" y="2192693"/>
+            <a:ext cx="388096" cy="335902"/>
+          </a:xfrm>
+          <a:prstGeom prst="arc">
+            <a:avLst>
+              <a:gd name="adj1" fmla="val 18164090"/>
+              <a:gd name="adj2" fmla="val 14505760"/>
+            </a:avLst>
+          </a:prstGeom>
+          <a:ln>
+            <a:solidFill>
+              <a:srgbClr val="0099FF"/>
+            </a:solidFill>
+            <a:headEnd type="none" w="med" len="med"/>
+            <a:tailEnd type="arrow" w="med" len="med"/>
+          </a:ln>
+        </p:spPr>
+        <p:style>
+          <a:lnRef idx="3">
+            <a:schemeClr val="dk1"/>
+          </a:lnRef>
+          <a:fillRef idx="0">
+            <a:schemeClr val="dk1"/>
+          </a:fillRef>
+          <a:effectRef idx="2">
+            <a:schemeClr val="dk1"/>
+          </a:effectRef>
+          <a:fontRef idx="minor">
+            <a:schemeClr val="tx1"/>
+          </a:fontRef>
+        </p:style>
+        <p:txBody>
+          <a:bodyPr rtlCol="0" anchor="ctr"/>
+          <a:lstStyle/>
+          <a:p>
+            <a:pPr algn="ctr"/>
+            <a:endParaRPr lang="de-DE"/>
+          </a:p>
+        </p:txBody>
+      </p:sp>
+      <p:sp>
+        <p:nvSpPr>
+          <p:cNvPr id="15" name="Bogen 14">
+            <a:extLst>
+              <a:ext uri="{FF2B5EF4-FFF2-40B4-BE49-F238E27FC236}">
+                <a16:creationId xmlns:a16="http://schemas.microsoft.com/office/drawing/2014/main" id="{B37442ED-FF02-4C7D-96FA-27030017E33E}"/>
+              </a:ext>
+            </a:extLst>
+          </p:cNvPr>
+          <p:cNvSpPr/>
+          <p:nvPr/>
+        </p:nvSpPr>
+        <p:spPr>
+          <a:xfrm flipH="1">
+            <a:off x="3858676" y="2192693"/>
+            <a:ext cx="388096" cy="335902"/>
+          </a:xfrm>
+          <a:prstGeom prst="arc">
+            <a:avLst>
+              <a:gd name="adj1" fmla="val 18164090"/>
+              <a:gd name="adj2" fmla="val 14505760"/>
+            </a:avLst>
+          </a:prstGeom>
+          <a:ln>
+            <a:solidFill>
+              <a:srgbClr val="0099FF"/>
+            </a:solidFill>
+            <a:headEnd type="none" w="med" len="med"/>
+            <a:tailEnd type="arrow" w="med" len="med"/>
+          </a:ln>
+        </p:spPr>
+        <p:style>
+          <a:lnRef idx="3">
+            <a:schemeClr val="dk1"/>
+          </a:lnRef>
+          <a:fillRef idx="0">
+            <a:schemeClr val="dk1"/>
+          </a:fillRef>
+          <a:effectRef idx="2">
+            <a:schemeClr val="dk1"/>
+          </a:effectRef>
+          <a:fontRef idx="minor">
+            <a:schemeClr val="tx1"/>
+          </a:fontRef>
+        </p:style>
+        <p:txBody>
+          <a:bodyPr rtlCol="0" anchor="ctr"/>
+          <a:lstStyle/>
+          <a:p>
+            <a:pPr algn="ctr"/>
+            <a:endParaRPr lang="de-DE"/>
+          </a:p>
+        </p:txBody>
+      </p:sp>
+      <p:sp>
+        <p:nvSpPr>
+          <p:cNvPr id="16" name="Bogen 15">
+            <a:extLst>
+              <a:ext uri="{FF2B5EF4-FFF2-40B4-BE49-F238E27FC236}">
+                <a16:creationId xmlns:a16="http://schemas.microsoft.com/office/drawing/2014/main" id="{64125772-2541-4466-A872-10B229A34684}"/>
+              </a:ext>
+            </a:extLst>
+          </p:cNvPr>
+          <p:cNvSpPr/>
+          <p:nvPr/>
+        </p:nvSpPr>
+        <p:spPr>
+          <a:xfrm flipH="1">
+            <a:off x="3664628" y="2192693"/>
+            <a:ext cx="388096" cy="335902"/>
+          </a:xfrm>
+          <a:prstGeom prst="arc">
+            <a:avLst>
+              <a:gd name="adj1" fmla="val 18164090"/>
+              <a:gd name="adj2" fmla="val 14505760"/>
+            </a:avLst>
+          </a:prstGeom>
+          <a:ln>
+            <a:solidFill>
+              <a:srgbClr val="0099FF"/>
+            </a:solidFill>
+            <a:headEnd type="none" w="med" len="med"/>
+            <a:tailEnd type="arrow" w="med" len="med"/>
+          </a:ln>
+        </p:spPr>
+        <p:style>
+          <a:lnRef idx="3">
+            <a:schemeClr val="dk1"/>
+          </a:lnRef>
+          <a:fillRef idx="0">
+            <a:schemeClr val="dk1"/>
+          </a:fillRef>
+          <a:effectRef idx="2">
+            <a:schemeClr val="dk1"/>
+          </a:effectRef>
+          <a:fontRef idx="minor">
+            <a:schemeClr val="tx1"/>
+          </a:fontRef>
+        </p:style>
+        <p:txBody>
+          <a:bodyPr rtlCol="0" anchor="ctr"/>
+          <a:lstStyle/>
+          <a:p>
+            <a:pPr algn="ctr"/>
+            <a:endParaRPr lang="de-DE"/>
+          </a:p>
+        </p:txBody>
+      </p:sp>
+      <p:sp>
+        <p:nvSpPr>
+          <p:cNvPr id="17" name="Bogen 16">
+            <a:extLst>
+              <a:ext uri="{FF2B5EF4-FFF2-40B4-BE49-F238E27FC236}">
+                <a16:creationId xmlns:a16="http://schemas.microsoft.com/office/drawing/2014/main" id="{7704A0AA-D943-413D-8C24-79E60F5BDD00}"/>
+              </a:ext>
+            </a:extLst>
+          </p:cNvPr>
+          <p:cNvSpPr/>
+          <p:nvPr/>
+        </p:nvSpPr>
+        <p:spPr>
+          <a:xfrm flipH="1">
+            <a:off x="4052724" y="2192693"/>
+            <a:ext cx="388096" cy="335902"/>
+          </a:xfrm>
+          <a:prstGeom prst="arc">
+            <a:avLst>
+              <a:gd name="adj1" fmla="val 18164090"/>
+              <a:gd name="adj2" fmla="val 14505760"/>
+            </a:avLst>
+          </a:prstGeom>
+          <a:ln>
+            <a:solidFill>
+              <a:srgbClr val="0099FF"/>
+            </a:solidFill>
+            <a:headEnd type="none" w="med" len="med"/>
+            <a:tailEnd type="arrow" w="med" len="med"/>
+          </a:ln>
+        </p:spPr>
+        <p:style>
+          <a:lnRef idx="3">
+            <a:schemeClr val="dk1"/>
+          </a:lnRef>
+          <a:fillRef idx="0">
+            <a:schemeClr val="dk1"/>
+          </a:fillRef>
+          <a:effectRef idx="2">
+            <a:schemeClr val="dk1"/>
+          </a:effectRef>
+          <a:fontRef idx="minor">
+            <a:schemeClr val="tx1"/>
+          </a:fontRef>
+        </p:style>
+        <p:txBody>
+          <a:bodyPr rtlCol="0" anchor="ctr"/>
+          <a:lstStyle/>
+          <a:p>
+            <a:pPr algn="ctr"/>
+            <a:endParaRPr lang="de-DE"/>
+          </a:p>
+        </p:txBody>
+      </p:sp>
+      <p:sp>
+        <p:nvSpPr>
+          <p:cNvPr id="18" name="Bogen 17">
+            <a:extLst>
+              <a:ext uri="{FF2B5EF4-FFF2-40B4-BE49-F238E27FC236}">
+                <a16:creationId xmlns:a16="http://schemas.microsoft.com/office/drawing/2014/main" id="{D0F9B32F-13ED-4185-A073-A82756B0250A}"/>
+              </a:ext>
+            </a:extLst>
+          </p:cNvPr>
+          <p:cNvSpPr/>
+          <p:nvPr/>
+        </p:nvSpPr>
+        <p:spPr>
+          <a:xfrm flipH="1">
+            <a:off x="6458101" y="2192693"/>
+            <a:ext cx="388096" cy="335902"/>
+          </a:xfrm>
+          <a:prstGeom prst="arc">
+            <a:avLst>
+              <a:gd name="adj1" fmla="val 18164090"/>
+              <a:gd name="adj2" fmla="val 14505760"/>
+            </a:avLst>
+          </a:prstGeom>
+          <a:ln>
+            <a:solidFill>
+              <a:srgbClr val="0099FF"/>
+            </a:solidFill>
+            <a:headEnd type="none" w="med" len="med"/>
+            <a:tailEnd type="arrow" w="med" len="med"/>
+          </a:ln>
+        </p:spPr>
+        <p:style>
+          <a:lnRef idx="3">
+            <a:schemeClr val="dk1"/>
+          </a:lnRef>
+          <a:fillRef idx="0">
+            <a:schemeClr val="dk1"/>
+          </a:fillRef>
+          <a:effectRef idx="2">
+            <a:schemeClr val="dk1"/>
+          </a:effectRef>
+          <a:fontRef idx="minor">
+            <a:schemeClr val="tx1"/>
+          </a:fontRef>
+        </p:style>
+        <p:txBody>
+          <a:bodyPr rtlCol="0" anchor="ctr"/>
+          <a:lstStyle/>
+          <a:p>
+            <a:pPr algn="ctr"/>
+            <a:endParaRPr lang="de-DE"/>
+          </a:p>
+        </p:txBody>
+      </p:sp>
+      <p:sp>
+        <p:nvSpPr>
+          <p:cNvPr id="19" name="Bogen 18">
+            <a:extLst>
+              <a:ext uri="{FF2B5EF4-FFF2-40B4-BE49-F238E27FC236}">
+                <a16:creationId xmlns:a16="http://schemas.microsoft.com/office/drawing/2014/main" id="{BFFA160B-D5B7-45D6-81B1-83BAF9F57B98}"/>
+              </a:ext>
+            </a:extLst>
+          </p:cNvPr>
+          <p:cNvSpPr/>
+          <p:nvPr/>
+        </p:nvSpPr>
+        <p:spPr>
+          <a:xfrm flipH="1">
+            <a:off x="6652149" y="2192693"/>
+            <a:ext cx="388096" cy="335902"/>
+          </a:xfrm>
+          <a:prstGeom prst="arc">
+            <a:avLst>
+              <a:gd name="adj1" fmla="val 18164090"/>
+              <a:gd name="adj2" fmla="val 14505760"/>
+            </a:avLst>
+          </a:prstGeom>
+          <a:ln>
+            <a:solidFill>
+              <a:srgbClr val="0099FF"/>
+            </a:solidFill>
+            <a:headEnd type="none" w="med" len="med"/>
+            <a:tailEnd type="arrow" w="med" len="med"/>
+          </a:ln>
+        </p:spPr>
+        <p:style>
+          <a:lnRef idx="3">
+            <a:schemeClr val="dk1"/>
+          </a:lnRef>
+          <a:fillRef idx="0">
+            <a:schemeClr val="dk1"/>
+          </a:fillRef>
+          <a:effectRef idx="2">
+            <a:schemeClr val="dk1"/>
+          </a:effectRef>
+          <a:fontRef idx="minor">
+            <a:schemeClr val="tx1"/>
+          </a:fontRef>
+        </p:style>
+        <p:txBody>
+          <a:bodyPr rtlCol="0" anchor="ctr"/>
+          <a:lstStyle/>
+          <a:p>
+            <a:pPr algn="ctr"/>
+            <a:endParaRPr lang="de-DE"/>
+          </a:p>
+        </p:txBody>
+      </p:sp>
+      <p:sp>
+        <p:nvSpPr>
+          <p:cNvPr id="20" name="Bogen 19">
+            <a:extLst>
+              <a:ext uri="{FF2B5EF4-FFF2-40B4-BE49-F238E27FC236}">
+                <a16:creationId xmlns:a16="http://schemas.microsoft.com/office/drawing/2014/main" id="{38610074-9BE8-43B7-A7FC-22E4A1B524C4}"/>
+              </a:ext>
+            </a:extLst>
+          </p:cNvPr>
+          <p:cNvSpPr/>
+          <p:nvPr/>
+        </p:nvSpPr>
+        <p:spPr>
+          <a:xfrm flipH="1">
+            <a:off x="7102221" y="2192693"/>
+            <a:ext cx="388096" cy="335902"/>
+          </a:xfrm>
+          <a:prstGeom prst="arc">
+            <a:avLst>
+              <a:gd name="adj1" fmla="val 18164090"/>
+              <a:gd name="adj2" fmla="val 14505760"/>
+            </a:avLst>
+          </a:prstGeom>
+          <a:ln>
+            <a:solidFill>
+              <a:srgbClr val="0099FF"/>
+            </a:solidFill>
+            <a:headEnd type="none" w="med" len="med"/>
+            <a:tailEnd type="arrow" w="med" len="med"/>
+          </a:ln>
+        </p:spPr>
+        <p:style>
+          <a:lnRef idx="3">
+            <a:schemeClr val="dk1"/>
+          </a:lnRef>
+          <a:fillRef idx="0">
+            <a:schemeClr val="dk1"/>
+          </a:fillRef>
+          <a:effectRef idx="2">
+            <a:schemeClr val="dk1"/>
+          </a:effectRef>
+          <a:fontRef idx="minor">
+            <a:schemeClr val="tx1"/>
+          </a:fontRef>
+        </p:style>
+        <p:txBody>
+          <a:bodyPr rtlCol="0" anchor="ctr"/>
+          <a:lstStyle/>
+          <a:p>
+            <a:pPr algn="ctr"/>
+            <a:endParaRPr lang="de-DE"/>
+          </a:p>
+        </p:txBody>
+      </p:sp>
+      <p:sp>
+        <p:nvSpPr>
+          <p:cNvPr id="21" name="Bogen 20">
+            <a:extLst>
+              <a:ext uri="{FF2B5EF4-FFF2-40B4-BE49-F238E27FC236}">
+                <a16:creationId xmlns:a16="http://schemas.microsoft.com/office/drawing/2014/main" id="{B110F46B-041D-4A76-8752-2B005B18FCE6}"/>
+              </a:ext>
+            </a:extLst>
+          </p:cNvPr>
+          <p:cNvSpPr/>
+          <p:nvPr/>
+        </p:nvSpPr>
+        <p:spPr>
+          <a:xfrm flipH="1">
+            <a:off x="6908173" y="2192693"/>
+            <a:ext cx="388096" cy="335902"/>
+          </a:xfrm>
+          <a:prstGeom prst="arc">
+            <a:avLst>
+              <a:gd name="adj1" fmla="val 18164090"/>
+              <a:gd name="adj2" fmla="val 14505760"/>
+            </a:avLst>
+          </a:prstGeom>
+          <a:ln>
+            <a:solidFill>
+              <a:srgbClr val="0099FF"/>
+            </a:solidFill>
+            <a:headEnd type="none" w="med" len="med"/>
+            <a:tailEnd type="arrow" w="med" len="med"/>
+          </a:ln>
+        </p:spPr>
+        <p:style>
+          <a:lnRef idx="3">
+            <a:schemeClr val="dk1"/>
+          </a:lnRef>
+          <a:fillRef idx="0">
+            <a:schemeClr val="dk1"/>
+          </a:fillRef>
+          <a:effectRef idx="2">
+            <a:schemeClr val="dk1"/>
+          </a:effectRef>
+          <a:fontRef idx="minor">
+            <a:schemeClr val="tx1"/>
+          </a:fontRef>
+        </p:style>
+        <p:txBody>
+          <a:bodyPr rtlCol="0" anchor="ctr"/>
+          <a:lstStyle/>
+          <a:p>
+            <a:pPr algn="ctr"/>
+            <a:endParaRPr lang="de-DE"/>
+          </a:p>
+        </p:txBody>
+      </p:sp>
+      <p:sp>
+        <p:nvSpPr>
+          <p:cNvPr id="22" name="Bogen 21">
+            <a:extLst>
+              <a:ext uri="{FF2B5EF4-FFF2-40B4-BE49-F238E27FC236}">
+                <a16:creationId xmlns:a16="http://schemas.microsoft.com/office/drawing/2014/main" id="{A7D6122F-C761-4AC7-9376-EFB9BDA9A587}"/>
+              </a:ext>
+            </a:extLst>
+          </p:cNvPr>
+          <p:cNvSpPr/>
+          <p:nvPr/>
+        </p:nvSpPr>
+        <p:spPr>
+          <a:xfrm flipH="1">
+            <a:off x="7296269" y="2192693"/>
+            <a:ext cx="388096" cy="335902"/>
+          </a:xfrm>
+          <a:prstGeom prst="arc">
+            <a:avLst>
+              <a:gd name="adj1" fmla="val 18164090"/>
+              <a:gd name="adj2" fmla="val 14505760"/>
+            </a:avLst>
+          </a:prstGeom>
+          <a:ln>
+            <a:solidFill>
+              <a:srgbClr val="0099FF"/>
+            </a:solidFill>
+            <a:headEnd type="none" w="med" len="med"/>
+            <a:tailEnd type="arrow" w="med" len="med"/>
+          </a:ln>
+        </p:spPr>
+        <p:style>
+          <a:lnRef idx="3">
+            <a:schemeClr val="dk1"/>
+          </a:lnRef>
+          <a:fillRef idx="0">
+            <a:schemeClr val="dk1"/>
+          </a:fillRef>
+          <a:effectRef idx="2">
+            <a:schemeClr val="dk1"/>
+          </a:effectRef>
+          <a:fontRef idx="minor">
+            <a:schemeClr val="tx1"/>
+          </a:fontRef>
+        </p:style>
+        <p:txBody>
+          <a:bodyPr rtlCol="0" anchor="ctr"/>
+          <a:lstStyle/>
+          <a:p>
+            <a:pPr algn="ctr"/>
+            <a:endParaRPr lang="de-DE"/>
+          </a:p>
+        </p:txBody>
+      </p:sp>
+    </p:spTree>
+    <p:extLst>
+      <p:ext uri="{BB962C8B-B14F-4D97-AF65-F5344CB8AC3E}">
+        <p14:creationId xmlns:p14="http://schemas.microsoft.com/office/powerpoint/2010/main" val="1031281379"/>
+      </p:ext>
+    </p:extLst>
+  </p:cSld>
+  <p:clrMapOvr>
+    <a:masterClrMapping/>
+  </p:clrMapOvr>
+</p:sld>
+</file>
+
 <file path=ppt/theme/theme1.xml><?xml version="1.0" encoding="utf-8"?>
 <a:theme xmlns:a="http://schemas.openxmlformats.org/drawingml/2006/main" name="Office">
   <a:themeElements>
@@ -4150,11 +5397,25 @@
 </file>
 
 <file path=customXml/item1.xml><?xml version="1.0" encoding="utf-8"?>
+<?mso-contentType ?>
+<SharedContentType xmlns="Microsoft.SharePoint.Taxonomy.ContentTypeSync" SourceId="a53a62bb-fe8c-40a9-b721-69dc556ec299" ContentTypeId="0x010100C7CE61CC9E288946BEFBDDE329B145E8" PreviousValue="false"/>
+</file>
+
+<file path=customXml/item2.xml><?xml version="1.0" encoding="utf-8"?>
+<?mso-contentType ?>
+<FormTemplates xmlns="http://schemas.microsoft.com/sharepoint/v3/contenttype/forms">
+  <Display>DocumentLibraryForm</Display>
+  <Edit>DocumentLibraryForm</Edit>
+  <New>DocumentLibraryForm</New>
+</FormTemplates>
+</file>
+
+<file path=customXml/item3.xml><?xml version="1.0" encoding="utf-8"?>
 <p:properties xmlns:p="http://schemas.microsoft.com/office/2006/metadata/properties" xmlns:xsi="http://www.w3.org/2001/XMLSchema-instance" xmlns:pc="http://schemas.microsoft.com/office/infopath/2007/PartnerControls">
   <documentManagement>
     <msg_Klassifizierung xmlns="f719ecbf-a19d-4b01-ba1f-7ffa0d8a5235">internal</msg_Klassifizierung>
     <msg_Status xmlns="f719ecbf-a19d-4b01-ba1f-7ffa0d8a5235">draft</msg_Status>
-    <msg_Firma xmlns="f719ecbf-a19d-4b01-ba1f-7ffa0d8a5235" xsi:nil="true"/>
+    <msg_Firma xmlns="f719ecbf-a19d-4b01-ba1f-7ffa0d8a5235"/>
     <msg_Version xmlns="f719ecbf-a19d-4b01-ba1f-7ffa0d8a5235">0.1</msg_Version>
     <msg_Manager xmlns="f719ecbf-a19d-4b01-ba1f-7ffa0d8a5235">[Dokumentverantwortlicher]</msg_Manager>
     <msg_Dokumententyp xmlns="f719ecbf-a19d-4b01-ba1f-7ffa0d8a5235">Schriftwechsel (allgemein)</msg_Dokumententyp>
@@ -4165,7 +5426,7 @@
 </p:properties>
 </file>
 
-<file path=customXml/item2.xml><?xml version="1.0" encoding="utf-8"?>
+<file path=customXml/item4.xml><?xml version="1.0" encoding="utf-8"?>
 <ct:contentTypeSchema xmlns:ct="http://schemas.microsoft.com/office/2006/metadata/contentType" xmlns:ma="http://schemas.microsoft.com/office/2006/metadata/properties/metaAttributes" ct:_="" ma:_="" ma:contentTypeName="msg_group_dokument" ma:contentTypeID="0x010100C7CE61CC9E288946BEFBDDE329B145E800A8B45DE0FA6D52458C79C0ECBD3796D6" ma:contentTypeVersion="3" ma:contentTypeDescription="Ein neues Dokument erstellen." ma:contentTypeScope="" ma:versionID="8d8c880da07d662e1b5b8338e5d4b33f">
   <xsd:schema xmlns:xsd="http://www.w3.org/2001/XMLSchema" xmlns:xs="http://www.w3.org/2001/XMLSchema" xmlns:p="http://schemas.microsoft.com/office/2006/metadata/properties" xmlns:ns2="f719ecbf-a19d-4b01-ba1f-7ffa0d8a5235" targetNamespace="http://schemas.microsoft.com/office/2006/metadata/properties" ma:root="true" ma:fieldsID="e5d06e143f6c5d75033272af6bd0bfa9" ns2:_="">
     <xsd:import namespace="f719ecbf-a19d-4b01-ba1f-7ffa0d8a5235"/>
@@ -4374,38 +5635,47 @@
 </ct:contentTypeSchema>
 </file>
 
-<file path=customXml/item3.xml><?xml version="1.0" encoding="utf-8"?>
-<?mso-contentType ?>
-<SharedContentType xmlns="Microsoft.SharePoint.Taxonomy.ContentTypeSync" SourceId="a53a62bb-fe8c-40a9-b721-69dc556ec299" ContentTypeId="0x010100C7CE61CC9E288946BEFBDDE329B145E8" PreviousValue="false"/>
+<file path=customXml/itemProps1.xml><?xml version="1.0" encoding="utf-8"?>
+<ds:datastoreItem xmlns:ds="http://schemas.openxmlformats.org/officeDocument/2006/customXml" ds:itemID="{8DF79F6A-D353-43B0-B316-2143ED7A0174}">
+  <ds:schemaRefs>
+    <ds:schemaRef ds:uri="Microsoft.SharePoint.Taxonomy.ContentTypeSync"/>
+  </ds:schemaRefs>
+</ds:datastoreItem>
 </file>
 
-<file path=customXml/item4.xml><?xml version="1.0" encoding="utf-8"?>
-<?mso-contentType ?>
-<FormTemplates xmlns="http://schemas.microsoft.com/sharepoint/v3/contenttype/forms">
-  <Display>DocumentLibraryForm</Display>
-  <Edit>DocumentLibraryForm</Edit>
-  <New>DocumentLibraryForm</New>
-</FormTemplates>
+<file path=customXml/itemProps2.xml><?xml version="1.0" encoding="utf-8"?>
+<ds:datastoreItem xmlns:ds="http://schemas.openxmlformats.org/officeDocument/2006/customXml" ds:itemID="{D98B66A7-134E-4EA5-9BDA-160A5846C877}">
+  <ds:schemaRefs>
+    <ds:schemaRef ds:uri="http://schemas.microsoft.com/sharepoint/v3/contenttype/forms"/>
+  </ds:schemaRefs>
+</ds:datastoreItem>
 </file>
 
-<file path=customXml/itemProps1.xml><?xml version="1.0" encoding="utf-8"?>
+<file path=customXml/itemProps3.xml><?xml version="1.0" encoding="utf-8"?>
 <ds:datastoreItem xmlns:ds="http://schemas.openxmlformats.org/officeDocument/2006/customXml" ds:itemID="{F9A0F7A1-9FD1-467E-B3A0-54E328770C02}">
   <ds:schemaRefs>
     <ds:schemaRef ds:uri="http://schemas.microsoft.com/office/2006/metadata/properties"/>
     <ds:schemaRef ds:uri="http://schemas.microsoft.com/office/infopath/2007/PartnerControls"/>
     <ds:schemaRef ds:uri="1dd69248-66f9-453d-8211-ae5ae34a4b30"/>
+    <ds:schemaRef ds:uri="f719ecbf-a19d-4b01-ba1f-7ffa0d8a5235"/>
   </ds:schemaRefs>
 </ds:datastoreItem>
 </file>
 
-<file path=customXml/itemProps2.xml><?xml version="1.0" encoding="utf-8"?>
-<ds:datastoreItem xmlns:ds="http://schemas.openxmlformats.org/officeDocument/2006/customXml" ds:itemID="{12A58A57-45F5-4814-8BFF-EE136CC0C1A4}"/>
-</file>
-
-<file path=customXml/itemProps3.xml><?xml version="1.0" encoding="utf-8"?>
-<ds:datastoreItem xmlns:ds="http://schemas.openxmlformats.org/officeDocument/2006/customXml" ds:itemID="{8DF79F6A-D353-43B0-B316-2143ED7A0174}"/>
-</file>
-
 <file path=customXml/itemProps4.xml><?xml version="1.0" encoding="utf-8"?>
-<ds:datastoreItem xmlns:ds="http://schemas.openxmlformats.org/officeDocument/2006/customXml" ds:itemID="{D98B66A7-134E-4EA5-9BDA-160A5846C877}"/>
+<ds:datastoreItem xmlns:ds="http://schemas.openxmlformats.org/officeDocument/2006/customXml" ds:itemID="{12A58A57-45F5-4814-8BFF-EE136CC0C1A4}">
+  <ds:schemaRefs>
+    <ds:schemaRef ds:uri="http://schemas.microsoft.com/office/2006/metadata/contentType"/>
+    <ds:schemaRef ds:uri="http://schemas.microsoft.com/office/2006/metadata/properties/metaAttributes"/>
+    <ds:schemaRef ds:uri="http://www.w3.org/2001/XMLSchema"/>
+    <ds:schemaRef ds:uri="http://schemas.microsoft.com/office/2006/metadata/properties"/>
+    <ds:schemaRef ds:uri="f719ecbf-a19d-4b01-ba1f-7ffa0d8a5235"/>
+    <ds:schemaRef ds:uri="http://schemas.microsoft.com/office/2006/documentManagement/types"/>
+    <ds:schemaRef ds:uri="http://schemas.microsoft.com/office/infopath/2007/PartnerControls"/>
+    <ds:schemaRef ds:uri="http://schemas.openxmlformats.org/package/2006/metadata/core-properties"/>
+    <ds:schemaRef ds:uri="http://purl.org/dc/elements/1.1/"/>
+    <ds:schemaRef ds:uri="http://purl.org/dc/terms/"/>
+    <ds:schemaRef ds:uri="http://schemas.microsoft.com/internal/obd"/>
+  </ds:schemaRefs>
+</ds:datastoreItem>
 </file>
--- a/Diagramme.pptx
+++ b/Diagramme.pptx
@@ -7,6 +7,10 @@
   <p:sldIdLst>
     <p:sldId id="256" r:id="rId6"/>
     <p:sldId id="257" r:id="rId7"/>
+    <p:sldId id="258" r:id="rId8"/>
+    <p:sldId id="259" r:id="rId9"/>
+    <p:sldId id="260" r:id="rId10"/>
+    <p:sldId id="261" r:id="rId11"/>
   </p:sldIdLst>
   <p:sldSz cx="12192000" cy="6858000"/>
   <p:notesSz cx="6858000" cy="9144000"/>
@@ -116,7 +120,7 @@
 <file path=ppt/revisionInfo.xml><?xml version="1.0" encoding="utf-8"?>
 <p1510:revInfo xmlns:a="http://schemas.openxmlformats.org/drawingml/2006/main" xmlns:r="http://schemas.openxmlformats.org/officeDocument/2006/relationships" xmlns:p1510="http://schemas.microsoft.com/office/powerpoint/2015/10/main">
   <p1510:revLst>
-    <p1510:client id="{0AF7E597-49B2-41BC-A681-8964848EC46E}" v="197" dt="2021-08-03T09:20:01.942"/>
+    <p1510:client id="{0AF7E597-49B2-41BC-A681-8964848EC46E}" v="729" dt="2021-08-12T07:54:00.079"/>
   </p1510:revLst>
 </p1510:revInfo>
 </file>
@@ -125,8 +129,8 @@
 <pc:chgInfo xmlns:a="http://schemas.openxmlformats.org/drawingml/2006/main" xmlns:r="http://schemas.openxmlformats.org/officeDocument/2006/relationships" xmlns:ac="http://schemas.microsoft.com/office/drawing/2013/main/command" xmlns:pc="http://schemas.microsoft.com/office/powerpoint/2013/main/command">
   <pc:docChgLst>
     <pc:chgData name="Claudia Arnold" userId="a34ee16d-61d7-43e2-b6f8-1246cdcb6fd4" providerId="ADAL" clId="{0AF7E597-49B2-41BC-A681-8964848EC46E}"/>
-    <pc:docChg chg="custSel addSld modSld">
-      <pc:chgData name="Claudia Arnold" userId="a34ee16d-61d7-43e2-b6f8-1246cdcb6fd4" providerId="ADAL" clId="{0AF7E597-49B2-41BC-A681-8964848EC46E}" dt="2021-08-03T09:20:11.916" v="339" actId="1076"/>
+    <pc:docChg chg="undo custSel addSld modSld">
+      <pc:chgData name="Claudia Arnold" userId="a34ee16d-61d7-43e2-b6f8-1246cdcb6fd4" providerId="ADAL" clId="{0AF7E597-49B2-41BC-A681-8964848EC46E}" dt="2021-08-12T07:55:19.153" v="1889" actId="1036"/>
       <pc:docMkLst>
         <pc:docMk/>
       </pc:docMkLst>
@@ -398,6 +402,970 @@
             <pc:docMk/>
             <pc:sldMk cId="1031281379" sldId="257"/>
             <ac:cxnSpMk id="18" creationId="{92234A4F-4869-4A3F-9BC9-B17C114185D5}"/>
+          </ac:cxnSpMkLst>
+        </pc:cxnChg>
+      </pc:sldChg>
+      <pc:sldChg chg="addSp delSp modSp new mod">
+        <pc:chgData name="Claudia Arnold" userId="a34ee16d-61d7-43e2-b6f8-1246cdcb6fd4" providerId="ADAL" clId="{0AF7E597-49B2-41BC-A681-8964848EC46E}" dt="2021-08-08T08:35:12.568" v="380" actId="1076"/>
+        <pc:sldMkLst>
+          <pc:docMk/>
+          <pc:sldMk cId="3469165638" sldId="258"/>
+        </pc:sldMkLst>
+        <pc:spChg chg="del">
+          <ac:chgData name="Claudia Arnold" userId="a34ee16d-61d7-43e2-b6f8-1246cdcb6fd4" providerId="ADAL" clId="{0AF7E597-49B2-41BC-A681-8964848EC46E}" dt="2021-08-08T08:32:10.732" v="341" actId="478"/>
+          <ac:spMkLst>
+            <pc:docMk/>
+            <pc:sldMk cId="3469165638" sldId="258"/>
+            <ac:spMk id="2" creationId="{143F468C-8B75-4DD2-83C3-325AFAF419DF}"/>
+          </ac:spMkLst>
+        </pc:spChg>
+        <pc:spChg chg="del">
+          <ac:chgData name="Claudia Arnold" userId="a34ee16d-61d7-43e2-b6f8-1246cdcb6fd4" providerId="ADAL" clId="{0AF7E597-49B2-41BC-A681-8964848EC46E}" dt="2021-08-08T08:32:13.134" v="342" actId="478"/>
+          <ac:spMkLst>
+            <pc:docMk/>
+            <pc:sldMk cId="3469165638" sldId="258"/>
+            <ac:spMk id="3" creationId="{6499861D-B4D0-4F74-B3E5-2C1D70768225}"/>
+          </ac:spMkLst>
+        </pc:spChg>
+        <pc:spChg chg="add del">
+          <ac:chgData name="Claudia Arnold" userId="a34ee16d-61d7-43e2-b6f8-1246cdcb6fd4" providerId="ADAL" clId="{0AF7E597-49B2-41BC-A681-8964848EC46E}" dt="2021-08-08T08:33:56.878" v="349" actId="478"/>
+          <ac:spMkLst>
+            <pc:docMk/>
+            <pc:sldMk cId="3469165638" sldId="258"/>
+            <ac:spMk id="5" creationId="{B20D6C64-E20E-46C2-87CB-5EFFD2911CEC}"/>
+          </ac:spMkLst>
+        </pc:spChg>
+        <pc:spChg chg="add mod">
+          <ac:chgData name="Claudia Arnold" userId="a34ee16d-61d7-43e2-b6f8-1246cdcb6fd4" providerId="ADAL" clId="{0AF7E597-49B2-41BC-A681-8964848EC46E}" dt="2021-08-08T08:34:19.053" v="353" actId="1076"/>
+          <ac:spMkLst>
+            <pc:docMk/>
+            <pc:sldMk cId="3469165638" sldId="258"/>
+            <ac:spMk id="6" creationId="{358962FB-3357-4CAE-857A-817D2FD40046}"/>
+          </ac:spMkLst>
+        </pc:spChg>
+        <pc:spChg chg="add mod">
+          <ac:chgData name="Claudia Arnold" userId="a34ee16d-61d7-43e2-b6f8-1246cdcb6fd4" providerId="ADAL" clId="{0AF7E597-49B2-41BC-A681-8964848EC46E}" dt="2021-08-08T08:34:19.053" v="353" actId="1076"/>
+          <ac:spMkLst>
+            <pc:docMk/>
+            <pc:sldMk cId="3469165638" sldId="258"/>
+            <ac:spMk id="7" creationId="{253D4E71-1146-47CF-B41A-13FB8955E216}"/>
+          </ac:spMkLst>
+        </pc:spChg>
+        <pc:spChg chg="add mod">
+          <ac:chgData name="Claudia Arnold" userId="a34ee16d-61d7-43e2-b6f8-1246cdcb6fd4" providerId="ADAL" clId="{0AF7E597-49B2-41BC-A681-8964848EC46E}" dt="2021-08-08T08:35:12.568" v="380" actId="1076"/>
+          <ac:spMkLst>
+            <pc:docMk/>
+            <pc:sldMk cId="3469165638" sldId="258"/>
+            <ac:spMk id="8" creationId="{C2166435-4B04-4FB8-B0B8-F26D4EF9812D}"/>
+          </ac:spMkLst>
+        </pc:spChg>
+        <pc:spChg chg="add mod">
+          <ac:chgData name="Claudia Arnold" userId="a34ee16d-61d7-43e2-b6f8-1246cdcb6fd4" providerId="ADAL" clId="{0AF7E597-49B2-41BC-A681-8964848EC46E}" dt="2021-08-08T08:35:12.568" v="380" actId="1076"/>
+          <ac:spMkLst>
+            <pc:docMk/>
+            <pc:sldMk cId="3469165638" sldId="258"/>
+            <ac:spMk id="9" creationId="{DA972A01-6B9C-4BD8-A02C-8CEA98D0639D}"/>
+          </ac:spMkLst>
+        </pc:spChg>
+        <pc:spChg chg="add mod">
+          <ac:chgData name="Claudia Arnold" userId="a34ee16d-61d7-43e2-b6f8-1246cdcb6fd4" providerId="ADAL" clId="{0AF7E597-49B2-41BC-A681-8964848EC46E}" dt="2021-08-08T08:35:12.568" v="380" actId="1076"/>
+          <ac:spMkLst>
+            <pc:docMk/>
+            <pc:sldMk cId="3469165638" sldId="258"/>
+            <ac:spMk id="10" creationId="{C560727F-CD39-48F3-A228-04F415E0058D}"/>
+          </ac:spMkLst>
+        </pc:spChg>
+        <pc:graphicFrameChg chg="add del mod modGraphic">
+          <ac:chgData name="Claudia Arnold" userId="a34ee16d-61d7-43e2-b6f8-1246cdcb6fd4" providerId="ADAL" clId="{0AF7E597-49B2-41BC-A681-8964848EC46E}" dt="2021-08-08T08:33:30.599" v="347" actId="478"/>
+          <ac:graphicFrameMkLst>
+            <pc:docMk/>
+            <pc:sldMk cId="3469165638" sldId="258"/>
+            <ac:graphicFrameMk id="4" creationId="{997DC7BB-FCAD-499C-A356-B9FEC44CA931}"/>
+          </ac:graphicFrameMkLst>
+        </pc:graphicFrameChg>
+      </pc:sldChg>
+      <pc:sldChg chg="addSp delSp modSp new mod">
+        <pc:chgData name="Claudia Arnold" userId="a34ee16d-61d7-43e2-b6f8-1246cdcb6fd4" providerId="ADAL" clId="{0AF7E597-49B2-41BC-A681-8964848EC46E}" dt="2021-08-08T13:45:29.624" v="659" actId="1035"/>
+        <pc:sldMkLst>
+          <pc:docMk/>
+          <pc:sldMk cId="227692934" sldId="259"/>
+        </pc:sldMkLst>
+        <pc:spChg chg="del">
+          <ac:chgData name="Claudia Arnold" userId="a34ee16d-61d7-43e2-b6f8-1246cdcb6fd4" providerId="ADAL" clId="{0AF7E597-49B2-41BC-A681-8964848EC46E}" dt="2021-08-08T13:35:06.550" v="382" actId="478"/>
+          <ac:spMkLst>
+            <pc:docMk/>
+            <pc:sldMk cId="227692934" sldId="259"/>
+            <ac:spMk id="2" creationId="{FA001213-0027-45EA-91AE-BA66EBE3D824}"/>
+          </ac:spMkLst>
+        </pc:spChg>
+        <pc:spChg chg="del">
+          <ac:chgData name="Claudia Arnold" userId="a34ee16d-61d7-43e2-b6f8-1246cdcb6fd4" providerId="ADAL" clId="{0AF7E597-49B2-41BC-A681-8964848EC46E}" dt="2021-08-08T13:35:07.925" v="383" actId="478"/>
+          <ac:spMkLst>
+            <pc:docMk/>
+            <pc:sldMk cId="227692934" sldId="259"/>
+            <ac:spMk id="3" creationId="{2EF88892-7DA7-42E3-8084-ACD1C68457D4}"/>
+          </ac:spMkLst>
+        </pc:spChg>
+        <pc:spChg chg="add mod">
+          <ac:chgData name="Claudia Arnold" userId="a34ee16d-61d7-43e2-b6f8-1246cdcb6fd4" providerId="ADAL" clId="{0AF7E597-49B2-41BC-A681-8964848EC46E}" dt="2021-08-08T13:38:56.095" v="442" actId="1037"/>
+          <ac:spMkLst>
+            <pc:docMk/>
+            <pc:sldMk cId="227692934" sldId="259"/>
+            <ac:spMk id="6" creationId="{AB9D0357-6A72-42EF-AA90-CBCA886E1EB8}"/>
+          </ac:spMkLst>
+        </pc:spChg>
+        <pc:spChg chg="add mod">
+          <ac:chgData name="Claudia Arnold" userId="a34ee16d-61d7-43e2-b6f8-1246cdcb6fd4" providerId="ADAL" clId="{0AF7E597-49B2-41BC-A681-8964848EC46E}" dt="2021-08-08T13:39:08.538" v="451" actId="20577"/>
+          <ac:spMkLst>
+            <pc:docMk/>
+            <pc:sldMk cId="227692934" sldId="259"/>
+            <ac:spMk id="7" creationId="{48826CEC-4DC3-42B4-AE2B-C8277EFFEFC0}"/>
+          </ac:spMkLst>
+        </pc:spChg>
+        <pc:spChg chg="add mod">
+          <ac:chgData name="Claudia Arnold" userId="a34ee16d-61d7-43e2-b6f8-1246cdcb6fd4" providerId="ADAL" clId="{0AF7E597-49B2-41BC-A681-8964848EC46E}" dt="2021-08-08T13:39:51.747" v="470" actId="14100"/>
+          <ac:spMkLst>
+            <pc:docMk/>
+            <pc:sldMk cId="227692934" sldId="259"/>
+            <ac:spMk id="8" creationId="{F059CF74-8C7C-4C00-A10D-B2C2F7565B69}"/>
+          </ac:spMkLst>
+        </pc:spChg>
+        <pc:spChg chg="add mod">
+          <ac:chgData name="Claudia Arnold" userId="a34ee16d-61d7-43e2-b6f8-1246cdcb6fd4" providerId="ADAL" clId="{0AF7E597-49B2-41BC-A681-8964848EC46E}" dt="2021-08-08T13:39:47.622" v="469" actId="1076"/>
+          <ac:spMkLst>
+            <pc:docMk/>
+            <pc:sldMk cId="227692934" sldId="259"/>
+            <ac:spMk id="9" creationId="{52AE9CE1-2AFA-4C2A-97A2-A3BC8FEE4A8A}"/>
+          </ac:spMkLst>
+        </pc:spChg>
+        <pc:spChg chg="add mod">
+          <ac:chgData name="Claudia Arnold" userId="a34ee16d-61d7-43e2-b6f8-1246cdcb6fd4" providerId="ADAL" clId="{0AF7E597-49B2-41BC-A681-8964848EC46E}" dt="2021-08-08T13:40:12.950" v="484" actId="1076"/>
+          <ac:spMkLst>
+            <pc:docMk/>
+            <pc:sldMk cId="227692934" sldId="259"/>
+            <ac:spMk id="10" creationId="{8DFB07C0-8CF3-409F-95D0-D61F72EB7BD9}"/>
+          </ac:spMkLst>
+        </pc:spChg>
+        <pc:spChg chg="add mod">
+          <ac:chgData name="Claudia Arnold" userId="a34ee16d-61d7-43e2-b6f8-1246cdcb6fd4" providerId="ADAL" clId="{0AF7E597-49B2-41BC-A681-8964848EC46E}" dt="2021-08-08T13:40:24.185" v="493" actId="20577"/>
+          <ac:spMkLst>
+            <pc:docMk/>
+            <pc:sldMk cId="227692934" sldId="259"/>
+            <ac:spMk id="11" creationId="{71285B52-43D3-48DA-ADED-C59B0E99AA3D}"/>
+          </ac:spMkLst>
+        </pc:spChg>
+        <pc:spChg chg="add mod">
+          <ac:chgData name="Claudia Arnold" userId="a34ee16d-61d7-43e2-b6f8-1246cdcb6fd4" providerId="ADAL" clId="{0AF7E597-49B2-41BC-A681-8964848EC46E}" dt="2021-08-08T13:41:15.868" v="512" actId="1037"/>
+          <ac:spMkLst>
+            <pc:docMk/>
+            <pc:sldMk cId="227692934" sldId="259"/>
+            <ac:spMk id="12" creationId="{065C2C2E-F897-4AF3-B10C-FF417409B763}"/>
+          </ac:spMkLst>
+        </pc:spChg>
+        <pc:spChg chg="add mod">
+          <ac:chgData name="Claudia Arnold" userId="a34ee16d-61d7-43e2-b6f8-1246cdcb6fd4" providerId="ADAL" clId="{0AF7E597-49B2-41BC-A681-8964848EC46E}" dt="2021-08-08T13:41:35.511" v="526" actId="20577"/>
+          <ac:spMkLst>
+            <pc:docMk/>
+            <pc:sldMk cId="227692934" sldId="259"/>
+            <ac:spMk id="13" creationId="{770341B9-9667-4E40-902A-BD27F98E10F9}"/>
+          </ac:spMkLst>
+        </pc:spChg>
+        <pc:spChg chg="add mod">
+          <ac:chgData name="Claudia Arnold" userId="a34ee16d-61d7-43e2-b6f8-1246cdcb6fd4" providerId="ADAL" clId="{0AF7E597-49B2-41BC-A681-8964848EC46E}" dt="2021-08-08T13:42:42.613" v="563" actId="1076"/>
+          <ac:spMkLst>
+            <pc:docMk/>
+            <pc:sldMk cId="227692934" sldId="259"/>
+            <ac:spMk id="14" creationId="{D7484103-6F82-456F-B0DD-AACCD1219BCA}"/>
+          </ac:spMkLst>
+        </pc:spChg>
+        <pc:spChg chg="add del mod">
+          <ac:chgData name="Claudia Arnold" userId="a34ee16d-61d7-43e2-b6f8-1246cdcb6fd4" providerId="ADAL" clId="{0AF7E597-49B2-41BC-A681-8964848EC46E}" dt="2021-08-08T13:42:50.139" v="565"/>
+          <ac:spMkLst>
+            <pc:docMk/>
+            <pc:sldMk cId="227692934" sldId="259"/>
+            <ac:spMk id="15" creationId="{BAEE44C6-A9C2-493F-A92C-7A4945E3DE69}"/>
+          </ac:spMkLst>
+        </pc:spChg>
+        <pc:spChg chg="add mod">
+          <ac:chgData name="Claudia Arnold" userId="a34ee16d-61d7-43e2-b6f8-1246cdcb6fd4" providerId="ADAL" clId="{0AF7E597-49B2-41BC-A681-8964848EC46E}" dt="2021-08-08T13:43:02.869" v="576" actId="1076"/>
+          <ac:spMkLst>
+            <pc:docMk/>
+            <pc:sldMk cId="227692934" sldId="259"/>
+            <ac:spMk id="16" creationId="{88F70C98-0C54-4133-9B02-9524E2911840}"/>
+          </ac:spMkLst>
+        </pc:spChg>
+        <pc:spChg chg="add mod">
+          <ac:chgData name="Claudia Arnold" userId="a34ee16d-61d7-43e2-b6f8-1246cdcb6fd4" providerId="ADAL" clId="{0AF7E597-49B2-41BC-A681-8964848EC46E}" dt="2021-08-08T13:44:21.356" v="618" actId="1038"/>
+          <ac:spMkLst>
+            <pc:docMk/>
+            <pc:sldMk cId="227692934" sldId="259"/>
+            <ac:spMk id="17" creationId="{22E2706C-6A95-4C07-9001-5E2E9F67191B}"/>
+          </ac:spMkLst>
+        </pc:spChg>
+        <pc:spChg chg="add mod">
+          <ac:chgData name="Claudia Arnold" userId="a34ee16d-61d7-43e2-b6f8-1246cdcb6fd4" providerId="ADAL" clId="{0AF7E597-49B2-41BC-A681-8964848EC46E}" dt="2021-08-08T13:44:11.936" v="617" actId="1076"/>
+          <ac:spMkLst>
+            <pc:docMk/>
+            <pc:sldMk cId="227692934" sldId="259"/>
+            <ac:spMk id="18" creationId="{91DF1F34-BD33-4EB7-9DDD-628462F2B25A}"/>
+          </ac:spMkLst>
+        </pc:spChg>
+        <pc:spChg chg="add mod">
+          <ac:chgData name="Claudia Arnold" userId="a34ee16d-61d7-43e2-b6f8-1246cdcb6fd4" providerId="ADAL" clId="{0AF7E597-49B2-41BC-A681-8964848EC46E}" dt="2021-08-08T13:45:29.624" v="659" actId="1035"/>
+          <ac:spMkLst>
+            <pc:docMk/>
+            <pc:sldMk cId="227692934" sldId="259"/>
+            <ac:spMk id="19" creationId="{6FAD4567-9600-4DBC-A9F1-0E914A5C7EF6}"/>
+          </ac:spMkLst>
+        </pc:spChg>
+        <pc:picChg chg="add mod">
+          <ac:chgData name="Claudia Arnold" userId="a34ee16d-61d7-43e2-b6f8-1246cdcb6fd4" providerId="ADAL" clId="{0AF7E597-49B2-41BC-A681-8964848EC46E}" dt="2021-08-08T13:37:31.920" v="409"/>
+          <ac:picMkLst>
+            <pc:docMk/>
+            <pc:sldMk cId="227692934" sldId="259"/>
+            <ac:picMk id="5" creationId="{558874A6-14C8-4310-87E9-CDF986527D3B}"/>
+          </ac:picMkLst>
+        </pc:picChg>
+      </pc:sldChg>
+      <pc:sldChg chg="addSp delSp modSp new mod">
+        <pc:chgData name="Claudia Arnold" userId="a34ee16d-61d7-43e2-b6f8-1246cdcb6fd4" providerId="ADAL" clId="{0AF7E597-49B2-41BC-A681-8964848EC46E}" dt="2021-08-12T07:53:55.423" v="1820" actId="20577"/>
+        <pc:sldMkLst>
+          <pc:docMk/>
+          <pc:sldMk cId="1354756516" sldId="260"/>
+        </pc:sldMkLst>
+        <pc:spChg chg="del">
+          <ac:chgData name="Claudia Arnold" userId="a34ee16d-61d7-43e2-b6f8-1246cdcb6fd4" providerId="ADAL" clId="{0AF7E597-49B2-41BC-A681-8964848EC46E}" dt="2021-08-11T12:47:44.052" v="661" actId="478"/>
+          <ac:spMkLst>
+            <pc:docMk/>
+            <pc:sldMk cId="1354756516" sldId="260"/>
+            <ac:spMk id="2" creationId="{1158139D-2FC6-4E79-82C7-3A96F179AE1A}"/>
+          </ac:spMkLst>
+        </pc:spChg>
+        <pc:spChg chg="del">
+          <ac:chgData name="Claudia Arnold" userId="a34ee16d-61d7-43e2-b6f8-1246cdcb6fd4" providerId="ADAL" clId="{0AF7E597-49B2-41BC-A681-8964848EC46E}" dt="2021-08-11T12:47:46.875" v="662" actId="478"/>
+          <ac:spMkLst>
+            <pc:docMk/>
+            <pc:sldMk cId="1354756516" sldId="260"/>
+            <ac:spMk id="3" creationId="{379B6EB3-1B62-4BF5-8F52-DBDA183B0DED}"/>
+          </ac:spMkLst>
+        </pc:spChg>
+        <pc:spChg chg="add del">
+          <ac:chgData name="Claudia Arnold" userId="a34ee16d-61d7-43e2-b6f8-1246cdcb6fd4" providerId="ADAL" clId="{0AF7E597-49B2-41BC-A681-8964848EC46E}" dt="2021-08-11T12:53:11.579" v="719" actId="478"/>
+          <ac:spMkLst>
+            <pc:docMk/>
+            <pc:sldMk cId="1354756516" sldId="260"/>
+            <ac:spMk id="5" creationId="{3F49F2F2-DC34-4C9B-A692-E716E80C2F6C}"/>
+          </ac:spMkLst>
+        </pc:spChg>
+        <pc:spChg chg="add del mod">
+          <ac:chgData name="Claudia Arnold" userId="a34ee16d-61d7-43e2-b6f8-1246cdcb6fd4" providerId="ADAL" clId="{0AF7E597-49B2-41BC-A681-8964848EC46E}" dt="2021-08-11T13:01:50.296" v="805" actId="478"/>
+          <ac:spMkLst>
+            <pc:docMk/>
+            <pc:sldMk cId="1354756516" sldId="260"/>
+            <ac:spMk id="6" creationId="{FAFDCDA7-E25D-4134-908D-59A4C12302FE}"/>
+          </ac:spMkLst>
+        </pc:spChg>
+        <pc:spChg chg="add del mod">
+          <ac:chgData name="Claudia Arnold" userId="a34ee16d-61d7-43e2-b6f8-1246cdcb6fd4" providerId="ADAL" clId="{0AF7E597-49B2-41BC-A681-8964848EC46E}" dt="2021-08-11T13:01:35.830" v="801" actId="478"/>
+          <ac:spMkLst>
+            <pc:docMk/>
+            <pc:sldMk cId="1354756516" sldId="260"/>
+            <ac:spMk id="7" creationId="{24B85176-7E84-4295-B2F2-E9658631DF07}"/>
+          </ac:spMkLst>
+        </pc:spChg>
+        <pc:spChg chg="add mod">
+          <ac:chgData name="Claudia Arnold" userId="a34ee16d-61d7-43e2-b6f8-1246cdcb6fd4" providerId="ADAL" clId="{0AF7E597-49B2-41BC-A681-8964848EC46E}" dt="2021-08-11T15:01:21.068" v="1699" actId="14100"/>
+          <ac:spMkLst>
+            <pc:docMk/>
+            <pc:sldMk cId="1354756516" sldId="260"/>
+            <ac:spMk id="8" creationId="{026CC430-3DC1-47EC-99A7-54392EB15574}"/>
+          </ac:spMkLst>
+        </pc:spChg>
+        <pc:spChg chg="add del mod">
+          <ac:chgData name="Claudia Arnold" userId="a34ee16d-61d7-43e2-b6f8-1246cdcb6fd4" providerId="ADAL" clId="{0AF7E597-49B2-41BC-A681-8964848EC46E}" dt="2021-08-11T13:01:23.691" v="797" actId="478"/>
+          <ac:spMkLst>
+            <pc:docMk/>
+            <pc:sldMk cId="1354756516" sldId="260"/>
+            <ac:spMk id="9" creationId="{A8A06DC6-E2AC-41B1-AB40-6A3ABEA1A84A}"/>
+          </ac:spMkLst>
+        </pc:spChg>
+        <pc:spChg chg="add del mod">
+          <ac:chgData name="Claudia Arnold" userId="a34ee16d-61d7-43e2-b6f8-1246cdcb6fd4" providerId="ADAL" clId="{0AF7E597-49B2-41BC-A681-8964848EC46E}" dt="2021-08-11T12:54:58.987" v="735" actId="478"/>
+          <ac:spMkLst>
+            <pc:docMk/>
+            <pc:sldMk cId="1354756516" sldId="260"/>
+            <ac:spMk id="10" creationId="{416DD12A-016F-4EC6-A69D-D588BBB0FB46}"/>
+          </ac:spMkLst>
+        </pc:spChg>
+        <pc:spChg chg="add mod">
+          <ac:chgData name="Claudia Arnold" userId="a34ee16d-61d7-43e2-b6f8-1246cdcb6fd4" providerId="ADAL" clId="{0AF7E597-49B2-41BC-A681-8964848EC46E}" dt="2021-08-12T07:46:11.346" v="1814" actId="208"/>
+          <ac:spMkLst>
+            <pc:docMk/>
+            <pc:sldMk cId="1354756516" sldId="260"/>
+            <ac:spMk id="11" creationId="{58233F69-F373-4A5D-BD00-B3A471E45552}"/>
+          </ac:spMkLst>
+        </pc:spChg>
+        <pc:spChg chg="add mod">
+          <ac:chgData name="Claudia Arnold" userId="a34ee16d-61d7-43e2-b6f8-1246cdcb6fd4" providerId="ADAL" clId="{0AF7E597-49B2-41BC-A681-8964848EC46E}" dt="2021-08-12T07:46:11.346" v="1814" actId="208"/>
+          <ac:spMkLst>
+            <pc:docMk/>
+            <pc:sldMk cId="1354756516" sldId="260"/>
+            <ac:spMk id="12" creationId="{959E69C5-A088-4BB4-B9BD-4090324F2523}"/>
+          </ac:spMkLst>
+        </pc:spChg>
+        <pc:spChg chg="add mod">
+          <ac:chgData name="Claudia Arnold" userId="a34ee16d-61d7-43e2-b6f8-1246cdcb6fd4" providerId="ADAL" clId="{0AF7E597-49B2-41BC-A681-8964848EC46E}" dt="2021-08-11T15:08:09.481" v="1737" actId="14100"/>
+          <ac:spMkLst>
+            <pc:docMk/>
+            <pc:sldMk cId="1354756516" sldId="260"/>
+            <ac:spMk id="13" creationId="{9694F422-C3F9-4B8A-BD9A-42071FF06592}"/>
+          </ac:spMkLst>
+        </pc:spChg>
+        <pc:spChg chg="add mod">
+          <ac:chgData name="Claudia Arnold" userId="a34ee16d-61d7-43e2-b6f8-1246cdcb6fd4" providerId="ADAL" clId="{0AF7E597-49B2-41BC-A681-8964848EC46E}" dt="2021-08-11T15:05:07.736" v="1724" actId="14100"/>
+          <ac:spMkLst>
+            <pc:docMk/>
+            <pc:sldMk cId="1354756516" sldId="260"/>
+            <ac:spMk id="15" creationId="{8448A2F0-0AA2-40DD-9A10-13E109E98BAC}"/>
+          </ac:spMkLst>
+        </pc:spChg>
+        <pc:spChg chg="add mod">
+          <ac:chgData name="Claudia Arnold" userId="a34ee16d-61d7-43e2-b6f8-1246cdcb6fd4" providerId="ADAL" clId="{0AF7E597-49B2-41BC-A681-8964848EC46E}" dt="2021-08-11T15:27:03.862" v="1802" actId="14100"/>
+          <ac:spMkLst>
+            <pc:docMk/>
+            <pc:sldMk cId="1354756516" sldId="260"/>
+            <ac:spMk id="16" creationId="{F6D6F1A3-F0DC-467D-9455-DF5027789CDB}"/>
+          </ac:spMkLst>
+        </pc:spChg>
+        <pc:spChg chg="add mod">
+          <ac:chgData name="Claudia Arnold" userId="a34ee16d-61d7-43e2-b6f8-1246cdcb6fd4" providerId="ADAL" clId="{0AF7E597-49B2-41BC-A681-8964848EC46E}" dt="2021-08-11T15:01:25.022" v="1700" actId="14100"/>
+          <ac:spMkLst>
+            <pc:docMk/>
+            <pc:sldMk cId="1354756516" sldId="260"/>
+            <ac:spMk id="17" creationId="{B729F007-B142-4C3F-B012-74840B952C50}"/>
+          </ac:spMkLst>
+        </pc:spChg>
+        <pc:spChg chg="add mod">
+          <ac:chgData name="Claudia Arnold" userId="a34ee16d-61d7-43e2-b6f8-1246cdcb6fd4" providerId="ADAL" clId="{0AF7E597-49B2-41BC-A681-8964848EC46E}" dt="2021-08-12T07:46:26.056" v="1815" actId="207"/>
+          <ac:spMkLst>
+            <pc:docMk/>
+            <pc:sldMk cId="1354756516" sldId="260"/>
+            <ac:spMk id="18" creationId="{545EE13F-8C58-407B-B706-CED1A72CAB70}"/>
+          </ac:spMkLst>
+        </pc:spChg>
+        <pc:spChg chg="add mod">
+          <ac:chgData name="Claudia Arnold" userId="a34ee16d-61d7-43e2-b6f8-1246cdcb6fd4" providerId="ADAL" clId="{0AF7E597-49B2-41BC-A681-8964848EC46E}" dt="2021-08-12T07:46:26.056" v="1815" actId="207"/>
+          <ac:spMkLst>
+            <pc:docMk/>
+            <pc:sldMk cId="1354756516" sldId="260"/>
+            <ac:spMk id="19" creationId="{04AB0916-164A-4FDF-A22E-76BA5632CCE5}"/>
+          </ac:spMkLst>
+        </pc:spChg>
+        <pc:spChg chg="add mod">
+          <ac:chgData name="Claudia Arnold" userId="a34ee16d-61d7-43e2-b6f8-1246cdcb6fd4" providerId="ADAL" clId="{0AF7E597-49B2-41BC-A681-8964848EC46E}" dt="2021-08-11T15:13:26.276" v="1798" actId="1076"/>
+          <ac:spMkLst>
+            <pc:docMk/>
+            <pc:sldMk cId="1354756516" sldId="260"/>
+            <ac:spMk id="20" creationId="{89D1FEF7-7E52-4D07-BF49-EBA053361238}"/>
+          </ac:spMkLst>
+        </pc:spChg>
+        <pc:spChg chg="add mod">
+          <ac:chgData name="Claudia Arnold" userId="a34ee16d-61d7-43e2-b6f8-1246cdcb6fd4" providerId="ADAL" clId="{0AF7E597-49B2-41BC-A681-8964848EC46E}" dt="2021-08-11T15:07:55.487" v="1734" actId="14100"/>
+          <ac:spMkLst>
+            <pc:docMk/>
+            <pc:sldMk cId="1354756516" sldId="260"/>
+            <ac:spMk id="21" creationId="{E77C3A47-C272-4FEF-B4D9-817B346B7DCC}"/>
+          </ac:spMkLst>
+        </pc:spChg>
+        <pc:spChg chg="add mod">
+          <ac:chgData name="Claudia Arnold" userId="a34ee16d-61d7-43e2-b6f8-1246cdcb6fd4" providerId="ADAL" clId="{0AF7E597-49B2-41BC-A681-8964848EC46E}" dt="2021-08-11T15:01:08.625" v="1697" actId="1076"/>
+          <ac:spMkLst>
+            <pc:docMk/>
+            <pc:sldMk cId="1354756516" sldId="260"/>
+            <ac:spMk id="22" creationId="{93701D0F-CF00-4579-8917-A139C1E349E5}"/>
+          </ac:spMkLst>
+        </pc:spChg>
+        <pc:spChg chg="add del mod">
+          <ac:chgData name="Claudia Arnold" userId="a34ee16d-61d7-43e2-b6f8-1246cdcb6fd4" providerId="ADAL" clId="{0AF7E597-49B2-41BC-A681-8964848EC46E}" dt="2021-08-11T14:02:01.775" v="1167" actId="478"/>
+          <ac:spMkLst>
+            <pc:docMk/>
+            <pc:sldMk cId="1354756516" sldId="260"/>
+            <ac:spMk id="23" creationId="{59EA2966-488C-48DC-9A10-C059F3181738}"/>
+          </ac:spMkLst>
+        </pc:spChg>
+        <pc:spChg chg="add mod">
+          <ac:chgData name="Claudia Arnold" userId="a34ee16d-61d7-43e2-b6f8-1246cdcb6fd4" providerId="ADAL" clId="{0AF7E597-49B2-41BC-A681-8964848EC46E}" dt="2021-08-12T07:53:55.423" v="1820" actId="20577"/>
+          <ac:spMkLst>
+            <pc:docMk/>
+            <pc:sldMk cId="1354756516" sldId="260"/>
+            <ac:spMk id="24" creationId="{5FDD07B7-5126-4EA1-ABFF-682E1CF23670}"/>
+          </ac:spMkLst>
+        </pc:spChg>
+        <pc:spChg chg="add mod topLvl">
+          <ac:chgData name="Claudia Arnold" userId="a34ee16d-61d7-43e2-b6f8-1246cdcb6fd4" providerId="ADAL" clId="{0AF7E597-49B2-41BC-A681-8964848EC46E}" dt="2021-08-11T15:25:54.103" v="1800" actId="14100"/>
+          <ac:spMkLst>
+            <pc:docMk/>
+            <pc:sldMk cId="1354756516" sldId="260"/>
+            <ac:spMk id="25" creationId="{0E57BA61-9221-4CCB-AB16-FD216603A790}"/>
+          </ac:spMkLst>
+        </pc:spChg>
+        <pc:spChg chg="add del mod topLvl">
+          <ac:chgData name="Claudia Arnold" userId="a34ee16d-61d7-43e2-b6f8-1246cdcb6fd4" providerId="ADAL" clId="{0AF7E597-49B2-41BC-A681-8964848EC46E}" dt="2021-08-11T14:07:00.830" v="1216" actId="478"/>
+          <ac:spMkLst>
+            <pc:docMk/>
+            <pc:sldMk cId="1354756516" sldId="260"/>
+            <ac:spMk id="26" creationId="{1B9EF7B1-AC44-4439-BD0D-8379005E8D25}"/>
+          </ac:spMkLst>
+        </pc:spChg>
+        <pc:spChg chg="add mod">
+          <ac:chgData name="Claudia Arnold" userId="a34ee16d-61d7-43e2-b6f8-1246cdcb6fd4" providerId="ADAL" clId="{0AF7E597-49B2-41BC-A681-8964848EC46E}" dt="2021-08-11T15:35:47.351" v="1812" actId="1076"/>
+          <ac:spMkLst>
+            <pc:docMk/>
+            <pc:sldMk cId="1354756516" sldId="260"/>
+            <ac:spMk id="27" creationId="{C2EC47F7-4F0B-440D-91D4-D4AB6C052AC0}"/>
+          </ac:spMkLst>
+        </pc:spChg>
+        <pc:spChg chg="add mod">
+          <ac:chgData name="Claudia Arnold" userId="a34ee16d-61d7-43e2-b6f8-1246cdcb6fd4" providerId="ADAL" clId="{0AF7E597-49B2-41BC-A681-8964848EC46E}" dt="2021-08-11T15:13:10.736" v="1797" actId="1076"/>
+          <ac:spMkLst>
+            <pc:docMk/>
+            <pc:sldMk cId="1354756516" sldId="260"/>
+            <ac:spMk id="28" creationId="{F44BE46B-4325-4718-A71F-260B330DBCCC}"/>
+          </ac:spMkLst>
+        </pc:spChg>
+        <pc:spChg chg="add mod">
+          <ac:chgData name="Claudia Arnold" userId="a34ee16d-61d7-43e2-b6f8-1246cdcb6fd4" providerId="ADAL" clId="{0AF7E597-49B2-41BC-A681-8964848EC46E}" dt="2021-08-11T15:35:34.045" v="1811" actId="14100"/>
+          <ac:spMkLst>
+            <pc:docMk/>
+            <pc:sldMk cId="1354756516" sldId="260"/>
+            <ac:spMk id="35" creationId="{FE00076C-9551-4409-9655-17A337880288}"/>
+          </ac:spMkLst>
+        </pc:spChg>
+        <pc:spChg chg="add del mod">
+          <ac:chgData name="Claudia Arnold" userId="a34ee16d-61d7-43e2-b6f8-1246cdcb6fd4" providerId="ADAL" clId="{0AF7E597-49B2-41BC-A681-8964848EC46E}" dt="2021-08-11T14:22:11.052" v="1279" actId="478"/>
+          <ac:spMkLst>
+            <pc:docMk/>
+            <pc:sldMk cId="1354756516" sldId="260"/>
+            <ac:spMk id="36" creationId="{1CE79A22-B665-466F-8F66-BFAB9269E9B8}"/>
+          </ac:spMkLst>
+        </pc:spChg>
+        <pc:spChg chg="add mod">
+          <ac:chgData name="Claudia Arnold" userId="a34ee16d-61d7-43e2-b6f8-1246cdcb6fd4" providerId="ADAL" clId="{0AF7E597-49B2-41BC-A681-8964848EC46E}" dt="2021-08-11T14:21:40.212" v="1270"/>
+          <ac:spMkLst>
+            <pc:docMk/>
+            <pc:sldMk cId="1354756516" sldId="260"/>
+            <ac:spMk id="37" creationId="{B80852DE-0135-46D0-9007-405C96B03D8F}"/>
+          </ac:spMkLst>
+        </pc:spChg>
+        <pc:spChg chg="add del mod ord">
+          <ac:chgData name="Claudia Arnold" userId="a34ee16d-61d7-43e2-b6f8-1246cdcb6fd4" providerId="ADAL" clId="{0AF7E597-49B2-41BC-A681-8964848EC46E}" dt="2021-08-11T14:47:28.475" v="1505" actId="478"/>
+          <ac:spMkLst>
+            <pc:docMk/>
+            <pc:sldMk cId="1354756516" sldId="260"/>
+            <ac:spMk id="38" creationId="{B5352A1F-25AA-4FCD-8D9F-8F04914A66D5}"/>
+          </ac:spMkLst>
+        </pc:spChg>
+        <pc:spChg chg="add mod">
+          <ac:chgData name="Claudia Arnold" userId="a34ee16d-61d7-43e2-b6f8-1246cdcb6fd4" providerId="ADAL" clId="{0AF7E597-49B2-41BC-A681-8964848EC46E}" dt="2021-08-11T15:29:13.449" v="1809" actId="1036"/>
+          <ac:spMkLst>
+            <pc:docMk/>
+            <pc:sldMk cId="1354756516" sldId="260"/>
+            <ac:spMk id="39" creationId="{18D9F0D3-A953-4D61-816B-12D03CCEA8F7}"/>
+          </ac:spMkLst>
+        </pc:spChg>
+        <pc:spChg chg="add mod">
+          <ac:chgData name="Claudia Arnold" userId="a34ee16d-61d7-43e2-b6f8-1246cdcb6fd4" providerId="ADAL" clId="{0AF7E597-49B2-41BC-A681-8964848EC46E}" dt="2021-08-11T14:58:05.250" v="1634" actId="1076"/>
+          <ac:spMkLst>
+            <pc:docMk/>
+            <pc:sldMk cId="1354756516" sldId="260"/>
+            <ac:spMk id="40" creationId="{A5678F91-E131-44CF-BD3D-D6502A54DDA5}"/>
+          </ac:spMkLst>
+        </pc:spChg>
+        <pc:spChg chg="add del mod">
+          <ac:chgData name="Claudia Arnold" userId="a34ee16d-61d7-43e2-b6f8-1246cdcb6fd4" providerId="ADAL" clId="{0AF7E597-49B2-41BC-A681-8964848EC46E}" dt="2021-08-11T14:47:29.581" v="1506" actId="478"/>
+          <ac:spMkLst>
+            <pc:docMk/>
+            <pc:sldMk cId="1354756516" sldId="260"/>
+            <ac:spMk id="49" creationId="{7840BADB-6DDF-4484-80AF-CCB1DF97345A}"/>
+          </ac:spMkLst>
+        </pc:spChg>
+        <pc:spChg chg="add del mod">
+          <ac:chgData name="Claudia Arnold" userId="a34ee16d-61d7-43e2-b6f8-1246cdcb6fd4" providerId="ADAL" clId="{0AF7E597-49B2-41BC-A681-8964848EC46E}" dt="2021-08-11T14:47:30.592" v="1507" actId="478"/>
+          <ac:spMkLst>
+            <pc:docMk/>
+            <pc:sldMk cId="1354756516" sldId="260"/>
+            <ac:spMk id="50" creationId="{5D08ED7B-6EEA-4C89-924D-6BE66D72E026}"/>
+          </ac:spMkLst>
+        </pc:spChg>
+        <pc:spChg chg="add del mod">
+          <ac:chgData name="Claudia Arnold" userId="a34ee16d-61d7-43e2-b6f8-1246cdcb6fd4" providerId="ADAL" clId="{0AF7E597-49B2-41BC-A681-8964848EC46E}" dt="2021-08-11T14:47:31.470" v="1508" actId="478"/>
+          <ac:spMkLst>
+            <pc:docMk/>
+            <pc:sldMk cId="1354756516" sldId="260"/>
+            <ac:spMk id="51" creationId="{3BDF9505-0619-4DA9-A4F5-300D098F422A}"/>
+          </ac:spMkLst>
+        </pc:spChg>
+        <pc:spChg chg="add del mod">
+          <ac:chgData name="Claudia Arnold" userId="a34ee16d-61d7-43e2-b6f8-1246cdcb6fd4" providerId="ADAL" clId="{0AF7E597-49B2-41BC-A681-8964848EC46E}" dt="2021-08-11T14:47:32.271" v="1509" actId="478"/>
+          <ac:spMkLst>
+            <pc:docMk/>
+            <pc:sldMk cId="1354756516" sldId="260"/>
+            <ac:spMk id="52" creationId="{676DB3CB-DDBE-4C3E-BE30-F2140002E2B8}"/>
+          </ac:spMkLst>
+        </pc:spChg>
+        <pc:spChg chg="add del mod">
+          <ac:chgData name="Claudia Arnold" userId="a34ee16d-61d7-43e2-b6f8-1246cdcb6fd4" providerId="ADAL" clId="{0AF7E597-49B2-41BC-A681-8964848EC46E}" dt="2021-08-11T14:47:33.131" v="1510" actId="478"/>
+          <ac:spMkLst>
+            <pc:docMk/>
+            <pc:sldMk cId="1354756516" sldId="260"/>
+            <ac:spMk id="53" creationId="{42E2A865-6022-4666-B7E9-AF00C90A089D}"/>
+          </ac:spMkLst>
+        </pc:spChg>
+        <pc:spChg chg="add del mod">
+          <ac:chgData name="Claudia Arnold" userId="a34ee16d-61d7-43e2-b6f8-1246cdcb6fd4" providerId="ADAL" clId="{0AF7E597-49B2-41BC-A681-8964848EC46E}" dt="2021-08-11T14:47:33.980" v="1511" actId="478"/>
+          <ac:spMkLst>
+            <pc:docMk/>
+            <pc:sldMk cId="1354756516" sldId="260"/>
+            <ac:spMk id="54" creationId="{FA79E7F0-570D-42BE-89B8-E83983CC62D2}"/>
+          </ac:spMkLst>
+        </pc:spChg>
+        <pc:spChg chg="add mod">
+          <ac:chgData name="Claudia Arnold" userId="a34ee16d-61d7-43e2-b6f8-1246cdcb6fd4" providerId="ADAL" clId="{0AF7E597-49B2-41BC-A681-8964848EC46E}" dt="2021-08-11T15:29:13.449" v="1809" actId="1036"/>
+          <ac:spMkLst>
+            <pc:docMk/>
+            <pc:sldMk cId="1354756516" sldId="260"/>
+            <ac:spMk id="62" creationId="{9361D078-2385-4664-9932-AD1CB12599B5}"/>
+          </ac:spMkLst>
+        </pc:spChg>
+        <pc:spChg chg="add mod">
+          <ac:chgData name="Claudia Arnold" userId="a34ee16d-61d7-43e2-b6f8-1246cdcb6fd4" providerId="ADAL" clId="{0AF7E597-49B2-41BC-A681-8964848EC46E}" dt="2021-08-11T15:29:13.449" v="1809" actId="1036"/>
+          <ac:spMkLst>
+            <pc:docMk/>
+            <pc:sldMk cId="1354756516" sldId="260"/>
+            <ac:spMk id="63" creationId="{E42864E0-D73F-4388-93E8-9EE5A307CB50}"/>
+          </ac:spMkLst>
+        </pc:spChg>
+        <pc:spChg chg="add mod">
+          <ac:chgData name="Claudia Arnold" userId="a34ee16d-61d7-43e2-b6f8-1246cdcb6fd4" providerId="ADAL" clId="{0AF7E597-49B2-41BC-A681-8964848EC46E}" dt="2021-08-11T15:29:13.449" v="1809" actId="1036"/>
+          <ac:spMkLst>
+            <pc:docMk/>
+            <pc:sldMk cId="1354756516" sldId="260"/>
+            <ac:spMk id="64" creationId="{F8659055-E567-4CE7-84E6-3BF848A3564F}"/>
+          </ac:spMkLst>
+        </pc:spChg>
+        <pc:spChg chg="add mod">
+          <ac:chgData name="Claudia Arnold" userId="a34ee16d-61d7-43e2-b6f8-1246cdcb6fd4" providerId="ADAL" clId="{0AF7E597-49B2-41BC-A681-8964848EC46E}" dt="2021-08-11T15:29:13.449" v="1809" actId="1036"/>
+          <ac:spMkLst>
+            <pc:docMk/>
+            <pc:sldMk cId="1354756516" sldId="260"/>
+            <ac:spMk id="65" creationId="{26FB23D8-0E36-4683-B342-031C588F9195}"/>
+          </ac:spMkLst>
+        </pc:spChg>
+        <pc:spChg chg="add mod">
+          <ac:chgData name="Claudia Arnold" userId="a34ee16d-61d7-43e2-b6f8-1246cdcb6fd4" providerId="ADAL" clId="{0AF7E597-49B2-41BC-A681-8964848EC46E}" dt="2021-08-11T15:29:13.449" v="1809" actId="1036"/>
+          <ac:spMkLst>
+            <pc:docMk/>
+            <pc:sldMk cId="1354756516" sldId="260"/>
+            <ac:spMk id="66" creationId="{97F7C617-7E09-4690-A818-57A34348EC6B}"/>
+          </ac:spMkLst>
+        </pc:spChg>
+        <pc:spChg chg="add mod">
+          <ac:chgData name="Claudia Arnold" userId="a34ee16d-61d7-43e2-b6f8-1246cdcb6fd4" providerId="ADAL" clId="{0AF7E597-49B2-41BC-A681-8964848EC46E}" dt="2021-08-11T14:58:12.959" v="1640" actId="20577"/>
+          <ac:spMkLst>
+            <pc:docMk/>
+            <pc:sldMk cId="1354756516" sldId="260"/>
+            <ac:spMk id="68" creationId="{6E03CA73-D237-48CF-B937-0497D1D38382}"/>
+          </ac:spMkLst>
+        </pc:spChg>
+        <pc:spChg chg="add mod">
+          <ac:chgData name="Claudia Arnold" userId="a34ee16d-61d7-43e2-b6f8-1246cdcb6fd4" providerId="ADAL" clId="{0AF7E597-49B2-41BC-A681-8964848EC46E}" dt="2021-08-11T14:58:25.674" v="1647" actId="20577"/>
+          <ac:spMkLst>
+            <pc:docMk/>
+            <pc:sldMk cId="1354756516" sldId="260"/>
+            <ac:spMk id="69" creationId="{B82261CE-8C35-46C5-9B21-82EB2302BB03}"/>
+          </ac:spMkLst>
+        </pc:spChg>
+        <pc:spChg chg="add del mod">
+          <ac:chgData name="Claudia Arnold" userId="a34ee16d-61d7-43e2-b6f8-1246cdcb6fd4" providerId="ADAL" clId="{0AF7E597-49B2-41BC-A681-8964848EC46E}" dt="2021-08-11T14:58:44.193" v="1655" actId="21"/>
+          <ac:spMkLst>
+            <pc:docMk/>
+            <pc:sldMk cId="1354756516" sldId="260"/>
+            <ac:spMk id="70" creationId="{4D736DA7-B782-4E2C-9EA7-FD92354206AE}"/>
+          </ac:spMkLst>
+        </pc:spChg>
+        <pc:spChg chg="add mod">
+          <ac:chgData name="Claudia Arnold" userId="a34ee16d-61d7-43e2-b6f8-1246cdcb6fd4" providerId="ADAL" clId="{0AF7E597-49B2-41BC-A681-8964848EC46E}" dt="2021-08-11T14:59:07.155" v="1666" actId="1076"/>
+          <ac:spMkLst>
+            <pc:docMk/>
+            <pc:sldMk cId="1354756516" sldId="260"/>
+            <ac:spMk id="71" creationId="{C373EE46-ACDF-48C4-B21D-80B734E7F977}"/>
+          </ac:spMkLst>
+        </pc:spChg>
+        <pc:spChg chg="add mod">
+          <ac:chgData name="Claudia Arnold" userId="a34ee16d-61d7-43e2-b6f8-1246cdcb6fd4" providerId="ADAL" clId="{0AF7E597-49B2-41BC-A681-8964848EC46E}" dt="2021-08-11T14:59:13.757" v="1674" actId="20577"/>
+          <ac:spMkLst>
+            <pc:docMk/>
+            <pc:sldMk cId="1354756516" sldId="260"/>
+            <ac:spMk id="72" creationId="{EE7CE7B0-1C1D-4C3D-99FF-6D395C1F3F61}"/>
+          </ac:spMkLst>
+        </pc:spChg>
+        <pc:spChg chg="add mod">
+          <ac:chgData name="Claudia Arnold" userId="a34ee16d-61d7-43e2-b6f8-1246cdcb6fd4" providerId="ADAL" clId="{0AF7E597-49B2-41BC-A681-8964848EC46E}" dt="2021-08-11T14:59:26.410" v="1683" actId="20577"/>
+          <ac:spMkLst>
+            <pc:docMk/>
+            <pc:sldMk cId="1354756516" sldId="260"/>
+            <ac:spMk id="73" creationId="{17DE82B9-3E0E-480A-8DDF-132CB4502F08}"/>
+          </ac:spMkLst>
+        </pc:spChg>
+        <pc:spChg chg="add del mod">
+          <ac:chgData name="Claudia Arnold" userId="a34ee16d-61d7-43e2-b6f8-1246cdcb6fd4" providerId="ADAL" clId="{0AF7E597-49B2-41BC-A681-8964848EC46E}" dt="2021-08-11T15:09:54.361" v="1751" actId="478"/>
+          <ac:spMkLst>
+            <pc:docMk/>
+            <pc:sldMk cId="1354756516" sldId="260"/>
+            <ac:spMk id="77" creationId="{33363798-0EC1-4A9E-979D-55DA72B9CC30}"/>
+          </ac:spMkLst>
+        </pc:spChg>
+        <pc:spChg chg="add mod">
+          <ac:chgData name="Claudia Arnold" userId="a34ee16d-61d7-43e2-b6f8-1246cdcb6fd4" providerId="ADAL" clId="{0AF7E597-49B2-41BC-A681-8964848EC46E}" dt="2021-08-11T15:12:07.398" v="1789" actId="1076"/>
+          <ac:spMkLst>
+            <pc:docMk/>
+            <pc:sldMk cId="1354756516" sldId="260"/>
+            <ac:spMk id="83" creationId="{25BBE49F-5AC5-43A3-9E52-6FA946C7E7FA}"/>
+          </ac:spMkLst>
+        </pc:spChg>
+        <pc:spChg chg="add mod">
+          <ac:chgData name="Claudia Arnold" userId="a34ee16d-61d7-43e2-b6f8-1246cdcb6fd4" providerId="ADAL" clId="{0AF7E597-49B2-41BC-A681-8964848EC46E}" dt="2021-08-11T15:12:11.326" v="1791" actId="1076"/>
+          <ac:spMkLst>
+            <pc:docMk/>
+            <pc:sldMk cId="1354756516" sldId="260"/>
+            <ac:spMk id="84" creationId="{3C7C92D2-3BBF-4A3C-9104-B1A3B09BDB8F}"/>
+          </ac:spMkLst>
+        </pc:spChg>
+        <pc:grpChg chg="add mod">
+          <ac:chgData name="Claudia Arnold" userId="a34ee16d-61d7-43e2-b6f8-1246cdcb6fd4" providerId="ADAL" clId="{0AF7E597-49B2-41BC-A681-8964848EC46E}" dt="2021-08-11T12:59:34.011" v="764" actId="164"/>
+          <ac:grpSpMkLst>
+            <pc:docMk/>
+            <pc:sldMk cId="1354756516" sldId="260"/>
+            <ac:grpSpMk id="14" creationId="{0526E61E-064E-4FC3-AE29-88EAD7BC606D}"/>
+          </ac:grpSpMkLst>
+        </pc:grpChg>
+        <pc:grpChg chg="add del mod">
+          <ac:chgData name="Claudia Arnold" userId="a34ee16d-61d7-43e2-b6f8-1246cdcb6fd4" providerId="ADAL" clId="{0AF7E597-49B2-41BC-A681-8964848EC46E}" dt="2021-08-11T14:07:00.830" v="1216" actId="478"/>
+          <ac:grpSpMkLst>
+            <pc:docMk/>
+            <pc:sldMk cId="1354756516" sldId="260"/>
+            <ac:grpSpMk id="33" creationId="{BA98B695-2BBE-4848-9EB3-423BB4C12B6D}"/>
+          </ac:grpSpMkLst>
+        </pc:grpChg>
+        <pc:graphicFrameChg chg="add del mod modGraphic">
+          <ac:chgData name="Claudia Arnold" userId="a34ee16d-61d7-43e2-b6f8-1246cdcb6fd4" providerId="ADAL" clId="{0AF7E597-49B2-41BC-A681-8964848EC46E}" dt="2021-08-11T14:46:17.038" v="1488" actId="478"/>
+          <ac:graphicFrameMkLst>
+            <pc:docMk/>
+            <pc:sldMk cId="1354756516" sldId="260"/>
+            <ac:graphicFrameMk id="4" creationId="{3928CEE9-14B8-4EF5-AE8F-5B719F357B36}"/>
+          </ac:graphicFrameMkLst>
+        </pc:graphicFrameChg>
+        <pc:picChg chg="add del mod">
+          <ac:chgData name="Claudia Arnold" userId="a34ee16d-61d7-43e2-b6f8-1246cdcb6fd4" providerId="ADAL" clId="{0AF7E597-49B2-41BC-A681-8964848EC46E}" dt="2021-08-11T14:46:03.150" v="1485" actId="478"/>
+          <ac:picMkLst>
+            <pc:docMk/>
+            <pc:sldMk cId="1354756516" sldId="260"/>
+            <ac:picMk id="48" creationId="{11BAC03B-BA7F-4770-8DDE-6C577F22F5D8}"/>
+          </ac:picMkLst>
+        </pc:picChg>
+        <pc:picChg chg="add del mod">
+          <ac:chgData name="Claudia Arnold" userId="a34ee16d-61d7-43e2-b6f8-1246cdcb6fd4" providerId="ADAL" clId="{0AF7E597-49B2-41BC-A681-8964848EC46E}" dt="2021-08-11T14:38:06.364" v="1304" actId="478"/>
+          <ac:picMkLst>
+            <pc:docMk/>
+            <pc:sldMk cId="1354756516" sldId="260"/>
+            <ac:picMk id="1030" creationId="{14CDBE0A-D65F-4F2D-AE4F-CE147091C246}"/>
+          </ac:picMkLst>
+        </pc:picChg>
+        <pc:picChg chg="add del mod">
+          <ac:chgData name="Claudia Arnold" userId="a34ee16d-61d7-43e2-b6f8-1246cdcb6fd4" providerId="ADAL" clId="{0AF7E597-49B2-41BC-A681-8964848EC46E}" dt="2021-08-11T14:38:49.469" v="1314" actId="478"/>
+          <ac:picMkLst>
+            <pc:docMk/>
+            <pc:sldMk cId="1354756516" sldId="260"/>
+            <ac:picMk id="1032" creationId="{DAB23B48-AF66-4F02-92A0-DBADD0414778}"/>
+          </ac:picMkLst>
+        </pc:picChg>
+        <pc:picChg chg="add del mod">
+          <ac:chgData name="Claudia Arnold" userId="a34ee16d-61d7-43e2-b6f8-1246cdcb6fd4" providerId="ADAL" clId="{0AF7E597-49B2-41BC-A681-8964848EC46E}" dt="2021-08-11T14:48:39.147" v="1529" actId="478"/>
+          <ac:picMkLst>
+            <pc:docMk/>
+            <pc:sldMk cId="1354756516" sldId="260"/>
+            <ac:picMk id="1034" creationId="{91C51EAE-89B1-4D87-80F0-EA94CA9CA014}"/>
+          </ac:picMkLst>
+        </pc:picChg>
+        <pc:picChg chg="add del mod">
+          <ac:chgData name="Claudia Arnold" userId="a34ee16d-61d7-43e2-b6f8-1246cdcb6fd4" providerId="ADAL" clId="{0AF7E597-49B2-41BC-A681-8964848EC46E}" dt="2021-08-11T14:54:50.970" v="1581" actId="14100"/>
+          <ac:picMkLst>
+            <pc:docMk/>
+            <pc:sldMk cId="1354756516" sldId="260"/>
+            <ac:picMk id="1036" creationId="{6D461F95-89F2-4C6B-91B8-C7DC5008D300}"/>
+          </ac:picMkLst>
+        </pc:picChg>
+        <pc:picChg chg="add del mod">
+          <ac:chgData name="Claudia Arnold" userId="a34ee16d-61d7-43e2-b6f8-1246cdcb6fd4" providerId="ADAL" clId="{0AF7E597-49B2-41BC-A681-8964848EC46E}" dt="2021-08-11T14:54:14.652" v="1571" actId="478"/>
+          <ac:picMkLst>
+            <pc:docMk/>
+            <pc:sldMk cId="1354756516" sldId="260"/>
+            <ac:picMk id="1038" creationId="{A8C97774-633C-470A-9D37-5BF2955305E6}"/>
+          </ac:picMkLst>
+        </pc:picChg>
+        <pc:picChg chg="add mod">
+          <ac:chgData name="Claudia Arnold" userId="a34ee16d-61d7-43e2-b6f8-1246cdcb6fd4" providerId="ADAL" clId="{0AF7E597-49B2-41BC-A681-8964848EC46E}" dt="2021-08-11T14:55:40.746" v="1592" actId="1076"/>
+          <ac:picMkLst>
+            <pc:docMk/>
+            <pc:sldMk cId="1354756516" sldId="260"/>
+            <ac:picMk id="1040" creationId="{B81FF73F-BF76-4BBE-92EE-832F56E0D057}"/>
+          </ac:picMkLst>
+        </pc:picChg>
+        <pc:picChg chg="add mod">
+          <ac:chgData name="Claudia Arnold" userId="a34ee16d-61d7-43e2-b6f8-1246cdcb6fd4" providerId="ADAL" clId="{0AF7E597-49B2-41BC-A681-8964848EC46E}" dt="2021-08-11T14:55:49.163" v="1595" actId="1076"/>
+          <ac:picMkLst>
+            <pc:docMk/>
+            <pc:sldMk cId="1354756516" sldId="260"/>
+            <ac:picMk id="1042" creationId="{FF36A738-8259-48C3-BA52-7CC261E0DF8A}"/>
+          </ac:picMkLst>
+        </pc:picChg>
+        <pc:picChg chg="add del mod">
+          <ac:chgData name="Claudia Arnold" userId="a34ee16d-61d7-43e2-b6f8-1246cdcb6fd4" providerId="ADAL" clId="{0AF7E597-49B2-41BC-A681-8964848EC46E}" dt="2021-08-11T14:52:28.589" v="1561" actId="478"/>
+          <ac:picMkLst>
+            <pc:docMk/>
+            <pc:sldMk cId="1354756516" sldId="260"/>
+            <ac:picMk id="1044" creationId="{09366307-14BF-49E4-A42D-0FDD7BB8CC06}"/>
+          </ac:picMkLst>
+        </pc:picChg>
+        <pc:picChg chg="add mod">
+          <ac:chgData name="Claudia Arnold" userId="a34ee16d-61d7-43e2-b6f8-1246cdcb6fd4" providerId="ADAL" clId="{0AF7E597-49B2-41BC-A681-8964848EC46E}" dt="2021-08-11T14:56:16.116" v="1605" actId="1076"/>
+          <ac:picMkLst>
+            <pc:docMk/>
+            <pc:sldMk cId="1354756516" sldId="260"/>
+            <ac:picMk id="1046" creationId="{818596BA-86A9-47F6-BE5C-9FD68313E66E}"/>
+          </ac:picMkLst>
+        </pc:picChg>
+        <pc:picChg chg="add del mod">
+          <ac:chgData name="Claudia Arnold" userId="a34ee16d-61d7-43e2-b6f8-1246cdcb6fd4" providerId="ADAL" clId="{0AF7E597-49B2-41BC-A681-8964848EC46E}" dt="2021-08-11T14:50:27.726" v="1535" actId="478"/>
+          <ac:picMkLst>
+            <pc:docMk/>
+            <pc:sldMk cId="1354756516" sldId="260"/>
+            <ac:picMk id="1048" creationId="{3D471CA8-AE5D-4A02-9312-1D5E46F8E3A8}"/>
+          </ac:picMkLst>
+        </pc:picChg>
+        <pc:picChg chg="add del mod">
+          <ac:chgData name="Claudia Arnold" userId="a34ee16d-61d7-43e2-b6f8-1246cdcb6fd4" providerId="ADAL" clId="{0AF7E597-49B2-41BC-A681-8964848EC46E}" dt="2021-08-11T14:50:27.726" v="1535" actId="478"/>
+          <ac:picMkLst>
+            <pc:docMk/>
+            <pc:sldMk cId="1354756516" sldId="260"/>
+            <ac:picMk id="1050" creationId="{89E58619-8208-4C52-9966-C062DC86DD8B}"/>
+          </ac:picMkLst>
+        </pc:picChg>
+        <pc:picChg chg="add mod">
+          <ac:chgData name="Claudia Arnold" userId="a34ee16d-61d7-43e2-b6f8-1246cdcb6fd4" providerId="ADAL" clId="{0AF7E597-49B2-41BC-A681-8964848EC46E}" dt="2021-08-11T14:55:33.797" v="1591" actId="1076"/>
+          <ac:picMkLst>
+            <pc:docMk/>
+            <pc:sldMk cId="1354756516" sldId="260"/>
+            <ac:picMk id="1052" creationId="{5BFFE604-D741-482A-911B-D62392B22E71}"/>
+          </ac:picMkLst>
+        </pc:picChg>
+        <pc:picChg chg="add mod">
+          <ac:chgData name="Claudia Arnold" userId="a34ee16d-61d7-43e2-b6f8-1246cdcb6fd4" providerId="ADAL" clId="{0AF7E597-49B2-41BC-A681-8964848EC46E}" dt="2021-08-11T15:26:56.262" v="1801" actId="1076"/>
+          <ac:picMkLst>
+            <pc:docMk/>
+            <pc:sldMk cId="1354756516" sldId="260"/>
+            <ac:picMk id="1054" creationId="{E640A051-CD17-45A1-8D96-882AA26AE05C}"/>
+          </ac:picMkLst>
+        </pc:picChg>
+        <pc:picChg chg="add del">
+          <ac:chgData name="Claudia Arnold" userId="a34ee16d-61d7-43e2-b6f8-1246cdcb6fd4" providerId="ADAL" clId="{0AF7E597-49B2-41BC-A681-8964848EC46E}" dt="2021-08-11T14:53:56.635" v="1568" actId="478"/>
+          <ac:picMkLst>
+            <pc:docMk/>
+            <pc:sldMk cId="1354756516" sldId="260"/>
+            <ac:picMk id="1056" creationId="{6805F22D-CE09-4ABE-B5E2-4A5A8AB8FB29}"/>
+          </ac:picMkLst>
+        </pc:picChg>
+        <pc:picChg chg="add mod">
+          <ac:chgData name="Claudia Arnold" userId="a34ee16d-61d7-43e2-b6f8-1246cdcb6fd4" providerId="ADAL" clId="{0AF7E597-49B2-41BC-A681-8964848EC46E}" dt="2021-08-11T14:56:36.794" v="1608" actId="1076"/>
+          <ac:picMkLst>
+            <pc:docMk/>
+            <pc:sldMk cId="1354756516" sldId="260"/>
+            <ac:picMk id="1058" creationId="{38337B0E-0DFC-4843-B469-F1ABC4003C7C}"/>
+          </ac:picMkLst>
+        </pc:picChg>
+        <pc:cxnChg chg="add mod ord">
+          <ac:chgData name="Claudia Arnold" userId="a34ee16d-61d7-43e2-b6f8-1246cdcb6fd4" providerId="ADAL" clId="{0AF7E597-49B2-41BC-A681-8964848EC46E}" dt="2021-08-11T15:13:01.436" v="1796" actId="14100"/>
+          <ac:cxnSpMkLst>
+            <pc:docMk/>
+            <pc:sldMk cId="1354756516" sldId="260"/>
+            <ac:cxnSpMk id="30" creationId="{2F196798-298A-429D-AA64-82205243CBF2}"/>
+          </ac:cxnSpMkLst>
+        </pc:cxnChg>
+        <pc:cxnChg chg="add mod">
+          <ac:chgData name="Claudia Arnold" userId="a34ee16d-61d7-43e2-b6f8-1246cdcb6fd4" providerId="ADAL" clId="{0AF7E597-49B2-41BC-A681-8964848EC46E}" dt="2021-08-11T15:10:58.128" v="1759" actId="693"/>
+          <ac:cxnSpMkLst>
+            <pc:docMk/>
+            <pc:sldMk cId="1354756516" sldId="260"/>
+            <ac:cxnSpMk id="76" creationId="{315A15C8-F237-4072-BFC4-0A357FD3AA35}"/>
+          </ac:cxnSpMkLst>
+        </pc:cxnChg>
+        <pc:cxnChg chg="add mod">
+          <ac:chgData name="Claudia Arnold" userId="a34ee16d-61d7-43e2-b6f8-1246cdcb6fd4" providerId="ADAL" clId="{0AF7E597-49B2-41BC-A681-8964848EC46E}" dt="2021-08-11T15:12:58.473" v="1795" actId="14100"/>
+          <ac:cxnSpMkLst>
+            <pc:docMk/>
+            <pc:sldMk cId="1354756516" sldId="260"/>
+            <ac:cxnSpMk id="79" creationId="{62CD8902-0511-4FAF-9F79-B232A4A456A0}"/>
+          </ac:cxnSpMkLst>
+        </pc:cxnChg>
+      </pc:sldChg>
+      <pc:sldChg chg="delSp modSp add mod">
+        <pc:chgData name="Claudia Arnold" userId="a34ee16d-61d7-43e2-b6f8-1246cdcb6fd4" providerId="ADAL" clId="{0AF7E597-49B2-41BC-A681-8964848EC46E}" dt="2021-08-12T07:55:19.153" v="1889" actId="1036"/>
+        <pc:sldMkLst>
+          <pc:docMk/>
+          <pc:sldMk cId="275730440" sldId="261"/>
+        </pc:sldMkLst>
+        <pc:spChg chg="del">
+          <ac:chgData name="Claudia Arnold" userId="a34ee16d-61d7-43e2-b6f8-1246cdcb6fd4" providerId="ADAL" clId="{0AF7E597-49B2-41BC-A681-8964848EC46E}" dt="2021-08-12T07:54:41.897" v="1825" actId="478"/>
+          <ac:spMkLst>
+            <pc:docMk/>
+            <pc:sldMk cId="275730440" sldId="261"/>
+            <ac:spMk id="11" creationId="{58233F69-F373-4A5D-BD00-B3A471E45552}"/>
+          </ac:spMkLst>
+        </pc:spChg>
+        <pc:spChg chg="del">
+          <ac:chgData name="Claudia Arnold" userId="a34ee16d-61d7-43e2-b6f8-1246cdcb6fd4" providerId="ADAL" clId="{0AF7E597-49B2-41BC-A681-8964848EC46E}" dt="2021-08-12T07:54:37.868" v="1822" actId="478"/>
+          <ac:spMkLst>
+            <pc:docMk/>
+            <pc:sldMk cId="275730440" sldId="261"/>
+            <ac:spMk id="12" creationId="{959E69C5-A088-4BB4-B9BD-4090324F2523}"/>
+          </ac:spMkLst>
+        </pc:spChg>
+        <pc:spChg chg="del">
+          <ac:chgData name="Claudia Arnold" userId="a34ee16d-61d7-43e2-b6f8-1246cdcb6fd4" providerId="ADAL" clId="{0AF7E597-49B2-41BC-A681-8964848EC46E}" dt="2021-08-12T07:54:48.989" v="1830" actId="478"/>
+          <ac:spMkLst>
+            <pc:docMk/>
+            <pc:sldMk cId="275730440" sldId="261"/>
+            <ac:spMk id="13" creationId="{9694F422-C3F9-4B8A-BD9A-42071FF06592}"/>
+          </ac:spMkLst>
+        </pc:spChg>
+        <pc:spChg chg="del">
+          <ac:chgData name="Claudia Arnold" userId="a34ee16d-61d7-43e2-b6f8-1246cdcb6fd4" providerId="ADAL" clId="{0AF7E597-49B2-41BC-A681-8964848EC46E}" dt="2021-08-12T07:54:40.844" v="1824" actId="478"/>
+          <ac:spMkLst>
+            <pc:docMk/>
+            <pc:sldMk cId="275730440" sldId="261"/>
+            <ac:spMk id="18" creationId="{545EE13F-8C58-407B-B706-CED1A72CAB70}"/>
+          </ac:spMkLst>
+        </pc:spChg>
+        <pc:spChg chg="del">
+          <ac:chgData name="Claudia Arnold" userId="a34ee16d-61d7-43e2-b6f8-1246cdcb6fd4" providerId="ADAL" clId="{0AF7E597-49B2-41BC-A681-8964848EC46E}" dt="2021-08-12T07:54:39.853" v="1823" actId="478"/>
+          <ac:spMkLst>
+            <pc:docMk/>
+            <pc:sldMk cId="275730440" sldId="261"/>
+            <ac:spMk id="19" creationId="{04AB0916-164A-4FDF-A22E-76BA5632CCE5}"/>
+          </ac:spMkLst>
+        </pc:spChg>
+        <pc:spChg chg="del">
+          <ac:chgData name="Claudia Arnold" userId="a34ee16d-61d7-43e2-b6f8-1246cdcb6fd4" providerId="ADAL" clId="{0AF7E597-49B2-41BC-A681-8964848EC46E}" dt="2021-08-12T07:54:50.746" v="1831" actId="478"/>
+          <ac:spMkLst>
+            <pc:docMk/>
+            <pc:sldMk cId="275730440" sldId="261"/>
+            <ac:spMk id="20" creationId="{89D1FEF7-7E52-4D07-BF49-EBA053361238}"/>
+          </ac:spMkLst>
+        </pc:spChg>
+        <pc:spChg chg="del">
+          <ac:chgData name="Claudia Arnold" userId="a34ee16d-61d7-43e2-b6f8-1246cdcb6fd4" providerId="ADAL" clId="{0AF7E597-49B2-41BC-A681-8964848EC46E}" dt="2021-08-12T07:54:46.505" v="1828" actId="478"/>
+          <ac:spMkLst>
+            <pc:docMk/>
+            <pc:sldMk cId="275730440" sldId="261"/>
+            <ac:spMk id="21" creationId="{E77C3A47-C272-4FEF-B4D9-817B346B7DCC}"/>
+          </ac:spMkLst>
+        </pc:spChg>
+        <pc:spChg chg="del">
+          <ac:chgData name="Claudia Arnold" userId="a34ee16d-61d7-43e2-b6f8-1246cdcb6fd4" providerId="ADAL" clId="{0AF7E597-49B2-41BC-A681-8964848EC46E}" dt="2021-08-12T07:54:48.060" v="1829" actId="478"/>
+          <ac:spMkLst>
+            <pc:docMk/>
+            <pc:sldMk cId="275730440" sldId="261"/>
+            <ac:spMk id="22" creationId="{93701D0F-CF00-4579-8917-A139C1E349E5}"/>
+          </ac:spMkLst>
+        </pc:spChg>
+        <pc:spChg chg="del">
+          <ac:chgData name="Claudia Arnold" userId="a34ee16d-61d7-43e2-b6f8-1246cdcb6fd4" providerId="ADAL" clId="{0AF7E597-49B2-41BC-A681-8964848EC46E}" dt="2021-08-12T07:54:44.941" v="1827" actId="478"/>
+          <ac:spMkLst>
+            <pc:docMk/>
+            <pc:sldMk cId="275730440" sldId="261"/>
+            <ac:spMk id="24" creationId="{5FDD07B7-5126-4EA1-ABFF-682E1CF23670}"/>
+          </ac:spMkLst>
+        </pc:spChg>
+        <pc:spChg chg="mod">
+          <ac:chgData name="Claudia Arnold" userId="a34ee16d-61d7-43e2-b6f8-1246cdcb6fd4" providerId="ADAL" clId="{0AF7E597-49B2-41BC-A681-8964848EC46E}" dt="2021-08-12T07:55:05.768" v="1834" actId="14100"/>
+          <ac:spMkLst>
+            <pc:docMk/>
+            <pc:sldMk cId="275730440" sldId="261"/>
+            <ac:spMk id="25" creationId="{0E57BA61-9221-4CCB-AB16-FD216603A790}"/>
+          </ac:spMkLst>
+        </pc:spChg>
+        <pc:spChg chg="del">
+          <ac:chgData name="Claudia Arnold" userId="a34ee16d-61d7-43e2-b6f8-1246cdcb6fd4" providerId="ADAL" clId="{0AF7E597-49B2-41BC-A681-8964848EC46E}" dt="2021-08-12T07:54:43.450" v="1826" actId="478"/>
+          <ac:spMkLst>
+            <pc:docMk/>
+            <pc:sldMk cId="275730440" sldId="261"/>
+            <ac:spMk id="27" creationId="{C2EC47F7-4F0B-440D-91D4-D4AB6C052AC0}"/>
+          </ac:spMkLst>
+        </pc:spChg>
+        <pc:spChg chg="mod">
+          <ac:chgData name="Claudia Arnold" userId="a34ee16d-61d7-43e2-b6f8-1246cdcb6fd4" providerId="ADAL" clId="{0AF7E597-49B2-41BC-A681-8964848EC46E}" dt="2021-08-12T07:55:19.153" v="1889" actId="1036"/>
+          <ac:spMkLst>
+            <pc:docMk/>
+            <pc:sldMk cId="275730440" sldId="261"/>
+            <ac:spMk id="28" creationId="{F44BE46B-4325-4718-A71F-260B330DBCCC}"/>
+          </ac:spMkLst>
+        </pc:spChg>
+        <pc:spChg chg="mod">
+          <ac:chgData name="Claudia Arnold" userId="a34ee16d-61d7-43e2-b6f8-1246cdcb6fd4" providerId="ADAL" clId="{0AF7E597-49B2-41BC-A681-8964848EC46E}" dt="2021-08-12T07:54:58.600" v="1832" actId="14100"/>
+          <ac:spMkLst>
+            <pc:docMk/>
+            <pc:sldMk cId="275730440" sldId="261"/>
+            <ac:spMk id="35" creationId="{FE00076C-9551-4409-9655-17A337880288}"/>
+          </ac:spMkLst>
+        </pc:spChg>
+        <pc:spChg chg="mod">
+          <ac:chgData name="Claudia Arnold" userId="a34ee16d-61d7-43e2-b6f8-1246cdcb6fd4" providerId="ADAL" clId="{0AF7E597-49B2-41BC-A681-8964848EC46E}" dt="2021-08-12T07:55:19.153" v="1889" actId="1036"/>
+          <ac:spMkLst>
+            <pc:docMk/>
+            <pc:sldMk cId="275730440" sldId="261"/>
+            <ac:spMk id="83" creationId="{25BBE49F-5AC5-43A3-9E52-6FA946C7E7FA}"/>
+          </ac:spMkLst>
+        </pc:spChg>
+        <pc:spChg chg="mod">
+          <ac:chgData name="Claudia Arnold" userId="a34ee16d-61d7-43e2-b6f8-1246cdcb6fd4" providerId="ADAL" clId="{0AF7E597-49B2-41BC-A681-8964848EC46E}" dt="2021-08-12T07:55:19.153" v="1889" actId="1036"/>
+          <ac:spMkLst>
+            <pc:docMk/>
+            <pc:sldMk cId="275730440" sldId="261"/>
+            <ac:spMk id="84" creationId="{3C7C92D2-3BBF-4A3C-9104-B1A3B09BDB8F}"/>
+          </ac:spMkLst>
+        </pc:spChg>
+        <pc:cxnChg chg="mod">
+          <ac:chgData name="Claudia Arnold" userId="a34ee16d-61d7-43e2-b6f8-1246cdcb6fd4" providerId="ADAL" clId="{0AF7E597-49B2-41BC-A681-8964848EC46E}" dt="2021-08-12T07:55:19.153" v="1889" actId="1036"/>
+          <ac:cxnSpMkLst>
+            <pc:docMk/>
+            <pc:sldMk cId="275730440" sldId="261"/>
+            <ac:cxnSpMk id="30" creationId="{2F196798-298A-429D-AA64-82205243CBF2}"/>
+          </ac:cxnSpMkLst>
+        </pc:cxnChg>
+        <pc:cxnChg chg="mod">
+          <ac:chgData name="Claudia Arnold" userId="a34ee16d-61d7-43e2-b6f8-1246cdcb6fd4" providerId="ADAL" clId="{0AF7E597-49B2-41BC-A681-8964848EC46E}" dt="2021-08-12T07:55:19.153" v="1889" actId="1036"/>
+          <ac:cxnSpMkLst>
+            <pc:docMk/>
+            <pc:sldMk cId="275730440" sldId="261"/>
+            <ac:cxnSpMk id="76" creationId="{315A15C8-F237-4072-BFC4-0A357FD3AA35}"/>
+          </ac:cxnSpMkLst>
+        </pc:cxnChg>
+        <pc:cxnChg chg="mod">
+          <ac:chgData name="Claudia Arnold" userId="a34ee16d-61d7-43e2-b6f8-1246cdcb6fd4" providerId="ADAL" clId="{0AF7E597-49B2-41BC-A681-8964848EC46E}" dt="2021-08-12T07:55:19.153" v="1889" actId="1036"/>
+          <ac:cxnSpMkLst>
+            <pc:docMk/>
+            <pc:sldMk cId="275730440" sldId="261"/>
+            <ac:cxnSpMk id="79" creationId="{62CD8902-0511-4FAF-9F79-B232A4A456A0}"/>
           </ac:cxnSpMkLst>
         </pc:cxnChg>
       </pc:sldChg>
@@ -553,7 +1521,7 @@
           <a:p>
             <a:fld id="{10BC16AE-9200-4BE0-AC73-31034FABBE51}" type="datetimeFigureOut">
               <a:rPr lang="de-DE" smtClean="0"/>
-              <a:t>03.08.2021</a:t>
+              <a:t>11.08.2021</a:t>
             </a:fld>
             <a:endParaRPr lang="de-DE"/>
           </a:p>
@@ -751,7 +1719,7 @@
           <a:p>
             <a:fld id="{10BC16AE-9200-4BE0-AC73-31034FABBE51}" type="datetimeFigureOut">
               <a:rPr lang="de-DE" smtClean="0"/>
-              <a:t>03.08.2021</a:t>
+              <a:t>11.08.2021</a:t>
             </a:fld>
             <a:endParaRPr lang="de-DE"/>
           </a:p>
@@ -959,7 +1927,7 @@
           <a:p>
             <a:fld id="{10BC16AE-9200-4BE0-AC73-31034FABBE51}" type="datetimeFigureOut">
               <a:rPr lang="de-DE" smtClean="0"/>
-              <a:t>03.08.2021</a:t>
+              <a:t>11.08.2021</a:t>
             </a:fld>
             <a:endParaRPr lang="de-DE"/>
           </a:p>
@@ -1157,7 +2125,7 @@
           <a:p>
             <a:fld id="{10BC16AE-9200-4BE0-AC73-31034FABBE51}" type="datetimeFigureOut">
               <a:rPr lang="de-DE" smtClean="0"/>
-              <a:t>03.08.2021</a:t>
+              <a:t>11.08.2021</a:t>
             </a:fld>
             <a:endParaRPr lang="de-DE"/>
           </a:p>
@@ -1432,7 +2400,7 @@
           <a:p>
             <a:fld id="{10BC16AE-9200-4BE0-AC73-31034FABBE51}" type="datetimeFigureOut">
               <a:rPr lang="de-DE" smtClean="0"/>
-              <a:t>03.08.2021</a:t>
+              <a:t>11.08.2021</a:t>
             </a:fld>
             <a:endParaRPr lang="de-DE"/>
           </a:p>
@@ -1697,7 +2665,7 @@
           <a:p>
             <a:fld id="{10BC16AE-9200-4BE0-AC73-31034FABBE51}" type="datetimeFigureOut">
               <a:rPr lang="de-DE" smtClean="0"/>
-              <a:t>03.08.2021</a:t>
+              <a:t>11.08.2021</a:t>
             </a:fld>
             <a:endParaRPr lang="de-DE"/>
           </a:p>
@@ -2109,7 +3077,7 @@
           <a:p>
             <a:fld id="{10BC16AE-9200-4BE0-AC73-31034FABBE51}" type="datetimeFigureOut">
               <a:rPr lang="de-DE" smtClean="0"/>
-              <a:t>03.08.2021</a:t>
+              <a:t>11.08.2021</a:t>
             </a:fld>
             <a:endParaRPr lang="de-DE"/>
           </a:p>
@@ -2250,7 +3218,7 @@
           <a:p>
             <a:fld id="{10BC16AE-9200-4BE0-AC73-31034FABBE51}" type="datetimeFigureOut">
               <a:rPr lang="de-DE" smtClean="0"/>
-              <a:t>03.08.2021</a:t>
+              <a:t>11.08.2021</a:t>
             </a:fld>
             <a:endParaRPr lang="de-DE"/>
           </a:p>
@@ -2363,7 +3331,7 @@
           <a:p>
             <a:fld id="{10BC16AE-9200-4BE0-AC73-31034FABBE51}" type="datetimeFigureOut">
               <a:rPr lang="de-DE" smtClean="0"/>
-              <a:t>03.08.2021</a:t>
+              <a:t>11.08.2021</a:t>
             </a:fld>
             <a:endParaRPr lang="de-DE"/>
           </a:p>
@@ -2674,7 +3642,7 @@
           <a:p>
             <a:fld id="{10BC16AE-9200-4BE0-AC73-31034FABBE51}" type="datetimeFigureOut">
               <a:rPr lang="de-DE" smtClean="0"/>
-              <a:t>03.08.2021</a:t>
+              <a:t>11.08.2021</a:t>
             </a:fld>
             <a:endParaRPr lang="de-DE"/>
           </a:p>
@@ -2962,7 +3930,7 @@
           <a:p>
             <a:fld id="{10BC16AE-9200-4BE0-AC73-31034FABBE51}" type="datetimeFigureOut">
               <a:rPr lang="de-DE" smtClean="0"/>
-              <a:t>03.08.2021</a:t>
+              <a:t>11.08.2021</a:t>
             </a:fld>
             <a:endParaRPr lang="de-DE"/>
           </a:p>
@@ -3203,7 +4171,7 @@
           <a:p>
             <a:fld id="{10BC16AE-9200-4BE0-AC73-31034FABBE51}" type="datetimeFigureOut">
               <a:rPr lang="de-DE" smtClean="0"/>
-              <a:t>03.08.2021</a:t>
+              <a:t>11.08.2021</a:t>
             </a:fld>
             <a:endParaRPr lang="de-DE"/>
           </a:p>
@@ -5101,6 +6069,4839 @@
 </p:sld>
 </file>
 
+<file path=ppt/slides/slide3.xml><?xml version="1.0" encoding="utf-8"?>
+<p:sld xmlns:a="http://schemas.openxmlformats.org/drawingml/2006/main" xmlns:r="http://schemas.openxmlformats.org/officeDocument/2006/relationships" xmlns:p="http://schemas.openxmlformats.org/presentationml/2006/main">
+  <p:cSld>
+    <p:spTree>
+      <p:nvGrpSpPr>
+        <p:cNvPr id="1" name=""/>
+        <p:cNvGrpSpPr/>
+        <p:nvPr/>
+      </p:nvGrpSpPr>
+      <p:grpSpPr>
+        <a:xfrm>
+          <a:off x="0" y="0"/>
+          <a:ext cx="0" cy="0"/>
+          <a:chOff x="0" y="0"/>
+          <a:chExt cx="0" cy="0"/>
+        </a:xfrm>
+      </p:grpSpPr>
+      <p:sp>
+        <p:nvSpPr>
+          <p:cNvPr id="6" name="Rechteck 5">
+            <a:extLst>
+              <a:ext uri="{FF2B5EF4-FFF2-40B4-BE49-F238E27FC236}">
+                <a16:creationId xmlns:a16="http://schemas.microsoft.com/office/drawing/2014/main" id="{358962FB-3357-4CAE-857A-817D2FD40046}"/>
+              </a:ext>
+            </a:extLst>
+          </p:cNvPr>
+          <p:cNvSpPr/>
+          <p:nvPr/>
+        </p:nvSpPr>
+        <p:spPr>
+          <a:xfrm>
+            <a:off x="3135086" y="1940768"/>
+            <a:ext cx="905069" cy="2799183"/>
+          </a:xfrm>
+          <a:prstGeom prst="rect">
+            <a:avLst/>
+          </a:prstGeom>
+        </p:spPr>
+        <p:style>
+          <a:lnRef idx="2">
+            <a:schemeClr val="accent1">
+              <a:shade val="50000"/>
+            </a:schemeClr>
+          </a:lnRef>
+          <a:fillRef idx="1">
+            <a:schemeClr val="accent1"/>
+          </a:fillRef>
+          <a:effectRef idx="0">
+            <a:schemeClr val="accent1"/>
+          </a:effectRef>
+          <a:fontRef idx="minor">
+            <a:schemeClr val="lt1"/>
+          </a:fontRef>
+        </p:style>
+        <p:txBody>
+          <a:bodyPr rtlCol="0" anchor="ctr"/>
+          <a:lstStyle/>
+          <a:p>
+            <a:pPr algn="ctr"/>
+            <a:endParaRPr lang="de-DE"/>
+          </a:p>
+        </p:txBody>
+      </p:sp>
+      <p:sp>
+        <p:nvSpPr>
+          <p:cNvPr id="7" name="Rechteck 6">
+            <a:extLst>
+              <a:ext uri="{FF2B5EF4-FFF2-40B4-BE49-F238E27FC236}">
+                <a16:creationId xmlns:a16="http://schemas.microsoft.com/office/drawing/2014/main" id="{253D4E71-1146-47CF-B41A-13FB8955E216}"/>
+              </a:ext>
+            </a:extLst>
+          </p:cNvPr>
+          <p:cNvSpPr/>
+          <p:nvPr/>
+        </p:nvSpPr>
+        <p:spPr>
+          <a:xfrm>
+            <a:off x="6543870" y="1940767"/>
+            <a:ext cx="905069" cy="2799183"/>
+          </a:xfrm>
+          <a:prstGeom prst="rect">
+            <a:avLst/>
+          </a:prstGeom>
+        </p:spPr>
+        <p:style>
+          <a:lnRef idx="2">
+            <a:schemeClr val="accent1">
+              <a:shade val="50000"/>
+            </a:schemeClr>
+          </a:lnRef>
+          <a:fillRef idx="1">
+            <a:schemeClr val="accent1"/>
+          </a:fillRef>
+          <a:effectRef idx="0">
+            <a:schemeClr val="accent1"/>
+          </a:effectRef>
+          <a:fontRef idx="minor">
+            <a:schemeClr val="lt1"/>
+          </a:fontRef>
+        </p:style>
+        <p:txBody>
+          <a:bodyPr rtlCol="0" anchor="ctr"/>
+          <a:lstStyle/>
+          <a:p>
+            <a:pPr algn="ctr"/>
+            <a:endParaRPr lang="de-DE"/>
+          </a:p>
+        </p:txBody>
+      </p:sp>
+      <p:sp>
+        <p:nvSpPr>
+          <p:cNvPr id="8" name="Flussdiagramm: Verbinder 7">
+            <a:extLst>
+              <a:ext uri="{FF2B5EF4-FFF2-40B4-BE49-F238E27FC236}">
+                <a16:creationId xmlns:a16="http://schemas.microsoft.com/office/drawing/2014/main" id="{C2166435-4B04-4FB8-B0B8-F26D4EF9812D}"/>
+              </a:ext>
+            </a:extLst>
+          </p:cNvPr>
+          <p:cNvSpPr/>
+          <p:nvPr/>
+        </p:nvSpPr>
+        <p:spPr>
+          <a:xfrm>
+            <a:off x="1390261" y="2645228"/>
+            <a:ext cx="1436914" cy="1408922"/>
+          </a:xfrm>
+          <a:prstGeom prst="flowChartConnector">
+            <a:avLst/>
+          </a:prstGeom>
+        </p:spPr>
+        <p:style>
+          <a:lnRef idx="2">
+            <a:schemeClr val="accent1">
+              <a:shade val="50000"/>
+            </a:schemeClr>
+          </a:lnRef>
+          <a:fillRef idx="1">
+            <a:schemeClr val="accent1"/>
+          </a:fillRef>
+          <a:effectRef idx="0">
+            <a:schemeClr val="accent1"/>
+          </a:effectRef>
+          <a:fontRef idx="minor">
+            <a:schemeClr val="lt1"/>
+          </a:fontRef>
+        </p:style>
+        <p:txBody>
+          <a:bodyPr rtlCol="0" anchor="ctr"/>
+          <a:lstStyle/>
+          <a:p>
+            <a:pPr algn="ctr"/>
+            <a:endParaRPr lang="de-DE"/>
+          </a:p>
+        </p:txBody>
+      </p:sp>
+      <p:sp>
+        <p:nvSpPr>
+          <p:cNvPr id="9" name="Flussdiagramm: Verbinder 8">
+            <a:extLst>
+              <a:ext uri="{FF2B5EF4-FFF2-40B4-BE49-F238E27FC236}">
+                <a16:creationId xmlns:a16="http://schemas.microsoft.com/office/drawing/2014/main" id="{DA972A01-6B9C-4BD8-A02C-8CEA98D0639D}"/>
+              </a:ext>
+            </a:extLst>
+          </p:cNvPr>
+          <p:cNvSpPr/>
+          <p:nvPr/>
+        </p:nvSpPr>
+        <p:spPr>
+          <a:xfrm>
+            <a:off x="4592216" y="2635897"/>
+            <a:ext cx="1436914" cy="1408922"/>
+          </a:xfrm>
+          <a:prstGeom prst="flowChartConnector">
+            <a:avLst/>
+          </a:prstGeom>
+        </p:spPr>
+        <p:style>
+          <a:lnRef idx="2">
+            <a:schemeClr val="accent1">
+              <a:shade val="50000"/>
+            </a:schemeClr>
+          </a:lnRef>
+          <a:fillRef idx="1">
+            <a:schemeClr val="accent1"/>
+          </a:fillRef>
+          <a:effectRef idx="0">
+            <a:schemeClr val="accent1"/>
+          </a:effectRef>
+          <a:fontRef idx="minor">
+            <a:schemeClr val="lt1"/>
+          </a:fontRef>
+        </p:style>
+        <p:txBody>
+          <a:bodyPr rtlCol="0" anchor="ctr"/>
+          <a:lstStyle/>
+          <a:p>
+            <a:pPr algn="ctr"/>
+            <a:endParaRPr lang="de-DE"/>
+          </a:p>
+        </p:txBody>
+      </p:sp>
+      <p:sp>
+        <p:nvSpPr>
+          <p:cNvPr id="10" name="Flussdiagramm: Verbinder 9">
+            <a:extLst>
+              <a:ext uri="{FF2B5EF4-FFF2-40B4-BE49-F238E27FC236}">
+                <a16:creationId xmlns:a16="http://schemas.microsoft.com/office/drawing/2014/main" id="{C560727F-CD39-48F3-A228-04F415E0058D}"/>
+              </a:ext>
+            </a:extLst>
+          </p:cNvPr>
+          <p:cNvSpPr/>
+          <p:nvPr/>
+        </p:nvSpPr>
+        <p:spPr>
+          <a:xfrm>
+            <a:off x="8001001" y="2635897"/>
+            <a:ext cx="1436914" cy="1408922"/>
+          </a:xfrm>
+          <a:prstGeom prst="flowChartConnector">
+            <a:avLst/>
+          </a:prstGeom>
+        </p:spPr>
+        <p:style>
+          <a:lnRef idx="2">
+            <a:schemeClr val="accent1">
+              <a:shade val="50000"/>
+            </a:schemeClr>
+          </a:lnRef>
+          <a:fillRef idx="1">
+            <a:schemeClr val="accent1"/>
+          </a:fillRef>
+          <a:effectRef idx="0">
+            <a:schemeClr val="accent1"/>
+          </a:effectRef>
+          <a:fontRef idx="minor">
+            <a:schemeClr val="lt1"/>
+          </a:fontRef>
+        </p:style>
+        <p:txBody>
+          <a:bodyPr rtlCol="0" anchor="ctr"/>
+          <a:lstStyle/>
+          <a:p>
+            <a:pPr algn="ctr"/>
+            <a:endParaRPr lang="de-DE"/>
+          </a:p>
+        </p:txBody>
+      </p:sp>
+    </p:spTree>
+    <p:extLst>
+      <p:ext uri="{BB962C8B-B14F-4D97-AF65-F5344CB8AC3E}">
+        <p14:creationId xmlns:p14="http://schemas.microsoft.com/office/powerpoint/2010/main" val="3469165638"/>
+      </p:ext>
+    </p:extLst>
+  </p:cSld>
+  <p:clrMapOvr>
+    <a:masterClrMapping/>
+  </p:clrMapOvr>
+</p:sld>
+</file>
+
+<file path=ppt/slides/slide4.xml><?xml version="1.0" encoding="utf-8"?>
+<p:sld xmlns:a="http://schemas.openxmlformats.org/drawingml/2006/main" xmlns:r="http://schemas.openxmlformats.org/officeDocument/2006/relationships" xmlns:p="http://schemas.openxmlformats.org/presentationml/2006/main">
+  <p:cSld>
+    <p:spTree>
+      <p:nvGrpSpPr>
+        <p:cNvPr id="1" name=""/>
+        <p:cNvGrpSpPr/>
+        <p:nvPr/>
+      </p:nvGrpSpPr>
+      <p:grpSpPr>
+        <a:xfrm>
+          <a:off x="0" y="0"/>
+          <a:ext cx="0" cy="0"/>
+          <a:chOff x="0" y="0"/>
+          <a:chExt cx="0" cy="0"/>
+        </a:xfrm>
+      </p:grpSpPr>
+      <p:pic>
+        <p:nvPicPr>
+          <p:cNvPr id="5" name="Grafik 4">
+            <a:extLst>
+              <a:ext uri="{FF2B5EF4-FFF2-40B4-BE49-F238E27FC236}">
+                <a16:creationId xmlns:a16="http://schemas.microsoft.com/office/drawing/2014/main" id="{558874A6-14C8-4310-87E9-CDF986527D3B}"/>
+              </a:ext>
+            </a:extLst>
+          </p:cNvPr>
+          <p:cNvPicPr>
+            <a:picLocks noChangeAspect="1"/>
+          </p:cNvPicPr>
+          <p:nvPr/>
+        </p:nvPicPr>
+        <p:blipFill>
+          <a:blip r:embed="rId2"/>
+          <a:stretch>
+            <a:fillRect/>
+          </a:stretch>
+        </p:blipFill>
+        <p:spPr>
+          <a:xfrm>
+            <a:off x="3204537" y="883699"/>
+            <a:ext cx="4999153" cy="5090601"/>
+          </a:xfrm>
+          <a:prstGeom prst="rect">
+            <a:avLst/>
+          </a:prstGeom>
+        </p:spPr>
+      </p:pic>
+      <p:sp>
+        <p:nvSpPr>
+          <p:cNvPr id="6" name="Rechteck 5">
+            <a:extLst>
+              <a:ext uri="{FF2B5EF4-FFF2-40B4-BE49-F238E27FC236}">
+                <a16:creationId xmlns:a16="http://schemas.microsoft.com/office/drawing/2014/main" id="{AB9D0357-6A72-42EF-AA90-CBCA886E1EB8}"/>
+              </a:ext>
+            </a:extLst>
+          </p:cNvPr>
+          <p:cNvSpPr/>
+          <p:nvPr/>
+        </p:nvSpPr>
+        <p:spPr>
+          <a:xfrm>
+            <a:off x="5097780" y="883698"/>
+            <a:ext cx="1539240" cy="259301"/>
+          </a:xfrm>
+          <a:prstGeom prst="rect">
+            <a:avLst/>
+          </a:prstGeom>
+          <a:ln>
+            <a:noFill/>
+          </a:ln>
+        </p:spPr>
+        <p:style>
+          <a:lnRef idx="2">
+            <a:schemeClr val="dk1"/>
+          </a:lnRef>
+          <a:fillRef idx="1">
+            <a:schemeClr val="lt1"/>
+          </a:fillRef>
+          <a:effectRef idx="0">
+            <a:schemeClr val="dk1"/>
+          </a:effectRef>
+          <a:fontRef idx="minor">
+            <a:schemeClr val="dk1"/>
+          </a:fontRef>
+        </p:style>
+        <p:txBody>
+          <a:bodyPr rtlCol="0" anchor="ctr"/>
+          <a:lstStyle/>
+          <a:p>
+            <a:pPr algn="ctr"/>
+            <a:r>
+              <a:rPr lang="de-DE" sz="1100" dirty="0">
+                <a:latin typeface="Arial" panose="020B0604020202020204" pitchFamily="34" charset="0"/>
+                <a:cs typeface="Arial" panose="020B0604020202020204" pitchFamily="34" charset="0"/>
+              </a:rPr>
+              <a:t>Deploy &amp; Monitor </a:t>
+            </a:r>
+          </a:p>
+        </p:txBody>
+      </p:sp>
+      <p:sp>
+        <p:nvSpPr>
+          <p:cNvPr id="7" name="Rechteck 6">
+            <a:extLst>
+              <a:ext uri="{FF2B5EF4-FFF2-40B4-BE49-F238E27FC236}">
+                <a16:creationId xmlns:a16="http://schemas.microsoft.com/office/drawing/2014/main" id="{48826CEC-4DC3-42B4-AE2B-C8277EFFEFC0}"/>
+              </a:ext>
+            </a:extLst>
+          </p:cNvPr>
+          <p:cNvSpPr/>
+          <p:nvPr/>
+        </p:nvSpPr>
+        <p:spPr>
+          <a:xfrm>
+            <a:off x="6362700" y="1561878"/>
+            <a:ext cx="1539240" cy="259301"/>
+          </a:xfrm>
+          <a:prstGeom prst="rect">
+            <a:avLst/>
+          </a:prstGeom>
+          <a:ln>
+            <a:noFill/>
+          </a:ln>
+        </p:spPr>
+        <p:style>
+          <a:lnRef idx="2">
+            <a:schemeClr val="dk1"/>
+          </a:lnRef>
+          <a:fillRef idx="1">
+            <a:schemeClr val="lt1"/>
+          </a:fillRef>
+          <a:effectRef idx="0">
+            <a:schemeClr val="dk1"/>
+          </a:effectRef>
+          <a:fontRef idx="minor">
+            <a:schemeClr val="dk1"/>
+          </a:fontRef>
+        </p:style>
+        <p:txBody>
+          <a:bodyPr rtlCol="0" anchor="ctr"/>
+          <a:lstStyle/>
+          <a:p>
+            <a:pPr algn="ctr"/>
+            <a:r>
+              <a:rPr lang="de-DE" sz="1100" dirty="0">
+                <a:latin typeface="Arial" panose="020B0604020202020204" pitchFamily="34" charset="0"/>
+                <a:cs typeface="Arial" panose="020B0604020202020204" pitchFamily="34" charset="0"/>
+              </a:rPr>
+              <a:t>Release</a:t>
+            </a:r>
+          </a:p>
+        </p:txBody>
+      </p:sp>
+      <p:sp>
+        <p:nvSpPr>
+          <p:cNvPr id="8" name="Rechteck 7">
+            <a:extLst>
+              <a:ext uri="{FF2B5EF4-FFF2-40B4-BE49-F238E27FC236}">
+                <a16:creationId xmlns:a16="http://schemas.microsoft.com/office/drawing/2014/main" id="{F059CF74-8C7C-4C00-A10D-B2C2F7565B69}"/>
+              </a:ext>
+            </a:extLst>
+          </p:cNvPr>
+          <p:cNvSpPr/>
+          <p:nvPr/>
+        </p:nvSpPr>
+        <p:spPr>
+          <a:xfrm>
+            <a:off x="7269480" y="4023138"/>
+            <a:ext cx="575310" cy="259301"/>
+          </a:xfrm>
+          <a:prstGeom prst="rect">
+            <a:avLst/>
+          </a:prstGeom>
+          <a:ln>
+            <a:noFill/>
+          </a:ln>
+        </p:spPr>
+        <p:style>
+          <a:lnRef idx="2">
+            <a:schemeClr val="dk1"/>
+          </a:lnRef>
+          <a:fillRef idx="1">
+            <a:schemeClr val="lt1"/>
+          </a:fillRef>
+          <a:effectRef idx="0">
+            <a:schemeClr val="dk1"/>
+          </a:effectRef>
+          <a:fontRef idx="minor">
+            <a:schemeClr val="dk1"/>
+          </a:fontRef>
+        </p:style>
+        <p:txBody>
+          <a:bodyPr rtlCol="0" anchor="ctr"/>
+          <a:lstStyle/>
+          <a:p>
+            <a:pPr algn="ctr"/>
+            <a:r>
+              <a:rPr lang="de-DE" sz="1100" dirty="0">
+                <a:latin typeface="Arial" panose="020B0604020202020204" pitchFamily="34" charset="0"/>
+                <a:cs typeface="Arial" panose="020B0604020202020204" pitchFamily="34" charset="0"/>
+              </a:rPr>
+              <a:t>Test</a:t>
+            </a:r>
+          </a:p>
+        </p:txBody>
+      </p:sp>
+      <p:sp>
+        <p:nvSpPr>
+          <p:cNvPr id="9" name="Rechteck 8">
+            <a:extLst>
+              <a:ext uri="{FF2B5EF4-FFF2-40B4-BE49-F238E27FC236}">
+                <a16:creationId xmlns:a16="http://schemas.microsoft.com/office/drawing/2014/main" id="{52AE9CE1-2AFA-4C2A-97A2-A3BC8FEE4A8A}"/>
+              </a:ext>
+            </a:extLst>
+          </p:cNvPr>
+          <p:cNvSpPr/>
+          <p:nvPr/>
+        </p:nvSpPr>
+        <p:spPr>
+          <a:xfrm>
+            <a:off x="6844665" y="5166471"/>
+            <a:ext cx="575310" cy="259301"/>
+          </a:xfrm>
+          <a:prstGeom prst="rect">
+            <a:avLst/>
+          </a:prstGeom>
+          <a:ln>
+            <a:noFill/>
+          </a:ln>
+        </p:spPr>
+        <p:style>
+          <a:lnRef idx="2">
+            <a:schemeClr val="dk1"/>
+          </a:lnRef>
+          <a:fillRef idx="1">
+            <a:schemeClr val="lt1"/>
+          </a:fillRef>
+          <a:effectRef idx="0">
+            <a:schemeClr val="dk1"/>
+          </a:effectRef>
+          <a:fontRef idx="minor">
+            <a:schemeClr val="dk1"/>
+          </a:fontRef>
+        </p:style>
+        <p:txBody>
+          <a:bodyPr rtlCol="0" anchor="ctr"/>
+          <a:lstStyle/>
+          <a:p>
+            <a:pPr algn="ctr"/>
+            <a:r>
+              <a:rPr lang="de-DE" sz="1100" dirty="0">
+                <a:latin typeface="Arial" panose="020B0604020202020204" pitchFamily="34" charset="0"/>
+                <a:cs typeface="Arial" panose="020B0604020202020204" pitchFamily="34" charset="0"/>
+              </a:rPr>
+              <a:t>Build</a:t>
+            </a:r>
+          </a:p>
+        </p:txBody>
+      </p:sp>
+      <p:sp>
+        <p:nvSpPr>
+          <p:cNvPr id="10" name="Rechteck 9">
+            <a:extLst>
+              <a:ext uri="{FF2B5EF4-FFF2-40B4-BE49-F238E27FC236}">
+                <a16:creationId xmlns:a16="http://schemas.microsoft.com/office/drawing/2014/main" id="{8DFB07C0-8CF3-409F-95D0-D61F72EB7BD9}"/>
+              </a:ext>
+            </a:extLst>
+          </p:cNvPr>
+          <p:cNvSpPr/>
+          <p:nvPr/>
+        </p:nvSpPr>
+        <p:spPr>
+          <a:xfrm>
+            <a:off x="4934493" y="5630958"/>
+            <a:ext cx="1539240" cy="259301"/>
+          </a:xfrm>
+          <a:prstGeom prst="rect">
+            <a:avLst/>
+          </a:prstGeom>
+          <a:ln>
+            <a:noFill/>
+          </a:ln>
+        </p:spPr>
+        <p:style>
+          <a:lnRef idx="2">
+            <a:schemeClr val="dk1"/>
+          </a:lnRef>
+          <a:fillRef idx="1">
+            <a:schemeClr val="lt1"/>
+          </a:fillRef>
+          <a:effectRef idx="0">
+            <a:schemeClr val="dk1"/>
+          </a:effectRef>
+          <a:fontRef idx="minor">
+            <a:schemeClr val="dk1"/>
+          </a:fontRef>
+        </p:style>
+        <p:txBody>
+          <a:bodyPr rtlCol="0" anchor="ctr"/>
+          <a:lstStyle/>
+          <a:p>
+            <a:pPr algn="ctr"/>
+            <a:r>
+              <a:rPr lang="de-DE" sz="1100" dirty="0">
+                <a:latin typeface="Arial" panose="020B0604020202020204" pitchFamily="34" charset="0"/>
+                <a:cs typeface="Arial" panose="020B0604020202020204" pitchFamily="34" charset="0"/>
+              </a:rPr>
+              <a:t>Entwicklung</a:t>
+            </a:r>
+          </a:p>
+        </p:txBody>
+      </p:sp>
+      <p:sp>
+        <p:nvSpPr>
+          <p:cNvPr id="11" name="Rechteck 10">
+            <a:extLst>
+              <a:ext uri="{FF2B5EF4-FFF2-40B4-BE49-F238E27FC236}">
+                <a16:creationId xmlns:a16="http://schemas.microsoft.com/office/drawing/2014/main" id="{71285B52-43D3-48DA-ADED-C59B0E99AA3D}"/>
+              </a:ext>
+            </a:extLst>
+          </p:cNvPr>
+          <p:cNvSpPr/>
+          <p:nvPr/>
+        </p:nvSpPr>
+        <p:spPr>
+          <a:xfrm>
+            <a:off x="3730533" y="5315170"/>
+            <a:ext cx="1539240" cy="259301"/>
+          </a:xfrm>
+          <a:prstGeom prst="rect">
+            <a:avLst/>
+          </a:prstGeom>
+          <a:ln>
+            <a:noFill/>
+          </a:ln>
+        </p:spPr>
+        <p:style>
+          <a:lnRef idx="2">
+            <a:schemeClr val="dk1"/>
+          </a:lnRef>
+          <a:fillRef idx="1">
+            <a:schemeClr val="lt1"/>
+          </a:fillRef>
+          <a:effectRef idx="0">
+            <a:schemeClr val="dk1"/>
+          </a:effectRef>
+          <a:fontRef idx="minor">
+            <a:schemeClr val="dk1"/>
+          </a:fontRef>
+        </p:style>
+        <p:txBody>
+          <a:bodyPr rtlCol="0" anchor="ctr"/>
+          <a:lstStyle/>
+          <a:p>
+            <a:pPr algn="ctr"/>
+            <a:r>
+              <a:rPr lang="de-DE" sz="1100" dirty="0">
+                <a:latin typeface="Arial" panose="020B0604020202020204" pitchFamily="34" charset="0"/>
+                <a:cs typeface="Arial" panose="020B0604020202020204" pitchFamily="34" charset="0"/>
+              </a:rPr>
+              <a:t>Planung</a:t>
+            </a:r>
+          </a:p>
+        </p:txBody>
+      </p:sp>
+      <p:sp>
+        <p:nvSpPr>
+          <p:cNvPr id="12" name="Rechteck 11">
+            <a:extLst>
+              <a:ext uri="{FF2B5EF4-FFF2-40B4-BE49-F238E27FC236}">
+                <a16:creationId xmlns:a16="http://schemas.microsoft.com/office/drawing/2014/main" id="{065C2C2E-F897-4AF3-B10C-FF417409B763}"/>
+              </a:ext>
+            </a:extLst>
+          </p:cNvPr>
+          <p:cNvSpPr/>
+          <p:nvPr/>
+        </p:nvSpPr>
+        <p:spPr>
+          <a:xfrm>
+            <a:off x="3707673" y="3916347"/>
+            <a:ext cx="470535" cy="259301"/>
+          </a:xfrm>
+          <a:prstGeom prst="rect">
+            <a:avLst/>
+          </a:prstGeom>
+          <a:ln>
+            <a:noFill/>
+          </a:ln>
+        </p:spPr>
+        <p:style>
+          <a:lnRef idx="2">
+            <a:schemeClr val="dk1"/>
+          </a:lnRef>
+          <a:fillRef idx="1">
+            <a:schemeClr val="lt1"/>
+          </a:fillRef>
+          <a:effectRef idx="0">
+            <a:schemeClr val="dk1"/>
+          </a:effectRef>
+          <a:fontRef idx="minor">
+            <a:schemeClr val="dk1"/>
+          </a:fontRef>
+        </p:style>
+        <p:txBody>
+          <a:bodyPr rtlCol="0" anchor="ctr"/>
+          <a:lstStyle/>
+          <a:p>
+            <a:pPr algn="ctr"/>
+            <a:r>
+              <a:rPr lang="de-DE" sz="1100" dirty="0">
+                <a:latin typeface="Arial" panose="020B0604020202020204" pitchFamily="34" charset="0"/>
+                <a:cs typeface="Arial" panose="020B0604020202020204" pitchFamily="34" charset="0"/>
+              </a:rPr>
+              <a:t>Idee</a:t>
+            </a:r>
+          </a:p>
+        </p:txBody>
+      </p:sp>
+      <p:sp>
+        <p:nvSpPr>
+          <p:cNvPr id="13" name="Rechteck 12">
+            <a:extLst>
+              <a:ext uri="{FF2B5EF4-FFF2-40B4-BE49-F238E27FC236}">
+                <a16:creationId xmlns:a16="http://schemas.microsoft.com/office/drawing/2014/main" id="{770341B9-9667-4E40-902A-BD27F98E10F9}"/>
+              </a:ext>
+            </a:extLst>
+          </p:cNvPr>
+          <p:cNvSpPr/>
+          <p:nvPr/>
+        </p:nvSpPr>
+        <p:spPr>
+          <a:xfrm>
+            <a:off x="3627120" y="1441310"/>
+            <a:ext cx="1539240" cy="259301"/>
+          </a:xfrm>
+          <a:prstGeom prst="rect">
+            <a:avLst/>
+          </a:prstGeom>
+          <a:ln>
+            <a:noFill/>
+          </a:ln>
+        </p:spPr>
+        <p:style>
+          <a:lnRef idx="2">
+            <a:schemeClr val="dk1"/>
+          </a:lnRef>
+          <a:fillRef idx="1">
+            <a:schemeClr val="lt1"/>
+          </a:fillRef>
+          <a:effectRef idx="0">
+            <a:schemeClr val="dk1"/>
+          </a:effectRef>
+          <a:fontRef idx="minor">
+            <a:schemeClr val="dk1"/>
+          </a:fontRef>
+        </p:style>
+        <p:txBody>
+          <a:bodyPr rtlCol="0" anchor="ctr"/>
+          <a:lstStyle/>
+          <a:p>
+            <a:pPr algn="ctr"/>
+            <a:r>
+              <a:rPr lang="de-DE" sz="1100" dirty="0">
+                <a:latin typeface="Arial" panose="020B0604020202020204" pitchFamily="34" charset="0"/>
+                <a:cs typeface="Arial" panose="020B0604020202020204" pitchFamily="34" charset="0"/>
+              </a:rPr>
+              <a:t>Feedback</a:t>
+            </a:r>
+          </a:p>
+        </p:txBody>
+      </p:sp>
+      <p:sp>
+        <p:nvSpPr>
+          <p:cNvPr id="14" name="Rechteck 13">
+            <a:extLst>
+              <a:ext uri="{FF2B5EF4-FFF2-40B4-BE49-F238E27FC236}">
+                <a16:creationId xmlns:a16="http://schemas.microsoft.com/office/drawing/2014/main" id="{D7484103-6F82-456F-B0DD-AACCD1219BCA}"/>
+              </a:ext>
+            </a:extLst>
+          </p:cNvPr>
+          <p:cNvSpPr/>
+          <p:nvPr/>
+        </p:nvSpPr>
+        <p:spPr>
+          <a:xfrm>
+            <a:off x="6363188" y="3847711"/>
+            <a:ext cx="769132" cy="350854"/>
+          </a:xfrm>
+          <a:prstGeom prst="rect">
+            <a:avLst/>
+          </a:prstGeom>
+          <a:ln>
+            <a:noFill/>
+          </a:ln>
+        </p:spPr>
+        <p:style>
+          <a:lnRef idx="2">
+            <a:schemeClr val="dk1"/>
+          </a:lnRef>
+          <a:fillRef idx="1">
+            <a:schemeClr val="lt1"/>
+          </a:fillRef>
+          <a:effectRef idx="0">
+            <a:schemeClr val="dk1"/>
+          </a:effectRef>
+          <a:fontRef idx="minor">
+            <a:schemeClr val="dk1"/>
+          </a:fontRef>
+        </p:style>
+        <p:txBody>
+          <a:bodyPr rtlCol="0" anchor="ctr"/>
+          <a:lstStyle/>
+          <a:p>
+            <a:pPr algn="ctr"/>
+            <a:r>
+              <a:rPr lang="de-DE" sz="900" i="1" dirty="0">
+                <a:latin typeface="Arial" panose="020B0604020202020204" pitchFamily="34" charset="0"/>
+                <a:cs typeface="Arial" panose="020B0604020202020204" pitchFamily="34" charset="0"/>
+              </a:rPr>
+              <a:t>Continuous Integration</a:t>
+            </a:r>
+          </a:p>
+        </p:txBody>
+      </p:sp>
+      <p:sp>
+        <p:nvSpPr>
+          <p:cNvPr id="16" name="Rechteck 15">
+            <a:extLst>
+              <a:ext uri="{FF2B5EF4-FFF2-40B4-BE49-F238E27FC236}">
+                <a16:creationId xmlns:a16="http://schemas.microsoft.com/office/drawing/2014/main" id="{88F70C98-0C54-4133-9B02-9524E2911840}"/>
+              </a:ext>
+            </a:extLst>
+          </p:cNvPr>
+          <p:cNvSpPr/>
+          <p:nvPr/>
+        </p:nvSpPr>
+        <p:spPr>
+          <a:xfrm>
+            <a:off x="5704113" y="2182765"/>
+            <a:ext cx="769132" cy="350854"/>
+          </a:xfrm>
+          <a:prstGeom prst="rect">
+            <a:avLst/>
+          </a:prstGeom>
+          <a:ln>
+            <a:noFill/>
+          </a:ln>
+        </p:spPr>
+        <p:style>
+          <a:lnRef idx="2">
+            <a:schemeClr val="dk1"/>
+          </a:lnRef>
+          <a:fillRef idx="1">
+            <a:schemeClr val="lt1"/>
+          </a:fillRef>
+          <a:effectRef idx="0">
+            <a:schemeClr val="dk1"/>
+          </a:effectRef>
+          <a:fontRef idx="minor">
+            <a:schemeClr val="dk1"/>
+          </a:fontRef>
+        </p:style>
+        <p:txBody>
+          <a:bodyPr rtlCol="0" anchor="ctr"/>
+          <a:lstStyle/>
+          <a:p>
+            <a:pPr algn="ctr"/>
+            <a:r>
+              <a:rPr lang="de-DE" sz="900" i="1" dirty="0">
+                <a:latin typeface="Arial" panose="020B0604020202020204" pitchFamily="34" charset="0"/>
+                <a:cs typeface="Arial" panose="020B0604020202020204" pitchFamily="34" charset="0"/>
+              </a:rPr>
+              <a:t>Continuous Delivery</a:t>
+            </a:r>
+          </a:p>
+        </p:txBody>
+      </p:sp>
+      <p:sp>
+        <p:nvSpPr>
+          <p:cNvPr id="17" name="Rechteck 16">
+            <a:extLst>
+              <a:ext uri="{FF2B5EF4-FFF2-40B4-BE49-F238E27FC236}">
+                <a16:creationId xmlns:a16="http://schemas.microsoft.com/office/drawing/2014/main" id="{22E2706C-6A95-4C07-9001-5E2E9F67191B}"/>
+              </a:ext>
+            </a:extLst>
+          </p:cNvPr>
+          <p:cNvSpPr/>
+          <p:nvPr/>
+        </p:nvSpPr>
+        <p:spPr>
+          <a:xfrm>
+            <a:off x="4251960" y="2782150"/>
+            <a:ext cx="800100" cy="350854"/>
+          </a:xfrm>
+          <a:prstGeom prst="rect">
+            <a:avLst/>
+          </a:prstGeom>
+          <a:ln>
+            <a:noFill/>
+          </a:ln>
+        </p:spPr>
+        <p:style>
+          <a:lnRef idx="2">
+            <a:schemeClr val="dk1"/>
+          </a:lnRef>
+          <a:fillRef idx="1">
+            <a:schemeClr val="lt1"/>
+          </a:fillRef>
+          <a:effectRef idx="0">
+            <a:schemeClr val="dk1"/>
+          </a:effectRef>
+          <a:fontRef idx="minor">
+            <a:schemeClr val="dk1"/>
+          </a:fontRef>
+        </p:style>
+        <p:txBody>
+          <a:bodyPr rtlCol="0" anchor="ctr"/>
+          <a:lstStyle/>
+          <a:p>
+            <a:pPr algn="ctr"/>
+            <a:r>
+              <a:rPr lang="de-DE" sz="900" i="1" dirty="0">
+                <a:latin typeface="Arial" panose="020B0604020202020204" pitchFamily="34" charset="0"/>
+                <a:cs typeface="Arial" panose="020B0604020202020204" pitchFamily="34" charset="0"/>
+              </a:rPr>
+              <a:t>Continuous Involvement</a:t>
+            </a:r>
+          </a:p>
+        </p:txBody>
+      </p:sp>
+      <p:sp>
+        <p:nvSpPr>
+          <p:cNvPr id="18" name="Rechteck 17">
+            <a:extLst>
+              <a:ext uri="{FF2B5EF4-FFF2-40B4-BE49-F238E27FC236}">
+                <a16:creationId xmlns:a16="http://schemas.microsoft.com/office/drawing/2014/main" id="{91DF1F34-BD33-4EB7-9DDD-628462F2B25A}"/>
+              </a:ext>
+            </a:extLst>
+          </p:cNvPr>
+          <p:cNvSpPr/>
+          <p:nvPr/>
+        </p:nvSpPr>
+        <p:spPr>
+          <a:xfrm>
+            <a:off x="4983480" y="4324382"/>
+            <a:ext cx="883920" cy="350854"/>
+          </a:xfrm>
+          <a:prstGeom prst="rect">
+            <a:avLst/>
+          </a:prstGeom>
+          <a:ln>
+            <a:noFill/>
+          </a:ln>
+        </p:spPr>
+        <p:style>
+          <a:lnRef idx="2">
+            <a:schemeClr val="dk1"/>
+          </a:lnRef>
+          <a:fillRef idx="1">
+            <a:schemeClr val="lt1"/>
+          </a:fillRef>
+          <a:effectRef idx="0">
+            <a:schemeClr val="dk1"/>
+          </a:effectRef>
+          <a:fontRef idx="minor">
+            <a:schemeClr val="dk1"/>
+          </a:fontRef>
+        </p:style>
+        <p:txBody>
+          <a:bodyPr rtlCol="0" anchor="ctr"/>
+          <a:lstStyle/>
+          <a:p>
+            <a:pPr algn="ctr"/>
+            <a:r>
+              <a:rPr lang="de-DE" sz="900" i="1" dirty="0">
+                <a:latin typeface="Arial" panose="020B0604020202020204" pitchFamily="34" charset="0"/>
+                <a:cs typeface="Arial" panose="020B0604020202020204" pitchFamily="34" charset="0"/>
+              </a:rPr>
+              <a:t>Agile Development</a:t>
+            </a:r>
+          </a:p>
+        </p:txBody>
+      </p:sp>
+      <p:sp>
+        <p:nvSpPr>
+          <p:cNvPr id="19" name="Rechteck 18">
+            <a:extLst>
+              <a:ext uri="{FF2B5EF4-FFF2-40B4-BE49-F238E27FC236}">
+                <a16:creationId xmlns:a16="http://schemas.microsoft.com/office/drawing/2014/main" id="{6FAD4567-9600-4DBC-A9F1-0E914A5C7EF6}"/>
+              </a:ext>
+            </a:extLst>
+          </p:cNvPr>
+          <p:cNvSpPr/>
+          <p:nvPr/>
+        </p:nvSpPr>
+        <p:spPr>
+          <a:xfrm>
+            <a:off x="5140640" y="3065360"/>
+            <a:ext cx="1187906" cy="647472"/>
+          </a:xfrm>
+          <a:prstGeom prst="rect">
+            <a:avLst/>
+          </a:prstGeom>
+          <a:ln>
+            <a:noFill/>
+          </a:ln>
+        </p:spPr>
+        <p:style>
+          <a:lnRef idx="2">
+            <a:schemeClr val="dk1"/>
+          </a:lnRef>
+          <a:fillRef idx="1">
+            <a:schemeClr val="lt1"/>
+          </a:fillRef>
+          <a:effectRef idx="0">
+            <a:schemeClr val="dk1"/>
+          </a:effectRef>
+          <a:fontRef idx="minor">
+            <a:schemeClr val="dk1"/>
+          </a:fontRef>
+        </p:style>
+        <p:txBody>
+          <a:bodyPr rtlCol="0" anchor="ctr"/>
+          <a:lstStyle/>
+          <a:p>
+            <a:pPr algn="ctr"/>
+            <a:r>
+              <a:rPr lang="de-DE" b="1" dirty="0">
+                <a:latin typeface="Arial" panose="020B0604020202020204" pitchFamily="34" charset="0"/>
+                <a:cs typeface="Arial" panose="020B0604020202020204" pitchFamily="34" charset="0"/>
+              </a:rPr>
+              <a:t>DevOps</a:t>
+            </a:r>
+          </a:p>
+          <a:p>
+            <a:pPr algn="ctr"/>
+            <a:r>
+              <a:rPr lang="de-DE" b="1" dirty="0">
+                <a:latin typeface="Arial" panose="020B0604020202020204" pitchFamily="34" charset="0"/>
+                <a:cs typeface="Arial" panose="020B0604020202020204" pitchFamily="34" charset="0"/>
+              </a:rPr>
+              <a:t>Prozesse</a:t>
+            </a:r>
+          </a:p>
+        </p:txBody>
+      </p:sp>
+    </p:spTree>
+    <p:extLst>
+      <p:ext uri="{BB962C8B-B14F-4D97-AF65-F5344CB8AC3E}">
+        <p14:creationId xmlns:p14="http://schemas.microsoft.com/office/powerpoint/2010/main" val="227692934"/>
+      </p:ext>
+    </p:extLst>
+  </p:cSld>
+  <p:clrMapOvr>
+    <a:masterClrMapping/>
+  </p:clrMapOvr>
+</p:sld>
+</file>
+
+<file path=ppt/slides/slide5.xml><?xml version="1.0" encoding="utf-8"?>
+<p:sld xmlns:a="http://schemas.openxmlformats.org/drawingml/2006/main" xmlns:r="http://schemas.openxmlformats.org/officeDocument/2006/relationships" xmlns:p="http://schemas.openxmlformats.org/presentationml/2006/main">
+  <p:cSld>
+    <p:spTree>
+      <p:nvGrpSpPr>
+        <p:cNvPr id="1" name=""/>
+        <p:cNvGrpSpPr/>
+        <p:nvPr/>
+      </p:nvGrpSpPr>
+      <p:grpSpPr>
+        <a:xfrm>
+          <a:off x="0" y="0"/>
+          <a:ext cx="0" cy="0"/>
+          <a:chOff x="0" y="0"/>
+          <a:chExt cx="0" cy="0"/>
+        </a:xfrm>
+      </p:grpSpPr>
+      <p:cxnSp>
+        <p:nvCxnSpPr>
+          <p:cNvPr id="30" name="Gerade Verbindung mit Pfeil 29">
+            <a:extLst>
+              <a:ext uri="{FF2B5EF4-FFF2-40B4-BE49-F238E27FC236}">
+                <a16:creationId xmlns:a16="http://schemas.microsoft.com/office/drawing/2014/main" id="{2F196798-298A-429D-AA64-82205243CBF2}"/>
+              </a:ext>
+            </a:extLst>
+          </p:cNvPr>
+          <p:cNvCxnSpPr>
+            <a:cxnSpLocks/>
+          </p:cNvCxnSpPr>
+          <p:nvPr/>
+        </p:nvCxnSpPr>
+        <p:spPr>
+          <a:xfrm>
+            <a:off x="779109" y="750121"/>
+            <a:ext cx="9059249" cy="0"/>
+          </a:xfrm>
+          <a:prstGeom prst="straightConnector1">
+            <a:avLst/>
+          </a:prstGeom>
+          <a:ln w="28575" cap="flat" cmpd="sng" algn="ctr">
+            <a:solidFill>
+              <a:schemeClr val="dk1"/>
+            </a:solidFill>
+            <a:prstDash val="solid"/>
+            <a:round/>
+            <a:headEnd type="arrow" w="med" len="med"/>
+            <a:tailEnd type="arrow" w="med" len="med"/>
+          </a:ln>
+        </p:spPr>
+        <p:style>
+          <a:lnRef idx="0">
+            <a:scrgbClr r="0" g="0" b="0"/>
+          </a:lnRef>
+          <a:fillRef idx="0">
+            <a:scrgbClr r="0" g="0" b="0"/>
+          </a:fillRef>
+          <a:effectRef idx="0">
+            <a:scrgbClr r="0" g="0" b="0"/>
+          </a:effectRef>
+          <a:fontRef idx="minor">
+            <a:schemeClr val="tx1"/>
+          </a:fontRef>
+        </p:style>
+      </p:cxnSp>
+      <p:sp>
+        <p:nvSpPr>
+          <p:cNvPr id="8" name="Pfeil: 180-Grad 7">
+            <a:extLst>
+              <a:ext uri="{FF2B5EF4-FFF2-40B4-BE49-F238E27FC236}">
+                <a16:creationId xmlns:a16="http://schemas.microsoft.com/office/drawing/2014/main" id="{026CC430-3DC1-47EC-99A7-54392EB15574}"/>
+              </a:ext>
+            </a:extLst>
+          </p:cNvPr>
+          <p:cNvSpPr/>
+          <p:nvPr/>
+        </p:nvSpPr>
+        <p:spPr>
+          <a:xfrm rot="10800000">
+            <a:off x="2350136" y="3494036"/>
+            <a:ext cx="1584826" cy="163289"/>
+          </a:xfrm>
+          <a:prstGeom prst="uturnArrow">
+            <a:avLst>
+              <a:gd name="adj1" fmla="val 12097"/>
+              <a:gd name="adj2" fmla="val 25000"/>
+              <a:gd name="adj3" fmla="val 25000"/>
+              <a:gd name="adj4" fmla="val 8266"/>
+              <a:gd name="adj5" fmla="val 100000"/>
+            </a:avLst>
+          </a:prstGeom>
+          <a:solidFill>
+            <a:srgbClr val="00B050"/>
+          </a:solidFill>
+          <a:ln>
+            <a:solidFill>
+              <a:srgbClr val="00B050"/>
+            </a:solidFill>
+          </a:ln>
+        </p:spPr>
+        <p:style>
+          <a:lnRef idx="2">
+            <a:schemeClr val="accent1">
+              <a:shade val="50000"/>
+            </a:schemeClr>
+          </a:lnRef>
+          <a:fillRef idx="1">
+            <a:schemeClr val="accent1"/>
+          </a:fillRef>
+          <a:effectRef idx="0">
+            <a:schemeClr val="accent1"/>
+          </a:effectRef>
+          <a:fontRef idx="minor">
+            <a:schemeClr val="lt1"/>
+          </a:fontRef>
+        </p:style>
+        <p:txBody>
+          <a:bodyPr rtlCol="0" anchor="ctr"/>
+          <a:lstStyle/>
+          <a:p>
+            <a:pPr algn="ctr"/>
+            <a:endParaRPr lang="de-DE">
+              <a:solidFill>
+                <a:schemeClr val="tx1"/>
+              </a:solidFill>
+            </a:endParaRPr>
+          </a:p>
+        </p:txBody>
+      </p:sp>
+      <p:sp>
+        <p:nvSpPr>
+          <p:cNvPr id="11" name="Eckige Klammer links 10">
+            <a:extLst>
+              <a:ext uri="{FF2B5EF4-FFF2-40B4-BE49-F238E27FC236}">
+                <a16:creationId xmlns:a16="http://schemas.microsoft.com/office/drawing/2014/main" id="{58233F69-F373-4A5D-BD00-B3A471E45552}"/>
+              </a:ext>
+            </a:extLst>
+          </p:cNvPr>
+          <p:cNvSpPr/>
+          <p:nvPr/>
+        </p:nvSpPr>
+        <p:spPr>
+          <a:xfrm rot="16200000">
+            <a:off x="2930783" y="1692457"/>
+            <a:ext cx="470659" cy="4229099"/>
+          </a:xfrm>
+          <a:prstGeom prst="leftBracket">
+            <a:avLst>
+              <a:gd name="adj" fmla="val 145900"/>
+            </a:avLst>
+          </a:prstGeom>
+          <a:ln>
+            <a:solidFill>
+              <a:srgbClr val="0070C0"/>
+            </a:solidFill>
+          </a:ln>
+        </p:spPr>
+        <p:style>
+          <a:lnRef idx="3">
+            <a:schemeClr val="dk1"/>
+          </a:lnRef>
+          <a:fillRef idx="0">
+            <a:schemeClr val="dk1"/>
+          </a:fillRef>
+          <a:effectRef idx="2">
+            <a:schemeClr val="dk1"/>
+          </a:effectRef>
+          <a:fontRef idx="minor">
+            <a:schemeClr val="tx1"/>
+          </a:fontRef>
+        </p:style>
+        <p:txBody>
+          <a:bodyPr rtlCol="0" anchor="ctr"/>
+          <a:lstStyle/>
+          <a:p>
+            <a:pPr algn="ctr"/>
+            <a:endParaRPr lang="de-DE"/>
+          </a:p>
+        </p:txBody>
+      </p:sp>
+      <p:sp>
+        <p:nvSpPr>
+          <p:cNvPr id="12" name="Eckige Klammer links 11">
+            <a:extLst>
+              <a:ext uri="{FF2B5EF4-FFF2-40B4-BE49-F238E27FC236}">
+                <a16:creationId xmlns:a16="http://schemas.microsoft.com/office/drawing/2014/main" id="{959E69C5-A088-4BB4-B9BD-4090324F2523}"/>
+              </a:ext>
+            </a:extLst>
+          </p:cNvPr>
+          <p:cNvSpPr/>
+          <p:nvPr/>
+        </p:nvSpPr>
+        <p:spPr>
+          <a:xfrm rot="16200000">
+            <a:off x="4190677" y="340501"/>
+            <a:ext cx="914424" cy="7376782"/>
+          </a:xfrm>
+          <a:prstGeom prst="leftBracket">
+            <a:avLst>
+              <a:gd name="adj" fmla="val 101258"/>
+            </a:avLst>
+          </a:prstGeom>
+          <a:ln>
+            <a:solidFill>
+              <a:srgbClr val="0070C0"/>
+            </a:solidFill>
+          </a:ln>
+        </p:spPr>
+        <p:style>
+          <a:lnRef idx="3">
+            <a:schemeClr val="dk1"/>
+          </a:lnRef>
+          <a:fillRef idx="0">
+            <a:schemeClr val="dk1"/>
+          </a:fillRef>
+          <a:effectRef idx="2">
+            <a:schemeClr val="dk1"/>
+          </a:effectRef>
+          <a:fontRef idx="minor">
+            <a:schemeClr val="tx1"/>
+          </a:fontRef>
+        </p:style>
+        <p:txBody>
+          <a:bodyPr rtlCol="0" anchor="ctr"/>
+          <a:lstStyle/>
+          <a:p>
+            <a:pPr algn="ctr"/>
+            <a:endParaRPr lang="de-DE" dirty="0"/>
+          </a:p>
+        </p:txBody>
+      </p:sp>
+      <p:sp>
+        <p:nvSpPr>
+          <p:cNvPr id="13" name="Eckige Klammer links 12">
+            <a:extLst>
+              <a:ext uri="{FF2B5EF4-FFF2-40B4-BE49-F238E27FC236}">
+                <a16:creationId xmlns:a16="http://schemas.microsoft.com/office/drawing/2014/main" id="{9694F422-C3F9-4B8A-BD9A-42071FF06592}"/>
+              </a:ext>
+            </a:extLst>
+          </p:cNvPr>
+          <p:cNvSpPr/>
+          <p:nvPr/>
+        </p:nvSpPr>
+        <p:spPr>
+          <a:xfrm rot="16200000" flipH="1">
+            <a:off x="4776055" y="-2194969"/>
+            <a:ext cx="1023834" cy="8656944"/>
+          </a:xfrm>
+          <a:prstGeom prst="leftBracket">
+            <a:avLst>
+              <a:gd name="adj" fmla="val 82462"/>
+            </a:avLst>
+          </a:prstGeom>
+          <a:ln>
+            <a:solidFill>
+              <a:schemeClr val="tx1"/>
+            </a:solidFill>
+          </a:ln>
+        </p:spPr>
+        <p:style>
+          <a:lnRef idx="3">
+            <a:schemeClr val="dk1"/>
+          </a:lnRef>
+          <a:fillRef idx="0">
+            <a:schemeClr val="dk1"/>
+          </a:fillRef>
+          <a:effectRef idx="2">
+            <a:schemeClr val="dk1"/>
+          </a:effectRef>
+          <a:fontRef idx="minor">
+            <a:schemeClr val="tx1"/>
+          </a:fontRef>
+        </p:style>
+        <p:txBody>
+          <a:bodyPr rtlCol="0" anchor="ctr"/>
+          <a:lstStyle/>
+          <a:p>
+            <a:pPr algn="ctr"/>
+            <a:endParaRPr lang="de-DE"/>
+          </a:p>
+        </p:txBody>
+      </p:sp>
+      <p:sp>
+        <p:nvSpPr>
+          <p:cNvPr id="15" name="Pfeil: 180-Grad 14">
+            <a:extLst>
+              <a:ext uri="{FF2B5EF4-FFF2-40B4-BE49-F238E27FC236}">
+                <a16:creationId xmlns:a16="http://schemas.microsoft.com/office/drawing/2014/main" id="{8448A2F0-0AA2-40DD-9A10-13E109E98BAC}"/>
+              </a:ext>
+            </a:extLst>
+          </p:cNvPr>
+          <p:cNvSpPr/>
+          <p:nvPr/>
+        </p:nvSpPr>
+        <p:spPr>
+          <a:xfrm rot="10800000">
+            <a:off x="6708536" y="3555906"/>
+            <a:ext cx="1490583" cy="170108"/>
+          </a:xfrm>
+          <a:prstGeom prst="uturnArrow">
+            <a:avLst>
+              <a:gd name="adj1" fmla="val 12097"/>
+              <a:gd name="adj2" fmla="val 25000"/>
+              <a:gd name="adj3" fmla="val 25000"/>
+              <a:gd name="adj4" fmla="val 8266"/>
+              <a:gd name="adj5" fmla="val 100000"/>
+            </a:avLst>
+          </a:prstGeom>
+          <a:solidFill>
+            <a:srgbClr val="00B050"/>
+          </a:solidFill>
+          <a:ln>
+            <a:solidFill>
+              <a:srgbClr val="00B050"/>
+            </a:solidFill>
+          </a:ln>
+        </p:spPr>
+        <p:style>
+          <a:lnRef idx="2">
+            <a:schemeClr val="accent1">
+              <a:shade val="50000"/>
+            </a:schemeClr>
+          </a:lnRef>
+          <a:fillRef idx="1">
+            <a:schemeClr val="accent1"/>
+          </a:fillRef>
+          <a:effectRef idx="0">
+            <a:schemeClr val="accent1"/>
+          </a:effectRef>
+          <a:fontRef idx="minor">
+            <a:schemeClr val="lt1"/>
+          </a:fontRef>
+        </p:style>
+        <p:txBody>
+          <a:bodyPr rtlCol="0" anchor="ctr"/>
+          <a:lstStyle/>
+          <a:p>
+            <a:pPr algn="ctr"/>
+            <a:endParaRPr lang="de-DE">
+              <a:solidFill>
+                <a:schemeClr val="tx1"/>
+              </a:solidFill>
+            </a:endParaRPr>
+          </a:p>
+        </p:txBody>
+      </p:sp>
+      <p:sp>
+        <p:nvSpPr>
+          <p:cNvPr id="16" name="Pfeil: 180-Grad 15">
+            <a:extLst>
+              <a:ext uri="{FF2B5EF4-FFF2-40B4-BE49-F238E27FC236}">
+                <a16:creationId xmlns:a16="http://schemas.microsoft.com/office/drawing/2014/main" id="{F6D6F1A3-F0DC-467D-9455-DF5027789CDB}"/>
+              </a:ext>
+            </a:extLst>
+          </p:cNvPr>
+          <p:cNvSpPr/>
+          <p:nvPr/>
+        </p:nvSpPr>
+        <p:spPr>
+          <a:xfrm>
+            <a:off x="6708536" y="2430469"/>
+            <a:ext cx="1559164" cy="214543"/>
+          </a:xfrm>
+          <a:prstGeom prst="uturnArrow">
+            <a:avLst>
+              <a:gd name="adj1" fmla="val 12097"/>
+              <a:gd name="adj2" fmla="val 25000"/>
+              <a:gd name="adj3" fmla="val 25000"/>
+              <a:gd name="adj4" fmla="val 8266"/>
+              <a:gd name="adj5" fmla="val 100000"/>
+            </a:avLst>
+          </a:prstGeom>
+          <a:solidFill>
+            <a:srgbClr val="00B050"/>
+          </a:solidFill>
+          <a:ln>
+            <a:solidFill>
+              <a:srgbClr val="00B050"/>
+            </a:solidFill>
+          </a:ln>
+        </p:spPr>
+        <p:style>
+          <a:lnRef idx="2">
+            <a:schemeClr val="accent1">
+              <a:shade val="50000"/>
+            </a:schemeClr>
+          </a:lnRef>
+          <a:fillRef idx="1">
+            <a:schemeClr val="accent1"/>
+          </a:fillRef>
+          <a:effectRef idx="0">
+            <a:schemeClr val="accent1"/>
+          </a:effectRef>
+          <a:fontRef idx="minor">
+            <a:schemeClr val="lt1"/>
+          </a:fontRef>
+        </p:style>
+        <p:txBody>
+          <a:bodyPr rtlCol="0" anchor="ctr"/>
+          <a:lstStyle/>
+          <a:p>
+            <a:pPr algn="ctr"/>
+            <a:endParaRPr lang="de-DE">
+              <a:solidFill>
+                <a:schemeClr val="tx1"/>
+              </a:solidFill>
+            </a:endParaRPr>
+          </a:p>
+        </p:txBody>
+      </p:sp>
+      <p:sp>
+        <p:nvSpPr>
+          <p:cNvPr id="17" name="Pfeil: 180-Grad 16">
+            <a:extLst>
+              <a:ext uri="{FF2B5EF4-FFF2-40B4-BE49-F238E27FC236}">
+                <a16:creationId xmlns:a16="http://schemas.microsoft.com/office/drawing/2014/main" id="{B729F007-B142-4C3F-B012-74840B952C50}"/>
+              </a:ext>
+            </a:extLst>
+          </p:cNvPr>
+          <p:cNvSpPr/>
+          <p:nvPr/>
+        </p:nvSpPr>
+        <p:spPr>
+          <a:xfrm>
+            <a:off x="2350135" y="2467861"/>
+            <a:ext cx="1584828" cy="189426"/>
+          </a:xfrm>
+          <a:prstGeom prst="uturnArrow">
+            <a:avLst>
+              <a:gd name="adj1" fmla="val 12097"/>
+              <a:gd name="adj2" fmla="val 25000"/>
+              <a:gd name="adj3" fmla="val 25000"/>
+              <a:gd name="adj4" fmla="val 8266"/>
+              <a:gd name="adj5" fmla="val 100000"/>
+            </a:avLst>
+          </a:prstGeom>
+          <a:solidFill>
+            <a:srgbClr val="00B050"/>
+          </a:solidFill>
+          <a:ln>
+            <a:solidFill>
+              <a:srgbClr val="00B050"/>
+            </a:solidFill>
+          </a:ln>
+        </p:spPr>
+        <p:style>
+          <a:lnRef idx="2">
+            <a:schemeClr val="accent1">
+              <a:shade val="50000"/>
+            </a:schemeClr>
+          </a:lnRef>
+          <a:fillRef idx="1">
+            <a:schemeClr val="accent1"/>
+          </a:fillRef>
+          <a:effectRef idx="0">
+            <a:schemeClr val="accent1"/>
+          </a:effectRef>
+          <a:fontRef idx="minor">
+            <a:schemeClr val="lt1"/>
+          </a:fontRef>
+        </p:style>
+        <p:txBody>
+          <a:bodyPr rtlCol="0" anchor="ctr"/>
+          <a:lstStyle/>
+          <a:p>
+            <a:pPr algn="ctr"/>
+            <a:endParaRPr lang="de-DE">
+              <a:solidFill>
+                <a:schemeClr val="tx1"/>
+              </a:solidFill>
+            </a:endParaRPr>
+          </a:p>
+        </p:txBody>
+      </p:sp>
+      <p:sp>
+        <p:nvSpPr>
+          <p:cNvPr id="18" name="Textfeld 17">
+            <a:extLst>
+              <a:ext uri="{FF2B5EF4-FFF2-40B4-BE49-F238E27FC236}">
+                <a16:creationId xmlns:a16="http://schemas.microsoft.com/office/drawing/2014/main" id="{545EE13F-8C58-407B-B706-CED1A72CAB70}"/>
+              </a:ext>
+            </a:extLst>
+          </p:cNvPr>
+          <p:cNvSpPr txBox="1"/>
+          <p:nvPr/>
+        </p:nvSpPr>
+        <p:spPr>
+          <a:xfrm>
+            <a:off x="1976069" y="3723500"/>
+            <a:ext cx="2577969" cy="307777"/>
+          </a:xfrm>
+          <a:prstGeom prst="rect">
+            <a:avLst/>
+          </a:prstGeom>
+          <a:noFill/>
+        </p:spPr>
+        <p:txBody>
+          <a:bodyPr wrap="square" rtlCol="0">
+            <a:spAutoFit/>
+          </a:bodyPr>
+          <a:lstStyle/>
+          <a:p>
+            <a:r>
+              <a:rPr lang="de-DE" sz="1400" i="1" dirty="0">
+                <a:solidFill>
+                  <a:srgbClr val="0070C0"/>
+                </a:solidFill>
+                <a:latin typeface="Arial" panose="020B0604020202020204" pitchFamily="34" charset="0"/>
+                <a:cs typeface="Arial" panose="020B0604020202020204" pitchFamily="34" charset="0"/>
+              </a:rPr>
+              <a:t>Continuous Integration</a:t>
+            </a:r>
+          </a:p>
+        </p:txBody>
+      </p:sp>
+      <p:sp>
+        <p:nvSpPr>
+          <p:cNvPr id="19" name="Textfeld 18">
+            <a:extLst>
+              <a:ext uri="{FF2B5EF4-FFF2-40B4-BE49-F238E27FC236}">
+                <a16:creationId xmlns:a16="http://schemas.microsoft.com/office/drawing/2014/main" id="{04AB0916-164A-4FDF-A22E-76BA5632CCE5}"/>
+              </a:ext>
+            </a:extLst>
+          </p:cNvPr>
+          <p:cNvSpPr txBox="1"/>
+          <p:nvPr/>
+        </p:nvSpPr>
+        <p:spPr>
+          <a:xfrm>
+            <a:off x="3896482" y="4172059"/>
+            <a:ext cx="2577969" cy="307777"/>
+          </a:xfrm>
+          <a:prstGeom prst="rect">
+            <a:avLst/>
+          </a:prstGeom>
+          <a:noFill/>
+        </p:spPr>
+        <p:txBody>
+          <a:bodyPr wrap="square" rtlCol="0">
+            <a:spAutoFit/>
+          </a:bodyPr>
+          <a:lstStyle/>
+          <a:p>
+            <a:r>
+              <a:rPr lang="de-DE" sz="1400" i="1" dirty="0">
+                <a:solidFill>
+                  <a:srgbClr val="0070C0"/>
+                </a:solidFill>
+                <a:latin typeface="Arial" panose="020B0604020202020204" pitchFamily="34" charset="0"/>
+                <a:cs typeface="Arial" panose="020B0604020202020204" pitchFamily="34" charset="0"/>
+              </a:rPr>
+              <a:t>Continuous Delivery</a:t>
+            </a:r>
+          </a:p>
+        </p:txBody>
+      </p:sp>
+      <p:sp>
+        <p:nvSpPr>
+          <p:cNvPr id="20" name="Textfeld 19">
+            <a:extLst>
+              <a:ext uri="{FF2B5EF4-FFF2-40B4-BE49-F238E27FC236}">
+                <a16:creationId xmlns:a16="http://schemas.microsoft.com/office/drawing/2014/main" id="{89D1FEF7-7E52-4D07-BF49-EBA053361238}"/>
+              </a:ext>
+            </a:extLst>
+          </p:cNvPr>
+          <p:cNvSpPr txBox="1"/>
+          <p:nvPr/>
+        </p:nvSpPr>
+        <p:spPr>
+          <a:xfrm>
+            <a:off x="4183431" y="1590778"/>
+            <a:ext cx="2160044" cy="307777"/>
+          </a:xfrm>
+          <a:prstGeom prst="rect">
+            <a:avLst/>
+          </a:prstGeom>
+          <a:noFill/>
+        </p:spPr>
+        <p:txBody>
+          <a:bodyPr wrap="square" rtlCol="0">
+            <a:spAutoFit/>
+          </a:bodyPr>
+          <a:lstStyle/>
+          <a:p>
+            <a:r>
+              <a:rPr lang="de-DE" sz="1400" i="1" dirty="0">
+                <a:latin typeface="Arial" panose="020B0604020202020204" pitchFamily="34" charset="0"/>
+                <a:cs typeface="Arial" panose="020B0604020202020204" pitchFamily="34" charset="0"/>
+              </a:rPr>
+              <a:t>Continuous Deployment</a:t>
+            </a:r>
+          </a:p>
+        </p:txBody>
+      </p:sp>
+      <p:sp>
+        <p:nvSpPr>
+          <p:cNvPr id="21" name="Eckige Klammer links 20">
+            <a:extLst>
+              <a:ext uri="{FF2B5EF4-FFF2-40B4-BE49-F238E27FC236}">
+                <a16:creationId xmlns:a16="http://schemas.microsoft.com/office/drawing/2014/main" id="{E77C3A47-C272-4FEF-B4D9-817B346B7DCC}"/>
+              </a:ext>
+            </a:extLst>
+          </p:cNvPr>
+          <p:cNvSpPr/>
+          <p:nvPr/>
+        </p:nvSpPr>
+        <p:spPr>
+          <a:xfrm rot="16200000" flipH="1">
+            <a:off x="2507289" y="615070"/>
+            <a:ext cx="648248" cy="3445249"/>
+          </a:xfrm>
+          <a:prstGeom prst="leftBracket">
+            <a:avLst>
+              <a:gd name="adj" fmla="val 107430"/>
+            </a:avLst>
+          </a:prstGeom>
+          <a:ln>
+            <a:solidFill>
+              <a:schemeClr val="tx1"/>
+            </a:solidFill>
+          </a:ln>
+        </p:spPr>
+        <p:style>
+          <a:lnRef idx="3">
+            <a:schemeClr val="dk1"/>
+          </a:lnRef>
+          <a:fillRef idx="0">
+            <a:schemeClr val="dk1"/>
+          </a:fillRef>
+          <a:effectRef idx="2">
+            <a:schemeClr val="dk1"/>
+          </a:effectRef>
+          <a:fontRef idx="minor">
+            <a:schemeClr val="tx1"/>
+          </a:fontRef>
+        </p:style>
+        <p:txBody>
+          <a:bodyPr rtlCol="0" anchor="ctr"/>
+          <a:lstStyle/>
+          <a:p>
+            <a:pPr algn="ctr"/>
+            <a:endParaRPr lang="de-DE"/>
+          </a:p>
+        </p:txBody>
+      </p:sp>
+      <p:sp>
+        <p:nvSpPr>
+          <p:cNvPr id="22" name="Textfeld 21">
+            <a:extLst>
+              <a:ext uri="{FF2B5EF4-FFF2-40B4-BE49-F238E27FC236}">
+                <a16:creationId xmlns:a16="http://schemas.microsoft.com/office/drawing/2014/main" id="{93701D0F-CF00-4579-8917-A139C1E349E5}"/>
+              </a:ext>
+            </a:extLst>
+          </p:cNvPr>
+          <p:cNvSpPr txBox="1"/>
+          <p:nvPr/>
+        </p:nvSpPr>
+        <p:spPr>
+          <a:xfrm>
+            <a:off x="1933844" y="2001365"/>
+            <a:ext cx="1703420" cy="307777"/>
+          </a:xfrm>
+          <a:prstGeom prst="rect">
+            <a:avLst/>
+          </a:prstGeom>
+          <a:noFill/>
+        </p:spPr>
+        <p:txBody>
+          <a:bodyPr wrap="square" rtlCol="0">
+            <a:spAutoFit/>
+          </a:bodyPr>
+          <a:lstStyle/>
+          <a:p>
+            <a:r>
+              <a:rPr lang="de-DE" sz="1400" i="1" dirty="0">
+                <a:latin typeface="Arial" panose="020B0604020202020204" pitchFamily="34" charset="0"/>
+                <a:cs typeface="Arial" panose="020B0604020202020204" pitchFamily="34" charset="0"/>
+              </a:rPr>
+              <a:t>Agile Entwicklung</a:t>
+            </a:r>
+          </a:p>
+        </p:txBody>
+      </p:sp>
+      <p:sp>
+        <p:nvSpPr>
+          <p:cNvPr id="24" name="Textfeld 23">
+            <a:extLst>
+              <a:ext uri="{FF2B5EF4-FFF2-40B4-BE49-F238E27FC236}">
+                <a16:creationId xmlns:a16="http://schemas.microsoft.com/office/drawing/2014/main" id="{5FDD07B7-5126-4EA1-ABFF-682E1CF23670}"/>
+              </a:ext>
+            </a:extLst>
+          </p:cNvPr>
+          <p:cNvSpPr txBox="1"/>
+          <p:nvPr/>
+        </p:nvSpPr>
+        <p:spPr>
+          <a:xfrm>
+            <a:off x="2156900" y="5412363"/>
+            <a:ext cx="6120325" cy="307777"/>
+          </a:xfrm>
+          <a:prstGeom prst="rect">
+            <a:avLst/>
+          </a:prstGeom>
+          <a:noFill/>
+          <a:ln>
+            <a:noFill/>
+          </a:ln>
+        </p:spPr>
+        <p:txBody>
+          <a:bodyPr wrap="square" rtlCol="0">
+            <a:spAutoFit/>
+          </a:bodyPr>
+          <a:lstStyle/>
+          <a:p>
+            <a:pPr algn="ctr"/>
+            <a:r>
+              <a:rPr lang="de-DE" sz="1400" i="1" dirty="0">
+                <a:solidFill>
+                  <a:schemeClr val="bg1">
+                    <a:lumMod val="50000"/>
+                  </a:schemeClr>
+                </a:solidFill>
+                <a:latin typeface="Arial" panose="020B0604020202020204" pitchFamily="34" charset="0"/>
+                <a:cs typeface="Arial" panose="020B0604020202020204" pitchFamily="34" charset="0"/>
+              </a:rPr>
+              <a:t>Continuous Monitoring</a:t>
+            </a:r>
+            <a:endParaRPr lang="de-DE" sz="1100" i="1" dirty="0">
+              <a:solidFill>
+                <a:schemeClr val="bg1">
+                  <a:lumMod val="50000"/>
+                </a:schemeClr>
+              </a:solidFill>
+              <a:latin typeface="Arial" panose="020B0604020202020204" pitchFamily="34" charset="0"/>
+              <a:cs typeface="Arial" panose="020B0604020202020204" pitchFamily="34" charset="0"/>
+            </a:endParaRPr>
+          </a:p>
+        </p:txBody>
+      </p:sp>
+      <p:sp>
+        <p:nvSpPr>
+          <p:cNvPr id="25" name="Pfeil: 180-Grad 24">
+            <a:extLst>
+              <a:ext uri="{FF2B5EF4-FFF2-40B4-BE49-F238E27FC236}">
+                <a16:creationId xmlns:a16="http://schemas.microsoft.com/office/drawing/2014/main" id="{0E57BA61-9221-4CCB-AB16-FD216603A790}"/>
+              </a:ext>
+            </a:extLst>
+          </p:cNvPr>
+          <p:cNvSpPr/>
+          <p:nvPr/>
+        </p:nvSpPr>
+        <p:spPr>
+          <a:xfrm flipH="1">
+            <a:off x="779109" y="1387114"/>
+            <a:ext cx="9059249" cy="1257899"/>
+          </a:xfrm>
+          <a:prstGeom prst="uturnArrow">
+            <a:avLst>
+              <a:gd name="adj1" fmla="val 262"/>
+              <a:gd name="adj2" fmla="val 4296"/>
+              <a:gd name="adj3" fmla="val 8708"/>
+              <a:gd name="adj4" fmla="val 23807"/>
+              <a:gd name="adj5" fmla="val 96588"/>
+            </a:avLst>
+          </a:prstGeom>
+          <a:ln>
+            <a:prstDash val="dashDot"/>
+          </a:ln>
+        </p:spPr>
+        <p:style>
+          <a:lnRef idx="2">
+            <a:schemeClr val="dk1">
+              <a:shade val="50000"/>
+            </a:schemeClr>
+          </a:lnRef>
+          <a:fillRef idx="1">
+            <a:schemeClr val="dk1"/>
+          </a:fillRef>
+          <a:effectRef idx="0">
+            <a:schemeClr val="dk1"/>
+          </a:effectRef>
+          <a:fontRef idx="minor">
+            <a:schemeClr val="lt1"/>
+          </a:fontRef>
+        </p:style>
+        <p:txBody>
+          <a:bodyPr rtlCol="0" anchor="ctr"/>
+          <a:lstStyle/>
+          <a:p>
+            <a:pPr algn="ctr"/>
+            <a:endParaRPr lang="de-DE" dirty="0">
+              <a:solidFill>
+                <a:schemeClr val="tx1"/>
+              </a:solidFill>
+            </a:endParaRPr>
+          </a:p>
+        </p:txBody>
+      </p:sp>
+      <p:sp>
+        <p:nvSpPr>
+          <p:cNvPr id="27" name="Geschweifte Klammer rechts 26">
+            <a:extLst>
+              <a:ext uri="{FF2B5EF4-FFF2-40B4-BE49-F238E27FC236}">
+                <a16:creationId xmlns:a16="http://schemas.microsoft.com/office/drawing/2014/main" id="{C2EC47F7-4F0B-440D-91D4-D4AB6C052AC0}"/>
+              </a:ext>
+            </a:extLst>
+          </p:cNvPr>
+          <p:cNvSpPr/>
+          <p:nvPr/>
+        </p:nvSpPr>
+        <p:spPr>
+          <a:xfrm rot="5400000">
+            <a:off x="5080791" y="605374"/>
+            <a:ext cx="530528" cy="8984607"/>
+          </a:xfrm>
+          <a:prstGeom prst="rightBrace">
+            <a:avLst>
+              <a:gd name="adj1" fmla="val 103257"/>
+              <a:gd name="adj2" fmla="val 50000"/>
+            </a:avLst>
+          </a:prstGeom>
+          <a:ln>
+            <a:solidFill>
+              <a:schemeClr val="bg1">
+                <a:lumMod val="50000"/>
+              </a:schemeClr>
+            </a:solidFill>
+          </a:ln>
+        </p:spPr>
+        <p:style>
+          <a:lnRef idx="1">
+            <a:schemeClr val="accent1"/>
+          </a:lnRef>
+          <a:fillRef idx="0">
+            <a:schemeClr val="accent1"/>
+          </a:fillRef>
+          <a:effectRef idx="0">
+            <a:schemeClr val="accent1"/>
+          </a:effectRef>
+          <a:fontRef idx="minor">
+            <a:schemeClr val="tx1"/>
+          </a:fontRef>
+        </p:style>
+        <p:txBody>
+          <a:bodyPr rtlCol="0" anchor="ctr"/>
+          <a:lstStyle/>
+          <a:p>
+            <a:pPr algn="ctr"/>
+            <a:endParaRPr lang="de-DE"/>
+          </a:p>
+        </p:txBody>
+      </p:sp>
+      <p:sp>
+        <p:nvSpPr>
+          <p:cNvPr id="28" name="Textfeld 27">
+            <a:extLst>
+              <a:ext uri="{FF2B5EF4-FFF2-40B4-BE49-F238E27FC236}">
+                <a16:creationId xmlns:a16="http://schemas.microsoft.com/office/drawing/2014/main" id="{F44BE46B-4325-4718-A71F-260B330DBCCC}"/>
+              </a:ext>
+            </a:extLst>
+          </p:cNvPr>
+          <p:cNvSpPr txBox="1"/>
+          <p:nvPr/>
+        </p:nvSpPr>
+        <p:spPr>
+          <a:xfrm>
+            <a:off x="4674635" y="519215"/>
+            <a:ext cx="1184728" cy="400110"/>
+          </a:xfrm>
+          <a:prstGeom prst="rect">
+            <a:avLst/>
+          </a:prstGeom>
+        </p:spPr>
+        <p:style>
+          <a:lnRef idx="2">
+            <a:schemeClr val="dk1"/>
+          </a:lnRef>
+          <a:fillRef idx="1">
+            <a:schemeClr val="lt1"/>
+          </a:fillRef>
+          <a:effectRef idx="0">
+            <a:schemeClr val="dk1"/>
+          </a:effectRef>
+          <a:fontRef idx="minor">
+            <a:schemeClr val="dk1"/>
+          </a:fontRef>
+        </p:style>
+        <p:txBody>
+          <a:bodyPr wrap="square" rtlCol="0">
+            <a:spAutoFit/>
+          </a:bodyPr>
+          <a:lstStyle/>
+          <a:p>
+            <a:r>
+              <a:rPr lang="de-DE" sz="2000" b="1" dirty="0">
+                <a:latin typeface="Arial" panose="020B0604020202020204" pitchFamily="34" charset="0"/>
+                <a:cs typeface="Arial" panose="020B0604020202020204" pitchFamily="34" charset="0"/>
+              </a:rPr>
+              <a:t>DevOps</a:t>
+            </a:r>
+          </a:p>
+        </p:txBody>
+      </p:sp>
+      <p:sp>
+        <p:nvSpPr>
+          <p:cNvPr id="35" name="Pfeil: 180-Grad 34">
+            <a:extLst>
+              <a:ext uri="{FF2B5EF4-FFF2-40B4-BE49-F238E27FC236}">
+                <a16:creationId xmlns:a16="http://schemas.microsoft.com/office/drawing/2014/main" id="{FE00076C-9551-4409-9655-17A337880288}"/>
+              </a:ext>
+            </a:extLst>
+          </p:cNvPr>
+          <p:cNvSpPr/>
+          <p:nvPr/>
+        </p:nvSpPr>
+        <p:spPr>
+          <a:xfrm flipV="1">
+            <a:off x="853752" y="3579834"/>
+            <a:ext cx="8984606" cy="1122857"/>
+          </a:xfrm>
+          <a:prstGeom prst="uturnArrow">
+            <a:avLst>
+              <a:gd name="adj1" fmla="val 262"/>
+              <a:gd name="adj2" fmla="val 4296"/>
+              <a:gd name="adj3" fmla="val 8708"/>
+              <a:gd name="adj4" fmla="val 23807"/>
+              <a:gd name="adj5" fmla="val 96588"/>
+            </a:avLst>
+          </a:prstGeom>
+          <a:ln>
+            <a:prstDash val="dashDot"/>
+          </a:ln>
+        </p:spPr>
+        <p:style>
+          <a:lnRef idx="2">
+            <a:schemeClr val="dk1">
+              <a:shade val="50000"/>
+            </a:schemeClr>
+          </a:lnRef>
+          <a:fillRef idx="1">
+            <a:schemeClr val="dk1"/>
+          </a:fillRef>
+          <a:effectRef idx="0">
+            <a:schemeClr val="dk1"/>
+          </a:effectRef>
+          <a:fontRef idx="minor">
+            <a:schemeClr val="lt1"/>
+          </a:fontRef>
+        </p:style>
+        <p:txBody>
+          <a:bodyPr rtlCol="0" anchor="ctr"/>
+          <a:lstStyle/>
+          <a:p>
+            <a:pPr algn="ctr"/>
+            <a:endParaRPr lang="de-DE" dirty="0">
+              <a:solidFill>
+                <a:schemeClr val="tx1"/>
+              </a:solidFill>
+            </a:endParaRPr>
+          </a:p>
+        </p:txBody>
+      </p:sp>
+      <p:sp>
+        <p:nvSpPr>
+          <p:cNvPr id="37" name="AutoShape 4" descr="Sarger Architekten München | Home">
+            <a:extLst>
+              <a:ext uri="{FF2B5EF4-FFF2-40B4-BE49-F238E27FC236}">
+                <a16:creationId xmlns:a16="http://schemas.microsoft.com/office/drawing/2014/main" id="{B80852DE-0135-46D0-9007-405C96B03D8F}"/>
+              </a:ext>
+            </a:extLst>
+          </p:cNvPr>
+          <p:cNvSpPr>
+            <a:spLocks noChangeAspect="1" noChangeArrowheads="1"/>
+          </p:cNvSpPr>
+          <p:nvPr/>
+        </p:nvSpPr>
+        <p:spPr bwMode="auto">
+          <a:xfrm>
+            <a:off x="6096000" y="3429000"/>
+            <a:ext cx="304800" cy="304800"/>
+          </a:xfrm>
+          <a:prstGeom prst="rect">
+            <a:avLst/>
+          </a:prstGeom>
+          <a:noFill/>
+          <a:extLst>
+            <a:ext uri="{909E8E84-426E-40DD-AFC4-6F175D3DCCD1}">
+              <a14:hiddenFill xmlns:a14="http://schemas.microsoft.com/office/drawing/2010/main">
+                <a:solidFill>
+                  <a:srgbClr val="FFFFFF"/>
+                </a:solidFill>
+              </a14:hiddenFill>
+            </a:ext>
+          </a:extLst>
+        </p:spPr>
+        <p:txBody>
+          <a:bodyPr vert="horz" wrap="square" lIns="91440" tIns="45720" rIns="91440" bIns="45720" numCol="1" anchor="t" anchorCtr="0" compatLnSpc="1">
+            <a:prstTxWarp prst="textNoShape">
+              <a:avLst/>
+            </a:prstTxWarp>
+          </a:bodyPr>
+          <a:lstStyle/>
+          <a:p>
+            <a:endParaRPr lang="de-DE"/>
+          </a:p>
+        </p:txBody>
+      </p:sp>
+      <p:pic>
+        <p:nvPicPr>
+          <p:cNvPr id="1036" name="Picture 12" descr="Plan Icon Images, Stock Photos &amp;amp; Vectors | Shutterstock">
+            <a:extLst>
+              <a:ext uri="{FF2B5EF4-FFF2-40B4-BE49-F238E27FC236}">
+                <a16:creationId xmlns:a16="http://schemas.microsoft.com/office/drawing/2014/main" id="{6D461F95-89F2-4C6B-91B8-C7DC5008D300}"/>
+              </a:ext>
+            </a:extLst>
+          </p:cNvPr>
+          <p:cNvPicPr>
+            <a:picLocks noChangeAspect="1" noChangeArrowheads="1"/>
+          </p:cNvPicPr>
+          <p:nvPr/>
+        </p:nvPicPr>
+        <p:blipFill rotWithShape="1">
+          <a:blip r:embed="rId2">
+            <a:extLst>
+              <a:ext uri="{BEBA8EAE-BF5A-486C-A8C5-ECC9F3942E4B}">
+                <a14:imgProps xmlns:a14="http://schemas.microsoft.com/office/drawing/2010/main">
+                  <a14:imgLayer r:embed="rId3">
+                    <a14:imgEffect>
+                      <a14:backgroundRemoval t="10000" b="90000" l="10000" r="90000">
+                        <a14:foregroundMark x1="54615" y1="25714" x2="59231" y2="25714"/>
+                        <a14:foregroundMark x1="71923" y1="31786" x2="73846" y2="77857"/>
+                        <a14:foregroundMark x1="37308" y1="36786" x2="68077" y2="70714"/>
+                        <a14:foregroundMark x1="68077" y1="70714" x2="68077" y2="70714"/>
+                      </a14:backgroundRemoval>
+                    </a14:imgEffect>
+                  </a14:imgLayer>
+                </a14:imgProps>
+              </a:ext>
+              <a:ext uri="{28A0092B-C50C-407E-A947-70E740481C1C}">
+                <a14:useLocalDpi xmlns:a14="http://schemas.microsoft.com/office/drawing/2010/main" val="0"/>
+              </a:ext>
+            </a:extLst>
+          </a:blip>
+          <a:srcRect l="17488" t="5259" r="16047" b="11453"/>
+          <a:stretch/>
+        </p:blipFill>
+        <p:spPr bwMode="auto">
+          <a:xfrm>
+            <a:off x="785322" y="2630253"/>
+            <a:ext cx="518435" cy="699630"/>
+          </a:xfrm>
+          <a:prstGeom prst="rect">
+            <a:avLst/>
+          </a:prstGeom>
+          <a:noFill/>
+          <a:extLst>
+            <a:ext uri="{909E8E84-426E-40DD-AFC4-6F175D3DCCD1}">
+              <a14:hiddenFill xmlns:a14="http://schemas.microsoft.com/office/drawing/2010/main">
+                <a:solidFill>
+                  <a:srgbClr val="FFFFFF"/>
+                </a:solidFill>
+              </a14:hiddenFill>
+            </a:ext>
+          </a:extLst>
+        </p:spPr>
+      </p:pic>
+      <p:pic>
+        <p:nvPicPr>
+          <p:cNvPr id="1040" name="Picture 16" descr="Testen - Kostenlose bildung Icons">
+            <a:extLst>
+              <a:ext uri="{FF2B5EF4-FFF2-40B4-BE49-F238E27FC236}">
+                <a16:creationId xmlns:a16="http://schemas.microsoft.com/office/drawing/2014/main" id="{B81FF73F-BF76-4BBE-92EE-832F56E0D057}"/>
+              </a:ext>
+            </a:extLst>
+          </p:cNvPr>
+          <p:cNvPicPr>
+            <a:picLocks noChangeAspect="1" noChangeArrowheads="1"/>
+          </p:cNvPicPr>
+          <p:nvPr/>
+        </p:nvPicPr>
+        <p:blipFill>
+          <a:blip r:embed="rId4">
+            <a:extLst>
+              <a:ext uri="{28A0092B-C50C-407E-A947-70E740481C1C}">
+                <a14:useLocalDpi xmlns:a14="http://schemas.microsoft.com/office/drawing/2010/main" val="0"/>
+              </a:ext>
+            </a:extLst>
+          </a:blip>
+          <a:srcRect/>
+          <a:stretch>
+            <a:fillRect/>
+          </a:stretch>
+        </p:blipFill>
+        <p:spPr bwMode="auto">
+          <a:xfrm>
+            <a:off x="5049498" y="2748021"/>
+            <a:ext cx="501652" cy="501652"/>
+          </a:xfrm>
+          <a:prstGeom prst="rect">
+            <a:avLst/>
+          </a:prstGeom>
+          <a:noFill/>
+          <a:extLst>
+            <a:ext uri="{909E8E84-426E-40DD-AFC4-6F175D3DCCD1}">
+              <a14:hiddenFill xmlns:a14="http://schemas.microsoft.com/office/drawing/2010/main">
+                <a:solidFill>
+                  <a:srgbClr val="FFFFFF"/>
+                </a:solidFill>
+              </a14:hiddenFill>
+            </a:ext>
+          </a:extLst>
+        </p:spPr>
+      </p:pic>
+      <p:pic>
+        <p:nvPicPr>
+          <p:cNvPr id="1042" name="Picture 18" descr="Product Release Icons - Download Free Vector Icons | Noun Project">
+            <a:extLst>
+              <a:ext uri="{FF2B5EF4-FFF2-40B4-BE49-F238E27FC236}">
+                <a16:creationId xmlns:a16="http://schemas.microsoft.com/office/drawing/2014/main" id="{FF36A738-8259-48C3-BA52-7CC261E0DF8A}"/>
+              </a:ext>
+            </a:extLst>
+          </p:cNvPr>
+          <p:cNvPicPr>
+            <a:picLocks noChangeAspect="1" noChangeArrowheads="1"/>
+          </p:cNvPicPr>
+          <p:nvPr/>
+        </p:nvPicPr>
+        <p:blipFill>
+          <a:blip r:embed="rId5">
+            <a:extLst>
+              <a:ext uri="{28A0092B-C50C-407E-A947-70E740481C1C}">
+                <a14:useLocalDpi xmlns:a14="http://schemas.microsoft.com/office/drawing/2010/main" val="0"/>
+              </a:ext>
+            </a:extLst>
+          </a:blip>
+          <a:srcRect/>
+          <a:stretch>
+            <a:fillRect/>
+          </a:stretch>
+        </p:blipFill>
+        <p:spPr bwMode="auto">
+          <a:xfrm>
+            <a:off x="6444920" y="2748021"/>
+            <a:ext cx="576745" cy="576745"/>
+          </a:xfrm>
+          <a:prstGeom prst="rect">
+            <a:avLst/>
+          </a:prstGeom>
+          <a:noFill/>
+          <a:extLst>
+            <a:ext uri="{909E8E84-426E-40DD-AFC4-6F175D3DCCD1}">
+              <a14:hiddenFill xmlns:a14="http://schemas.microsoft.com/office/drawing/2010/main">
+                <a:solidFill>
+                  <a:srgbClr val="FFFFFF"/>
+                </a:solidFill>
+              </a14:hiddenFill>
+            </a:ext>
+          </a:extLst>
+        </p:spPr>
+      </p:pic>
+      <p:pic>
+        <p:nvPicPr>
+          <p:cNvPr id="1046" name="Picture 22" descr="Operations Icons - 4,857 free vector icons">
+            <a:extLst>
+              <a:ext uri="{FF2B5EF4-FFF2-40B4-BE49-F238E27FC236}">
+                <a16:creationId xmlns:a16="http://schemas.microsoft.com/office/drawing/2014/main" id="{818596BA-86A9-47F6-BE5C-9FD68313E66E}"/>
+              </a:ext>
+            </a:extLst>
+          </p:cNvPr>
+          <p:cNvPicPr>
+            <a:picLocks noChangeAspect="1" noChangeArrowheads="1"/>
+          </p:cNvPicPr>
+          <p:nvPr/>
+        </p:nvPicPr>
+        <p:blipFill>
+          <a:blip r:embed="rId6">
+            <a:extLst>
+              <a:ext uri="{28A0092B-C50C-407E-A947-70E740481C1C}">
+                <a14:useLocalDpi xmlns:a14="http://schemas.microsoft.com/office/drawing/2010/main" val="0"/>
+              </a:ext>
+            </a:extLst>
+          </a:blip>
+          <a:srcRect/>
+          <a:stretch>
+            <a:fillRect/>
+          </a:stretch>
+        </p:blipFill>
+        <p:spPr bwMode="auto">
+          <a:xfrm>
+            <a:off x="9447411" y="2797688"/>
+            <a:ext cx="576745" cy="576745"/>
+          </a:xfrm>
+          <a:prstGeom prst="rect">
+            <a:avLst/>
+          </a:prstGeom>
+          <a:noFill/>
+          <a:extLst>
+            <a:ext uri="{909E8E84-426E-40DD-AFC4-6F175D3DCCD1}">
+              <a14:hiddenFill xmlns:a14="http://schemas.microsoft.com/office/drawing/2010/main">
+                <a:solidFill>
+                  <a:srgbClr val="FFFFFF"/>
+                </a:solidFill>
+              </a14:hiddenFill>
+            </a:ext>
+          </a:extLst>
+        </p:spPr>
+      </p:pic>
+      <p:pic>
+        <p:nvPicPr>
+          <p:cNvPr id="1052" name="Picture 28" descr="Build - Build Icon Png, Transparent Png , Transparent Png Image - PNGitem">
+            <a:extLst>
+              <a:ext uri="{FF2B5EF4-FFF2-40B4-BE49-F238E27FC236}">
+                <a16:creationId xmlns:a16="http://schemas.microsoft.com/office/drawing/2014/main" id="{5BFFE604-D741-482A-911B-D62392B22E71}"/>
+              </a:ext>
+            </a:extLst>
+          </p:cNvPr>
+          <p:cNvPicPr>
+            <a:picLocks noChangeAspect="1" noChangeArrowheads="1"/>
+          </p:cNvPicPr>
+          <p:nvPr/>
+        </p:nvPicPr>
+        <p:blipFill>
+          <a:blip r:embed="rId7">
+            <a:extLst>
+              <a:ext uri="{BEBA8EAE-BF5A-486C-A8C5-ECC9F3942E4B}">
+                <a14:imgProps xmlns:a14="http://schemas.microsoft.com/office/drawing/2010/main">
+                  <a14:imgLayer r:embed="rId8">
+                    <a14:imgEffect>
+                      <a14:backgroundRemoval t="5444" b="89941" l="4651" r="94535">
+                        <a14:foregroundMark x1="23372" y1="47929" x2="23372" y2="51479"/>
+                        <a14:foregroundMark x1="33140" y1="69822" x2="34419" y2="71124"/>
+                        <a14:foregroundMark x1="71395" y1="50888" x2="75930" y2="54911"/>
+                        <a14:foregroundMark x1="94651" y1="85799" x2="91047" y2="88757"/>
+                        <a14:foregroundMark x1="38023" y1="7929" x2="31163" y2="5562"/>
+                        <a14:foregroundMark x1="4651" y1="62840" x2="6047" y2="66864"/>
+                      </a14:backgroundRemoval>
+                    </a14:imgEffect>
+                  </a14:imgLayer>
+                </a14:imgProps>
+              </a:ext>
+              <a:ext uri="{28A0092B-C50C-407E-A947-70E740481C1C}">
+                <a14:useLocalDpi xmlns:a14="http://schemas.microsoft.com/office/drawing/2010/main" val="0"/>
+              </a:ext>
+            </a:extLst>
+          </a:blip>
+          <a:srcRect/>
+          <a:stretch>
+            <a:fillRect/>
+          </a:stretch>
+        </p:blipFill>
+        <p:spPr bwMode="auto">
+          <a:xfrm>
+            <a:off x="3637264" y="2750232"/>
+            <a:ext cx="518436" cy="509357"/>
+          </a:xfrm>
+          <a:prstGeom prst="rect">
+            <a:avLst/>
+          </a:prstGeom>
+          <a:noFill/>
+          <a:extLst>
+            <a:ext uri="{909E8E84-426E-40DD-AFC4-6F175D3DCCD1}">
+              <a14:hiddenFill xmlns:a14="http://schemas.microsoft.com/office/drawing/2010/main">
+                <a:solidFill>
+                  <a:srgbClr val="FFFFFF"/>
+                </a:solidFill>
+              </a14:hiddenFill>
+            </a:ext>
+          </a:extLst>
+        </p:spPr>
+      </p:pic>
+      <p:pic>
+        <p:nvPicPr>
+          <p:cNvPr id="1054" name="Picture 30" descr="Deploy Free Icon of Zwicon">
+            <a:extLst>
+              <a:ext uri="{FF2B5EF4-FFF2-40B4-BE49-F238E27FC236}">
+                <a16:creationId xmlns:a16="http://schemas.microsoft.com/office/drawing/2014/main" id="{E640A051-CD17-45A1-8D96-882AA26AE05C}"/>
+              </a:ext>
+            </a:extLst>
+          </p:cNvPr>
+          <p:cNvPicPr>
+            <a:picLocks noChangeAspect="1" noChangeArrowheads="1"/>
+          </p:cNvPicPr>
+          <p:nvPr/>
+        </p:nvPicPr>
+        <p:blipFill>
+          <a:blip r:embed="rId9">
+            <a:extLst>
+              <a:ext uri="{28A0092B-C50C-407E-A947-70E740481C1C}">
+                <a14:useLocalDpi xmlns:a14="http://schemas.microsoft.com/office/drawing/2010/main" val="0"/>
+              </a:ext>
+            </a:extLst>
+          </a:blip>
+          <a:srcRect/>
+          <a:stretch>
+            <a:fillRect/>
+          </a:stretch>
+        </p:blipFill>
+        <p:spPr bwMode="auto">
+          <a:xfrm>
+            <a:off x="7936986" y="2738258"/>
+            <a:ext cx="638206" cy="638206"/>
+          </a:xfrm>
+          <a:prstGeom prst="rect">
+            <a:avLst/>
+          </a:prstGeom>
+          <a:noFill/>
+          <a:extLst>
+            <a:ext uri="{909E8E84-426E-40DD-AFC4-6F175D3DCCD1}">
+              <a14:hiddenFill xmlns:a14="http://schemas.microsoft.com/office/drawing/2010/main">
+                <a:solidFill>
+                  <a:srgbClr val="FFFFFF"/>
+                </a:solidFill>
+              </a14:hiddenFill>
+            </a:ext>
+          </a:extLst>
+        </p:spPr>
+      </p:pic>
+      <p:pic>
+        <p:nvPicPr>
+          <p:cNvPr id="1058" name="Picture 34" descr="Code Icons im Simple Small-Stil">
+            <a:extLst>
+              <a:ext uri="{FF2B5EF4-FFF2-40B4-BE49-F238E27FC236}">
+                <a16:creationId xmlns:a16="http://schemas.microsoft.com/office/drawing/2014/main" id="{38337B0E-0DFC-4843-B469-F1ABC4003C7C}"/>
+              </a:ext>
+            </a:extLst>
+          </p:cNvPr>
+          <p:cNvPicPr>
+            <a:picLocks noChangeAspect="1" noChangeArrowheads="1"/>
+          </p:cNvPicPr>
+          <p:nvPr/>
+        </p:nvPicPr>
+        <p:blipFill>
+          <a:blip r:embed="rId10">
+            <a:extLst>
+              <a:ext uri="{28A0092B-C50C-407E-A947-70E740481C1C}">
+                <a14:useLocalDpi xmlns:a14="http://schemas.microsoft.com/office/drawing/2010/main" val="0"/>
+              </a:ext>
+            </a:extLst>
+          </a:blip>
+          <a:srcRect/>
+          <a:stretch>
+            <a:fillRect/>
+          </a:stretch>
+        </p:blipFill>
+        <p:spPr bwMode="auto">
+          <a:xfrm>
+            <a:off x="2192203" y="2744782"/>
+            <a:ext cx="551263" cy="551263"/>
+          </a:xfrm>
+          <a:prstGeom prst="rect">
+            <a:avLst/>
+          </a:prstGeom>
+          <a:noFill/>
+          <a:extLst>
+            <a:ext uri="{909E8E84-426E-40DD-AFC4-6F175D3DCCD1}">
+              <a14:hiddenFill xmlns:a14="http://schemas.microsoft.com/office/drawing/2010/main">
+                <a:solidFill>
+                  <a:srgbClr val="FFFFFF"/>
+                </a:solidFill>
+              </a14:hiddenFill>
+            </a:ext>
+          </a:extLst>
+        </p:spPr>
+      </p:pic>
+      <p:sp>
+        <p:nvSpPr>
+          <p:cNvPr id="39" name="Pfeil: nach rechts 38">
+            <a:extLst>
+              <a:ext uri="{FF2B5EF4-FFF2-40B4-BE49-F238E27FC236}">
+                <a16:creationId xmlns:a16="http://schemas.microsoft.com/office/drawing/2014/main" id="{18D9F0D3-A953-4D61-816B-12D03CCEA8F7}"/>
+              </a:ext>
+            </a:extLst>
+          </p:cNvPr>
+          <p:cNvSpPr/>
+          <p:nvPr/>
+        </p:nvSpPr>
+        <p:spPr>
+          <a:xfrm>
+            <a:off x="1511249" y="2909152"/>
+            <a:ext cx="464820" cy="268648"/>
+          </a:xfrm>
+          <a:prstGeom prst="rightArrow">
+            <a:avLst/>
+          </a:prstGeom>
+          <a:solidFill>
+            <a:srgbClr val="000066"/>
+          </a:solidFill>
+          <a:ln>
+            <a:solidFill>
+              <a:srgbClr val="000066"/>
+            </a:solidFill>
+          </a:ln>
+        </p:spPr>
+        <p:style>
+          <a:lnRef idx="2">
+            <a:schemeClr val="accent1">
+              <a:shade val="50000"/>
+            </a:schemeClr>
+          </a:lnRef>
+          <a:fillRef idx="1">
+            <a:schemeClr val="accent1"/>
+          </a:fillRef>
+          <a:effectRef idx="0">
+            <a:schemeClr val="accent1"/>
+          </a:effectRef>
+          <a:fontRef idx="minor">
+            <a:schemeClr val="lt1"/>
+          </a:fontRef>
+        </p:style>
+        <p:txBody>
+          <a:bodyPr rtlCol="0" anchor="ctr"/>
+          <a:lstStyle/>
+          <a:p>
+            <a:pPr algn="ctr"/>
+            <a:endParaRPr lang="de-DE"/>
+          </a:p>
+        </p:txBody>
+      </p:sp>
+      <p:sp>
+        <p:nvSpPr>
+          <p:cNvPr id="62" name="Pfeil: nach rechts 61">
+            <a:extLst>
+              <a:ext uri="{FF2B5EF4-FFF2-40B4-BE49-F238E27FC236}">
+                <a16:creationId xmlns:a16="http://schemas.microsoft.com/office/drawing/2014/main" id="{9361D078-2385-4664-9932-AD1CB12599B5}"/>
+              </a:ext>
+            </a:extLst>
+          </p:cNvPr>
+          <p:cNvSpPr/>
+          <p:nvPr/>
+        </p:nvSpPr>
+        <p:spPr>
+          <a:xfrm>
+            <a:off x="2957941" y="2909152"/>
+            <a:ext cx="464820" cy="268648"/>
+          </a:xfrm>
+          <a:prstGeom prst="rightArrow">
+            <a:avLst/>
+          </a:prstGeom>
+          <a:solidFill>
+            <a:srgbClr val="000066"/>
+          </a:solidFill>
+          <a:ln>
+            <a:solidFill>
+              <a:srgbClr val="000066"/>
+            </a:solidFill>
+          </a:ln>
+        </p:spPr>
+        <p:style>
+          <a:lnRef idx="2">
+            <a:schemeClr val="accent1">
+              <a:shade val="50000"/>
+            </a:schemeClr>
+          </a:lnRef>
+          <a:fillRef idx="1">
+            <a:schemeClr val="accent1"/>
+          </a:fillRef>
+          <a:effectRef idx="0">
+            <a:schemeClr val="accent1"/>
+          </a:effectRef>
+          <a:fontRef idx="minor">
+            <a:schemeClr val="lt1"/>
+          </a:fontRef>
+        </p:style>
+        <p:txBody>
+          <a:bodyPr rtlCol="0" anchor="ctr"/>
+          <a:lstStyle/>
+          <a:p>
+            <a:pPr algn="ctr"/>
+            <a:endParaRPr lang="de-DE"/>
+          </a:p>
+        </p:txBody>
+      </p:sp>
+      <p:sp>
+        <p:nvSpPr>
+          <p:cNvPr id="63" name="Pfeil: nach rechts 62">
+            <a:extLst>
+              <a:ext uri="{FF2B5EF4-FFF2-40B4-BE49-F238E27FC236}">
+                <a16:creationId xmlns:a16="http://schemas.microsoft.com/office/drawing/2014/main" id="{E42864E0-D73F-4388-93E8-9EE5A307CB50}"/>
+              </a:ext>
+            </a:extLst>
+          </p:cNvPr>
+          <p:cNvSpPr/>
+          <p:nvPr/>
+        </p:nvSpPr>
+        <p:spPr>
+          <a:xfrm>
+            <a:off x="4377186" y="2900545"/>
+            <a:ext cx="464820" cy="268648"/>
+          </a:xfrm>
+          <a:prstGeom prst="rightArrow">
+            <a:avLst/>
+          </a:prstGeom>
+          <a:solidFill>
+            <a:srgbClr val="000066"/>
+          </a:solidFill>
+          <a:ln>
+            <a:solidFill>
+              <a:srgbClr val="000066"/>
+            </a:solidFill>
+          </a:ln>
+        </p:spPr>
+        <p:style>
+          <a:lnRef idx="2">
+            <a:schemeClr val="accent1">
+              <a:shade val="50000"/>
+            </a:schemeClr>
+          </a:lnRef>
+          <a:fillRef idx="1">
+            <a:schemeClr val="accent1"/>
+          </a:fillRef>
+          <a:effectRef idx="0">
+            <a:schemeClr val="accent1"/>
+          </a:effectRef>
+          <a:fontRef idx="minor">
+            <a:schemeClr val="lt1"/>
+          </a:fontRef>
+        </p:style>
+        <p:txBody>
+          <a:bodyPr rtlCol="0" anchor="ctr"/>
+          <a:lstStyle/>
+          <a:p>
+            <a:pPr algn="ctr"/>
+            <a:endParaRPr lang="de-DE"/>
+          </a:p>
+        </p:txBody>
+      </p:sp>
+      <p:sp>
+        <p:nvSpPr>
+          <p:cNvPr id="64" name="Pfeil: nach rechts 63">
+            <a:extLst>
+              <a:ext uri="{FF2B5EF4-FFF2-40B4-BE49-F238E27FC236}">
+                <a16:creationId xmlns:a16="http://schemas.microsoft.com/office/drawing/2014/main" id="{F8659055-E567-4CE7-84E6-3BF848A3564F}"/>
+              </a:ext>
+            </a:extLst>
+          </p:cNvPr>
+          <p:cNvSpPr/>
+          <p:nvPr/>
+        </p:nvSpPr>
+        <p:spPr>
+          <a:xfrm>
+            <a:off x="5758642" y="2892674"/>
+            <a:ext cx="464820" cy="268648"/>
+          </a:xfrm>
+          <a:prstGeom prst="rightArrow">
+            <a:avLst/>
+          </a:prstGeom>
+          <a:solidFill>
+            <a:srgbClr val="000066"/>
+          </a:solidFill>
+          <a:ln>
+            <a:solidFill>
+              <a:srgbClr val="000066"/>
+            </a:solidFill>
+          </a:ln>
+        </p:spPr>
+        <p:style>
+          <a:lnRef idx="2">
+            <a:schemeClr val="accent1">
+              <a:shade val="50000"/>
+            </a:schemeClr>
+          </a:lnRef>
+          <a:fillRef idx="1">
+            <a:schemeClr val="accent1"/>
+          </a:fillRef>
+          <a:effectRef idx="0">
+            <a:schemeClr val="accent1"/>
+          </a:effectRef>
+          <a:fontRef idx="minor">
+            <a:schemeClr val="lt1"/>
+          </a:fontRef>
+        </p:style>
+        <p:txBody>
+          <a:bodyPr rtlCol="0" anchor="ctr"/>
+          <a:lstStyle/>
+          <a:p>
+            <a:pPr algn="ctr"/>
+            <a:endParaRPr lang="de-DE"/>
+          </a:p>
+        </p:txBody>
+      </p:sp>
+      <p:sp>
+        <p:nvSpPr>
+          <p:cNvPr id="65" name="Pfeil: nach rechts 64">
+            <a:extLst>
+              <a:ext uri="{FF2B5EF4-FFF2-40B4-BE49-F238E27FC236}">
+                <a16:creationId xmlns:a16="http://schemas.microsoft.com/office/drawing/2014/main" id="{26FB23D8-0E36-4683-B342-031C588F9195}"/>
+              </a:ext>
+            </a:extLst>
+          </p:cNvPr>
+          <p:cNvSpPr/>
+          <p:nvPr/>
+        </p:nvSpPr>
+        <p:spPr>
+          <a:xfrm>
+            <a:off x="7243123" y="2909152"/>
+            <a:ext cx="464820" cy="268648"/>
+          </a:xfrm>
+          <a:prstGeom prst="rightArrow">
+            <a:avLst/>
+          </a:prstGeom>
+          <a:solidFill>
+            <a:srgbClr val="000066"/>
+          </a:solidFill>
+          <a:ln>
+            <a:solidFill>
+              <a:srgbClr val="000066"/>
+            </a:solidFill>
+          </a:ln>
+        </p:spPr>
+        <p:style>
+          <a:lnRef idx="2">
+            <a:schemeClr val="accent1">
+              <a:shade val="50000"/>
+            </a:schemeClr>
+          </a:lnRef>
+          <a:fillRef idx="1">
+            <a:schemeClr val="accent1"/>
+          </a:fillRef>
+          <a:effectRef idx="0">
+            <a:schemeClr val="accent1"/>
+          </a:effectRef>
+          <a:fontRef idx="minor">
+            <a:schemeClr val="lt1"/>
+          </a:fontRef>
+        </p:style>
+        <p:txBody>
+          <a:bodyPr rtlCol="0" anchor="ctr"/>
+          <a:lstStyle/>
+          <a:p>
+            <a:pPr algn="ctr"/>
+            <a:endParaRPr lang="de-DE"/>
+          </a:p>
+        </p:txBody>
+      </p:sp>
+      <p:sp>
+        <p:nvSpPr>
+          <p:cNvPr id="66" name="Pfeil: nach rechts 65">
+            <a:extLst>
+              <a:ext uri="{FF2B5EF4-FFF2-40B4-BE49-F238E27FC236}">
+                <a16:creationId xmlns:a16="http://schemas.microsoft.com/office/drawing/2014/main" id="{97F7C617-7E09-4690-A818-57A34348EC6B}"/>
+              </a:ext>
+            </a:extLst>
+          </p:cNvPr>
+          <p:cNvSpPr/>
+          <p:nvPr/>
+        </p:nvSpPr>
+        <p:spPr>
+          <a:xfrm>
+            <a:off x="8760669" y="2900545"/>
+            <a:ext cx="464820" cy="268648"/>
+          </a:xfrm>
+          <a:prstGeom prst="rightArrow">
+            <a:avLst/>
+          </a:prstGeom>
+          <a:solidFill>
+            <a:srgbClr val="000066"/>
+          </a:solidFill>
+          <a:ln>
+            <a:solidFill>
+              <a:srgbClr val="000066"/>
+            </a:solidFill>
+          </a:ln>
+        </p:spPr>
+        <p:style>
+          <a:lnRef idx="2">
+            <a:schemeClr val="accent1">
+              <a:shade val="50000"/>
+            </a:schemeClr>
+          </a:lnRef>
+          <a:fillRef idx="1">
+            <a:schemeClr val="accent1"/>
+          </a:fillRef>
+          <a:effectRef idx="0">
+            <a:schemeClr val="accent1"/>
+          </a:effectRef>
+          <a:fontRef idx="minor">
+            <a:schemeClr val="lt1"/>
+          </a:fontRef>
+        </p:style>
+        <p:txBody>
+          <a:bodyPr rtlCol="0" anchor="ctr"/>
+          <a:lstStyle/>
+          <a:p>
+            <a:pPr algn="ctr"/>
+            <a:endParaRPr lang="de-DE"/>
+          </a:p>
+        </p:txBody>
+      </p:sp>
+      <p:sp>
+        <p:nvSpPr>
+          <p:cNvPr id="40" name="Textfeld 39">
+            <a:extLst>
+              <a:ext uri="{FF2B5EF4-FFF2-40B4-BE49-F238E27FC236}">
+                <a16:creationId xmlns:a16="http://schemas.microsoft.com/office/drawing/2014/main" id="{A5678F91-E131-44CF-BD3D-D6502A54DDA5}"/>
+              </a:ext>
+            </a:extLst>
+          </p:cNvPr>
+          <p:cNvSpPr txBox="1"/>
+          <p:nvPr/>
+        </p:nvSpPr>
+        <p:spPr>
+          <a:xfrm>
+            <a:off x="779110" y="3275087"/>
+            <a:ext cx="518436" cy="261610"/>
+          </a:xfrm>
+          <a:prstGeom prst="rect">
+            <a:avLst/>
+          </a:prstGeom>
+          <a:noFill/>
+        </p:spPr>
+        <p:txBody>
+          <a:bodyPr wrap="square" rtlCol="0">
+            <a:spAutoFit/>
+          </a:bodyPr>
+          <a:lstStyle/>
+          <a:p>
+            <a:pPr algn="ctr"/>
+            <a:r>
+              <a:rPr lang="de-DE" sz="1050" dirty="0">
+                <a:latin typeface="Arial" panose="020B0604020202020204" pitchFamily="34" charset="0"/>
+                <a:cs typeface="Arial" panose="020B0604020202020204" pitchFamily="34" charset="0"/>
+              </a:rPr>
+              <a:t>Plan</a:t>
+            </a:r>
+          </a:p>
+        </p:txBody>
+      </p:sp>
+      <p:sp>
+        <p:nvSpPr>
+          <p:cNvPr id="68" name="Textfeld 67">
+            <a:extLst>
+              <a:ext uri="{FF2B5EF4-FFF2-40B4-BE49-F238E27FC236}">
+                <a16:creationId xmlns:a16="http://schemas.microsoft.com/office/drawing/2014/main" id="{6E03CA73-D237-48CF-B937-0497D1D38382}"/>
+              </a:ext>
+            </a:extLst>
+          </p:cNvPr>
+          <p:cNvSpPr txBox="1"/>
+          <p:nvPr/>
+        </p:nvSpPr>
+        <p:spPr>
+          <a:xfrm>
+            <a:off x="2196579" y="3275087"/>
+            <a:ext cx="518436" cy="261610"/>
+          </a:xfrm>
+          <a:prstGeom prst="rect">
+            <a:avLst/>
+          </a:prstGeom>
+          <a:noFill/>
+        </p:spPr>
+        <p:txBody>
+          <a:bodyPr wrap="square" rtlCol="0">
+            <a:spAutoFit/>
+          </a:bodyPr>
+          <a:lstStyle/>
+          <a:p>
+            <a:pPr algn="ctr"/>
+            <a:r>
+              <a:rPr lang="de-DE" sz="1050" dirty="0">
+                <a:latin typeface="Arial" panose="020B0604020202020204" pitchFamily="34" charset="0"/>
+                <a:cs typeface="Arial" panose="020B0604020202020204" pitchFamily="34" charset="0"/>
+              </a:rPr>
+              <a:t>Code</a:t>
+            </a:r>
+          </a:p>
+        </p:txBody>
+      </p:sp>
+      <p:sp>
+        <p:nvSpPr>
+          <p:cNvPr id="69" name="Textfeld 68">
+            <a:extLst>
+              <a:ext uri="{FF2B5EF4-FFF2-40B4-BE49-F238E27FC236}">
+                <a16:creationId xmlns:a16="http://schemas.microsoft.com/office/drawing/2014/main" id="{B82261CE-8C35-46C5-9B21-82EB2302BB03}"/>
+              </a:ext>
+            </a:extLst>
+          </p:cNvPr>
+          <p:cNvSpPr txBox="1"/>
+          <p:nvPr/>
+        </p:nvSpPr>
+        <p:spPr>
+          <a:xfrm>
+            <a:off x="3607837" y="3237742"/>
+            <a:ext cx="518436" cy="261610"/>
+          </a:xfrm>
+          <a:prstGeom prst="rect">
+            <a:avLst/>
+          </a:prstGeom>
+          <a:noFill/>
+        </p:spPr>
+        <p:txBody>
+          <a:bodyPr wrap="square" rtlCol="0">
+            <a:spAutoFit/>
+          </a:bodyPr>
+          <a:lstStyle/>
+          <a:p>
+            <a:pPr algn="ctr"/>
+            <a:r>
+              <a:rPr lang="de-DE" sz="1050" dirty="0">
+                <a:latin typeface="Arial" panose="020B0604020202020204" pitchFamily="34" charset="0"/>
+                <a:cs typeface="Arial" panose="020B0604020202020204" pitchFamily="34" charset="0"/>
+              </a:rPr>
+              <a:t>Build</a:t>
+            </a:r>
+          </a:p>
+        </p:txBody>
+      </p:sp>
+      <p:sp>
+        <p:nvSpPr>
+          <p:cNvPr id="70" name="Textfeld 69">
+            <a:extLst>
+              <a:ext uri="{FF2B5EF4-FFF2-40B4-BE49-F238E27FC236}">
+                <a16:creationId xmlns:a16="http://schemas.microsoft.com/office/drawing/2014/main" id="{4D736DA7-B782-4E2C-9EA7-FD92354206AE}"/>
+              </a:ext>
+            </a:extLst>
+          </p:cNvPr>
+          <p:cNvSpPr txBox="1"/>
+          <p:nvPr/>
+        </p:nvSpPr>
+        <p:spPr>
+          <a:xfrm>
+            <a:off x="5004235" y="3257827"/>
+            <a:ext cx="518436" cy="261610"/>
+          </a:xfrm>
+          <a:prstGeom prst="rect">
+            <a:avLst/>
+          </a:prstGeom>
+          <a:noFill/>
+        </p:spPr>
+        <p:txBody>
+          <a:bodyPr wrap="square" rtlCol="0">
+            <a:spAutoFit/>
+          </a:bodyPr>
+          <a:lstStyle/>
+          <a:p>
+            <a:pPr algn="ctr"/>
+            <a:r>
+              <a:rPr lang="de-DE" sz="1050" dirty="0">
+                <a:latin typeface="Arial" panose="020B0604020202020204" pitchFamily="34" charset="0"/>
+                <a:cs typeface="Arial" panose="020B0604020202020204" pitchFamily="34" charset="0"/>
+              </a:rPr>
+              <a:t>Test</a:t>
+            </a:r>
+          </a:p>
+        </p:txBody>
+      </p:sp>
+      <p:sp>
+        <p:nvSpPr>
+          <p:cNvPr id="71" name="Textfeld 70">
+            <a:extLst>
+              <a:ext uri="{FF2B5EF4-FFF2-40B4-BE49-F238E27FC236}">
+                <a16:creationId xmlns:a16="http://schemas.microsoft.com/office/drawing/2014/main" id="{C373EE46-ACDF-48C4-B21D-80B734E7F977}"/>
+              </a:ext>
+            </a:extLst>
+          </p:cNvPr>
+          <p:cNvSpPr txBox="1"/>
+          <p:nvPr/>
+        </p:nvSpPr>
+        <p:spPr>
+          <a:xfrm>
+            <a:off x="6360479" y="3321265"/>
+            <a:ext cx="696116" cy="253916"/>
+          </a:xfrm>
+          <a:prstGeom prst="rect">
+            <a:avLst/>
+          </a:prstGeom>
+          <a:noFill/>
+        </p:spPr>
+        <p:txBody>
+          <a:bodyPr wrap="square" rtlCol="0">
+            <a:spAutoFit/>
+          </a:bodyPr>
+          <a:lstStyle/>
+          <a:p>
+            <a:pPr algn="ctr"/>
+            <a:r>
+              <a:rPr lang="de-DE" sz="1050" dirty="0">
+                <a:latin typeface="Arial" panose="020B0604020202020204" pitchFamily="34" charset="0"/>
+                <a:cs typeface="Arial" panose="020B0604020202020204" pitchFamily="34" charset="0"/>
+              </a:rPr>
+              <a:t>Release</a:t>
+            </a:r>
+          </a:p>
+        </p:txBody>
+      </p:sp>
+      <p:sp>
+        <p:nvSpPr>
+          <p:cNvPr id="72" name="Textfeld 71">
+            <a:extLst>
+              <a:ext uri="{FF2B5EF4-FFF2-40B4-BE49-F238E27FC236}">
+                <a16:creationId xmlns:a16="http://schemas.microsoft.com/office/drawing/2014/main" id="{EE7CE7B0-1C1D-4C3D-99FF-6D395C1F3F61}"/>
+              </a:ext>
+            </a:extLst>
+          </p:cNvPr>
+          <p:cNvSpPr txBox="1"/>
+          <p:nvPr/>
+        </p:nvSpPr>
+        <p:spPr>
+          <a:xfrm>
+            <a:off x="7862142" y="3328904"/>
+            <a:ext cx="696116" cy="253916"/>
+          </a:xfrm>
+          <a:prstGeom prst="rect">
+            <a:avLst/>
+          </a:prstGeom>
+          <a:noFill/>
+        </p:spPr>
+        <p:txBody>
+          <a:bodyPr wrap="square" rtlCol="0">
+            <a:spAutoFit/>
+          </a:bodyPr>
+          <a:lstStyle/>
+          <a:p>
+            <a:pPr algn="ctr"/>
+            <a:r>
+              <a:rPr lang="de-DE" sz="1050" dirty="0">
+                <a:latin typeface="Arial" panose="020B0604020202020204" pitchFamily="34" charset="0"/>
+                <a:cs typeface="Arial" panose="020B0604020202020204" pitchFamily="34" charset="0"/>
+              </a:rPr>
+              <a:t>Deploy</a:t>
+            </a:r>
+          </a:p>
+        </p:txBody>
+      </p:sp>
+      <p:sp>
+        <p:nvSpPr>
+          <p:cNvPr id="73" name="Textfeld 72">
+            <a:extLst>
+              <a:ext uri="{FF2B5EF4-FFF2-40B4-BE49-F238E27FC236}">
+                <a16:creationId xmlns:a16="http://schemas.microsoft.com/office/drawing/2014/main" id="{17DE82B9-3E0E-480A-8DDF-132CB4502F08}"/>
+              </a:ext>
+            </a:extLst>
+          </p:cNvPr>
+          <p:cNvSpPr txBox="1"/>
+          <p:nvPr/>
+        </p:nvSpPr>
+        <p:spPr>
+          <a:xfrm>
+            <a:off x="9412481" y="3374433"/>
+            <a:ext cx="696116" cy="253916"/>
+          </a:xfrm>
+          <a:prstGeom prst="rect">
+            <a:avLst/>
+          </a:prstGeom>
+          <a:noFill/>
+        </p:spPr>
+        <p:txBody>
+          <a:bodyPr wrap="square" rtlCol="0">
+            <a:spAutoFit/>
+          </a:bodyPr>
+          <a:lstStyle/>
+          <a:p>
+            <a:pPr algn="ctr"/>
+            <a:r>
+              <a:rPr lang="de-DE" sz="1050" dirty="0">
+                <a:latin typeface="Arial" panose="020B0604020202020204" pitchFamily="34" charset="0"/>
+                <a:cs typeface="Arial" panose="020B0604020202020204" pitchFamily="34" charset="0"/>
+              </a:rPr>
+              <a:t>Operate</a:t>
+            </a:r>
+          </a:p>
+        </p:txBody>
+      </p:sp>
+      <p:cxnSp>
+        <p:nvCxnSpPr>
+          <p:cNvPr id="76" name="Gerade Verbindung mit Pfeil 75">
+            <a:extLst>
+              <a:ext uri="{FF2B5EF4-FFF2-40B4-BE49-F238E27FC236}">
+                <a16:creationId xmlns:a16="http://schemas.microsoft.com/office/drawing/2014/main" id="{315A15C8-F237-4072-BFC4-0A357FD3AA35}"/>
+              </a:ext>
+            </a:extLst>
+          </p:cNvPr>
+          <p:cNvCxnSpPr>
+            <a:cxnSpLocks/>
+          </p:cNvCxnSpPr>
+          <p:nvPr/>
+        </p:nvCxnSpPr>
+        <p:spPr>
+          <a:xfrm>
+            <a:off x="723233" y="1111179"/>
+            <a:ext cx="5175347" cy="0"/>
+          </a:xfrm>
+          <a:prstGeom prst="straightConnector1">
+            <a:avLst/>
+          </a:prstGeom>
+          <a:ln w="19050" cap="flat" cmpd="sng" algn="ctr">
+            <a:solidFill>
+              <a:schemeClr val="dk1"/>
+            </a:solidFill>
+            <a:prstDash val="sysDot"/>
+            <a:round/>
+            <a:headEnd type="arrow" w="med" len="med"/>
+            <a:tailEnd type="arrow" w="med" len="med"/>
+          </a:ln>
+        </p:spPr>
+        <p:style>
+          <a:lnRef idx="0">
+            <a:scrgbClr r="0" g="0" b="0"/>
+          </a:lnRef>
+          <a:fillRef idx="0">
+            <a:scrgbClr r="0" g="0" b="0"/>
+          </a:fillRef>
+          <a:effectRef idx="0">
+            <a:scrgbClr r="0" g="0" b="0"/>
+          </a:effectRef>
+          <a:fontRef idx="minor">
+            <a:schemeClr val="tx1"/>
+          </a:fontRef>
+        </p:style>
+      </p:cxnSp>
+      <p:cxnSp>
+        <p:nvCxnSpPr>
+          <p:cNvPr id="79" name="Gerade Verbindung mit Pfeil 78">
+            <a:extLst>
+              <a:ext uri="{FF2B5EF4-FFF2-40B4-BE49-F238E27FC236}">
+                <a16:creationId xmlns:a16="http://schemas.microsoft.com/office/drawing/2014/main" id="{62CD8902-0511-4FAF-9F79-B232A4A456A0}"/>
+              </a:ext>
+            </a:extLst>
+          </p:cNvPr>
+          <p:cNvCxnSpPr>
+            <a:cxnSpLocks/>
+          </p:cNvCxnSpPr>
+          <p:nvPr/>
+        </p:nvCxnSpPr>
+        <p:spPr>
+          <a:xfrm>
+            <a:off x="5898580" y="1111179"/>
+            <a:ext cx="3939778" cy="0"/>
+          </a:xfrm>
+          <a:prstGeom prst="straightConnector1">
+            <a:avLst/>
+          </a:prstGeom>
+          <a:ln w="19050" cap="flat" cmpd="sng" algn="ctr">
+            <a:solidFill>
+              <a:schemeClr val="dk1"/>
+            </a:solidFill>
+            <a:prstDash val="sysDot"/>
+            <a:round/>
+            <a:headEnd type="arrow" w="med" len="med"/>
+            <a:tailEnd type="arrow" w="med" len="med"/>
+          </a:ln>
+        </p:spPr>
+        <p:style>
+          <a:lnRef idx="0">
+            <a:scrgbClr r="0" g="0" b="0"/>
+          </a:lnRef>
+          <a:fillRef idx="0">
+            <a:scrgbClr r="0" g="0" b="0"/>
+          </a:fillRef>
+          <a:effectRef idx="0">
+            <a:scrgbClr r="0" g="0" b="0"/>
+          </a:effectRef>
+          <a:fontRef idx="minor">
+            <a:schemeClr val="tx1"/>
+          </a:fontRef>
+        </p:style>
+      </p:cxnSp>
+      <p:sp>
+        <p:nvSpPr>
+          <p:cNvPr id="83" name="Textfeld 82">
+            <a:extLst>
+              <a:ext uri="{FF2B5EF4-FFF2-40B4-BE49-F238E27FC236}">
+                <a16:creationId xmlns:a16="http://schemas.microsoft.com/office/drawing/2014/main" id="{25BBE49F-5AC5-43A3-9E52-6FA946C7E7FA}"/>
+              </a:ext>
+            </a:extLst>
+          </p:cNvPr>
+          <p:cNvSpPr txBox="1"/>
+          <p:nvPr/>
+        </p:nvSpPr>
+        <p:spPr>
+          <a:xfrm>
+            <a:off x="2614609" y="849162"/>
+            <a:ext cx="1300887" cy="261610"/>
+          </a:xfrm>
+          <a:prstGeom prst="rect">
+            <a:avLst/>
+          </a:prstGeom>
+          <a:noFill/>
+        </p:spPr>
+        <p:txBody>
+          <a:bodyPr wrap="square" rtlCol="0">
+            <a:spAutoFit/>
+          </a:bodyPr>
+          <a:lstStyle/>
+          <a:p>
+            <a:r>
+              <a:rPr lang="de-DE" sz="1100" i="1" dirty="0">
+                <a:latin typeface="Arial" panose="020B0604020202020204" pitchFamily="34" charset="0"/>
+                <a:cs typeface="Arial" panose="020B0604020202020204" pitchFamily="34" charset="0"/>
+              </a:rPr>
+              <a:t>Development</a:t>
+            </a:r>
+          </a:p>
+        </p:txBody>
+      </p:sp>
+      <p:sp>
+        <p:nvSpPr>
+          <p:cNvPr id="84" name="Textfeld 83">
+            <a:extLst>
+              <a:ext uri="{FF2B5EF4-FFF2-40B4-BE49-F238E27FC236}">
+                <a16:creationId xmlns:a16="http://schemas.microsoft.com/office/drawing/2014/main" id="{3C7C92D2-3BBF-4A3C-9104-B1A3B09BDB8F}"/>
+              </a:ext>
+            </a:extLst>
+          </p:cNvPr>
+          <p:cNvSpPr txBox="1"/>
+          <p:nvPr/>
+        </p:nvSpPr>
+        <p:spPr>
+          <a:xfrm>
+            <a:off x="7357423" y="819592"/>
+            <a:ext cx="1300887" cy="261610"/>
+          </a:xfrm>
+          <a:prstGeom prst="rect">
+            <a:avLst/>
+          </a:prstGeom>
+          <a:noFill/>
+        </p:spPr>
+        <p:txBody>
+          <a:bodyPr wrap="square" rtlCol="0">
+            <a:spAutoFit/>
+          </a:bodyPr>
+          <a:lstStyle/>
+          <a:p>
+            <a:r>
+              <a:rPr lang="de-DE" sz="1100" i="1" dirty="0">
+                <a:latin typeface="Arial" panose="020B0604020202020204" pitchFamily="34" charset="0"/>
+                <a:cs typeface="Arial" panose="020B0604020202020204" pitchFamily="34" charset="0"/>
+              </a:rPr>
+              <a:t>Operations</a:t>
+            </a:r>
+          </a:p>
+        </p:txBody>
+      </p:sp>
+    </p:spTree>
+    <p:extLst>
+      <p:ext uri="{BB962C8B-B14F-4D97-AF65-F5344CB8AC3E}">
+        <p14:creationId xmlns:p14="http://schemas.microsoft.com/office/powerpoint/2010/main" val="1354756516"/>
+      </p:ext>
+    </p:extLst>
+  </p:cSld>
+  <p:clrMapOvr>
+    <a:masterClrMapping/>
+  </p:clrMapOvr>
+</p:sld>
+</file>
+
+<file path=ppt/slides/slide6.xml><?xml version="1.0" encoding="utf-8"?>
+<p:sld xmlns:a="http://schemas.openxmlformats.org/drawingml/2006/main" xmlns:r="http://schemas.openxmlformats.org/officeDocument/2006/relationships" xmlns:p="http://schemas.openxmlformats.org/presentationml/2006/main">
+  <p:cSld>
+    <p:spTree>
+      <p:nvGrpSpPr>
+        <p:cNvPr id="1" name=""/>
+        <p:cNvGrpSpPr/>
+        <p:nvPr/>
+      </p:nvGrpSpPr>
+      <p:grpSpPr>
+        <a:xfrm>
+          <a:off x="0" y="0"/>
+          <a:ext cx="0" cy="0"/>
+          <a:chOff x="0" y="0"/>
+          <a:chExt cx="0" cy="0"/>
+        </a:xfrm>
+      </p:grpSpPr>
+      <p:cxnSp>
+        <p:nvCxnSpPr>
+          <p:cNvPr id="30" name="Gerade Verbindung mit Pfeil 29">
+            <a:extLst>
+              <a:ext uri="{FF2B5EF4-FFF2-40B4-BE49-F238E27FC236}">
+                <a16:creationId xmlns:a16="http://schemas.microsoft.com/office/drawing/2014/main" id="{2F196798-298A-429D-AA64-82205243CBF2}"/>
+              </a:ext>
+            </a:extLst>
+          </p:cNvPr>
+          <p:cNvCxnSpPr>
+            <a:cxnSpLocks/>
+          </p:cNvCxnSpPr>
+          <p:nvPr/>
+        </p:nvCxnSpPr>
+        <p:spPr>
+          <a:xfrm>
+            <a:off x="779109" y="1655204"/>
+            <a:ext cx="9059249" cy="0"/>
+          </a:xfrm>
+          <a:prstGeom prst="straightConnector1">
+            <a:avLst/>
+          </a:prstGeom>
+          <a:ln w="28575" cap="flat" cmpd="sng" algn="ctr">
+            <a:solidFill>
+              <a:schemeClr val="dk1"/>
+            </a:solidFill>
+            <a:prstDash val="solid"/>
+            <a:round/>
+            <a:headEnd type="arrow" w="med" len="med"/>
+            <a:tailEnd type="arrow" w="med" len="med"/>
+          </a:ln>
+        </p:spPr>
+        <p:style>
+          <a:lnRef idx="0">
+            <a:scrgbClr r="0" g="0" b="0"/>
+          </a:lnRef>
+          <a:fillRef idx="0">
+            <a:scrgbClr r="0" g="0" b="0"/>
+          </a:fillRef>
+          <a:effectRef idx="0">
+            <a:scrgbClr r="0" g="0" b="0"/>
+          </a:effectRef>
+          <a:fontRef idx="minor">
+            <a:schemeClr val="tx1"/>
+          </a:fontRef>
+        </p:style>
+      </p:cxnSp>
+      <p:sp>
+        <p:nvSpPr>
+          <p:cNvPr id="8" name="Pfeil: 180-Grad 7">
+            <a:extLst>
+              <a:ext uri="{FF2B5EF4-FFF2-40B4-BE49-F238E27FC236}">
+                <a16:creationId xmlns:a16="http://schemas.microsoft.com/office/drawing/2014/main" id="{026CC430-3DC1-47EC-99A7-54392EB15574}"/>
+              </a:ext>
+            </a:extLst>
+          </p:cNvPr>
+          <p:cNvSpPr/>
+          <p:nvPr/>
+        </p:nvSpPr>
+        <p:spPr>
+          <a:xfrm rot="10800000">
+            <a:off x="2350136" y="3494036"/>
+            <a:ext cx="1584826" cy="163289"/>
+          </a:xfrm>
+          <a:prstGeom prst="uturnArrow">
+            <a:avLst>
+              <a:gd name="adj1" fmla="val 12097"/>
+              <a:gd name="adj2" fmla="val 25000"/>
+              <a:gd name="adj3" fmla="val 25000"/>
+              <a:gd name="adj4" fmla="val 8266"/>
+              <a:gd name="adj5" fmla="val 100000"/>
+            </a:avLst>
+          </a:prstGeom>
+          <a:solidFill>
+            <a:srgbClr val="00B050"/>
+          </a:solidFill>
+          <a:ln>
+            <a:solidFill>
+              <a:srgbClr val="00B050"/>
+            </a:solidFill>
+          </a:ln>
+        </p:spPr>
+        <p:style>
+          <a:lnRef idx="2">
+            <a:schemeClr val="accent1">
+              <a:shade val="50000"/>
+            </a:schemeClr>
+          </a:lnRef>
+          <a:fillRef idx="1">
+            <a:schemeClr val="accent1"/>
+          </a:fillRef>
+          <a:effectRef idx="0">
+            <a:schemeClr val="accent1"/>
+          </a:effectRef>
+          <a:fontRef idx="minor">
+            <a:schemeClr val="lt1"/>
+          </a:fontRef>
+        </p:style>
+        <p:txBody>
+          <a:bodyPr rtlCol="0" anchor="ctr"/>
+          <a:lstStyle/>
+          <a:p>
+            <a:pPr algn="ctr"/>
+            <a:endParaRPr lang="de-DE">
+              <a:solidFill>
+                <a:schemeClr val="tx1"/>
+              </a:solidFill>
+            </a:endParaRPr>
+          </a:p>
+        </p:txBody>
+      </p:sp>
+      <p:sp>
+        <p:nvSpPr>
+          <p:cNvPr id="15" name="Pfeil: 180-Grad 14">
+            <a:extLst>
+              <a:ext uri="{FF2B5EF4-FFF2-40B4-BE49-F238E27FC236}">
+                <a16:creationId xmlns:a16="http://schemas.microsoft.com/office/drawing/2014/main" id="{8448A2F0-0AA2-40DD-9A10-13E109E98BAC}"/>
+              </a:ext>
+            </a:extLst>
+          </p:cNvPr>
+          <p:cNvSpPr/>
+          <p:nvPr/>
+        </p:nvSpPr>
+        <p:spPr>
+          <a:xfrm rot="10800000">
+            <a:off x="6708536" y="3555906"/>
+            <a:ext cx="1490583" cy="170108"/>
+          </a:xfrm>
+          <a:prstGeom prst="uturnArrow">
+            <a:avLst>
+              <a:gd name="adj1" fmla="val 12097"/>
+              <a:gd name="adj2" fmla="val 25000"/>
+              <a:gd name="adj3" fmla="val 25000"/>
+              <a:gd name="adj4" fmla="val 8266"/>
+              <a:gd name="adj5" fmla="val 100000"/>
+            </a:avLst>
+          </a:prstGeom>
+          <a:solidFill>
+            <a:srgbClr val="00B050"/>
+          </a:solidFill>
+          <a:ln>
+            <a:solidFill>
+              <a:srgbClr val="00B050"/>
+            </a:solidFill>
+          </a:ln>
+        </p:spPr>
+        <p:style>
+          <a:lnRef idx="2">
+            <a:schemeClr val="accent1">
+              <a:shade val="50000"/>
+            </a:schemeClr>
+          </a:lnRef>
+          <a:fillRef idx="1">
+            <a:schemeClr val="accent1"/>
+          </a:fillRef>
+          <a:effectRef idx="0">
+            <a:schemeClr val="accent1"/>
+          </a:effectRef>
+          <a:fontRef idx="minor">
+            <a:schemeClr val="lt1"/>
+          </a:fontRef>
+        </p:style>
+        <p:txBody>
+          <a:bodyPr rtlCol="0" anchor="ctr"/>
+          <a:lstStyle/>
+          <a:p>
+            <a:pPr algn="ctr"/>
+            <a:endParaRPr lang="de-DE">
+              <a:solidFill>
+                <a:schemeClr val="tx1"/>
+              </a:solidFill>
+            </a:endParaRPr>
+          </a:p>
+        </p:txBody>
+      </p:sp>
+      <p:sp>
+        <p:nvSpPr>
+          <p:cNvPr id="16" name="Pfeil: 180-Grad 15">
+            <a:extLst>
+              <a:ext uri="{FF2B5EF4-FFF2-40B4-BE49-F238E27FC236}">
+                <a16:creationId xmlns:a16="http://schemas.microsoft.com/office/drawing/2014/main" id="{F6D6F1A3-F0DC-467D-9455-DF5027789CDB}"/>
+              </a:ext>
+            </a:extLst>
+          </p:cNvPr>
+          <p:cNvSpPr/>
+          <p:nvPr/>
+        </p:nvSpPr>
+        <p:spPr>
+          <a:xfrm>
+            <a:off x="6708536" y="2430469"/>
+            <a:ext cx="1559164" cy="214543"/>
+          </a:xfrm>
+          <a:prstGeom prst="uturnArrow">
+            <a:avLst>
+              <a:gd name="adj1" fmla="val 12097"/>
+              <a:gd name="adj2" fmla="val 25000"/>
+              <a:gd name="adj3" fmla="val 25000"/>
+              <a:gd name="adj4" fmla="val 8266"/>
+              <a:gd name="adj5" fmla="val 100000"/>
+            </a:avLst>
+          </a:prstGeom>
+          <a:solidFill>
+            <a:srgbClr val="00B050"/>
+          </a:solidFill>
+          <a:ln>
+            <a:solidFill>
+              <a:srgbClr val="00B050"/>
+            </a:solidFill>
+          </a:ln>
+        </p:spPr>
+        <p:style>
+          <a:lnRef idx="2">
+            <a:schemeClr val="accent1">
+              <a:shade val="50000"/>
+            </a:schemeClr>
+          </a:lnRef>
+          <a:fillRef idx="1">
+            <a:schemeClr val="accent1"/>
+          </a:fillRef>
+          <a:effectRef idx="0">
+            <a:schemeClr val="accent1"/>
+          </a:effectRef>
+          <a:fontRef idx="minor">
+            <a:schemeClr val="lt1"/>
+          </a:fontRef>
+        </p:style>
+        <p:txBody>
+          <a:bodyPr rtlCol="0" anchor="ctr"/>
+          <a:lstStyle/>
+          <a:p>
+            <a:pPr algn="ctr"/>
+            <a:endParaRPr lang="de-DE">
+              <a:solidFill>
+                <a:schemeClr val="tx1"/>
+              </a:solidFill>
+            </a:endParaRPr>
+          </a:p>
+        </p:txBody>
+      </p:sp>
+      <p:sp>
+        <p:nvSpPr>
+          <p:cNvPr id="17" name="Pfeil: 180-Grad 16">
+            <a:extLst>
+              <a:ext uri="{FF2B5EF4-FFF2-40B4-BE49-F238E27FC236}">
+                <a16:creationId xmlns:a16="http://schemas.microsoft.com/office/drawing/2014/main" id="{B729F007-B142-4C3F-B012-74840B952C50}"/>
+              </a:ext>
+            </a:extLst>
+          </p:cNvPr>
+          <p:cNvSpPr/>
+          <p:nvPr/>
+        </p:nvSpPr>
+        <p:spPr>
+          <a:xfrm>
+            <a:off x="2350135" y="2467861"/>
+            <a:ext cx="1584828" cy="189426"/>
+          </a:xfrm>
+          <a:prstGeom prst="uturnArrow">
+            <a:avLst>
+              <a:gd name="adj1" fmla="val 12097"/>
+              <a:gd name="adj2" fmla="val 25000"/>
+              <a:gd name="adj3" fmla="val 25000"/>
+              <a:gd name="adj4" fmla="val 8266"/>
+              <a:gd name="adj5" fmla="val 100000"/>
+            </a:avLst>
+          </a:prstGeom>
+          <a:solidFill>
+            <a:srgbClr val="00B050"/>
+          </a:solidFill>
+          <a:ln>
+            <a:solidFill>
+              <a:srgbClr val="00B050"/>
+            </a:solidFill>
+          </a:ln>
+        </p:spPr>
+        <p:style>
+          <a:lnRef idx="2">
+            <a:schemeClr val="accent1">
+              <a:shade val="50000"/>
+            </a:schemeClr>
+          </a:lnRef>
+          <a:fillRef idx="1">
+            <a:schemeClr val="accent1"/>
+          </a:fillRef>
+          <a:effectRef idx="0">
+            <a:schemeClr val="accent1"/>
+          </a:effectRef>
+          <a:fontRef idx="minor">
+            <a:schemeClr val="lt1"/>
+          </a:fontRef>
+        </p:style>
+        <p:txBody>
+          <a:bodyPr rtlCol="0" anchor="ctr"/>
+          <a:lstStyle/>
+          <a:p>
+            <a:pPr algn="ctr"/>
+            <a:endParaRPr lang="de-DE">
+              <a:solidFill>
+                <a:schemeClr val="tx1"/>
+              </a:solidFill>
+            </a:endParaRPr>
+          </a:p>
+        </p:txBody>
+      </p:sp>
+      <p:sp>
+        <p:nvSpPr>
+          <p:cNvPr id="25" name="Pfeil: 180-Grad 24">
+            <a:extLst>
+              <a:ext uri="{FF2B5EF4-FFF2-40B4-BE49-F238E27FC236}">
+                <a16:creationId xmlns:a16="http://schemas.microsoft.com/office/drawing/2014/main" id="{0E57BA61-9221-4CCB-AB16-FD216603A790}"/>
+              </a:ext>
+            </a:extLst>
+          </p:cNvPr>
+          <p:cNvSpPr/>
+          <p:nvPr/>
+        </p:nvSpPr>
+        <p:spPr>
+          <a:xfrm flipH="1">
+            <a:off x="853748" y="2288419"/>
+            <a:ext cx="8984608" cy="356594"/>
+          </a:xfrm>
+          <a:prstGeom prst="uturnArrow">
+            <a:avLst>
+              <a:gd name="adj1" fmla="val 262"/>
+              <a:gd name="adj2" fmla="val 4296"/>
+              <a:gd name="adj3" fmla="val 8708"/>
+              <a:gd name="adj4" fmla="val 23807"/>
+              <a:gd name="adj5" fmla="val 96588"/>
+            </a:avLst>
+          </a:prstGeom>
+          <a:ln>
+            <a:prstDash val="dashDot"/>
+          </a:ln>
+        </p:spPr>
+        <p:style>
+          <a:lnRef idx="2">
+            <a:schemeClr val="dk1">
+              <a:shade val="50000"/>
+            </a:schemeClr>
+          </a:lnRef>
+          <a:fillRef idx="1">
+            <a:schemeClr val="dk1"/>
+          </a:fillRef>
+          <a:effectRef idx="0">
+            <a:schemeClr val="dk1"/>
+          </a:effectRef>
+          <a:fontRef idx="minor">
+            <a:schemeClr val="lt1"/>
+          </a:fontRef>
+        </p:style>
+        <p:txBody>
+          <a:bodyPr rtlCol="0" anchor="ctr"/>
+          <a:lstStyle/>
+          <a:p>
+            <a:pPr algn="ctr"/>
+            <a:endParaRPr lang="de-DE" dirty="0">
+              <a:solidFill>
+                <a:schemeClr val="tx1"/>
+              </a:solidFill>
+            </a:endParaRPr>
+          </a:p>
+        </p:txBody>
+      </p:sp>
+      <p:sp>
+        <p:nvSpPr>
+          <p:cNvPr id="28" name="Textfeld 27">
+            <a:extLst>
+              <a:ext uri="{FF2B5EF4-FFF2-40B4-BE49-F238E27FC236}">
+                <a16:creationId xmlns:a16="http://schemas.microsoft.com/office/drawing/2014/main" id="{F44BE46B-4325-4718-A71F-260B330DBCCC}"/>
+              </a:ext>
+            </a:extLst>
+          </p:cNvPr>
+          <p:cNvSpPr txBox="1"/>
+          <p:nvPr/>
+        </p:nvSpPr>
+        <p:spPr>
+          <a:xfrm>
+            <a:off x="4674635" y="1424298"/>
+            <a:ext cx="1184728" cy="400110"/>
+          </a:xfrm>
+          <a:prstGeom prst="rect">
+            <a:avLst/>
+          </a:prstGeom>
+        </p:spPr>
+        <p:style>
+          <a:lnRef idx="2">
+            <a:schemeClr val="dk1"/>
+          </a:lnRef>
+          <a:fillRef idx="1">
+            <a:schemeClr val="lt1"/>
+          </a:fillRef>
+          <a:effectRef idx="0">
+            <a:schemeClr val="dk1"/>
+          </a:effectRef>
+          <a:fontRef idx="minor">
+            <a:schemeClr val="dk1"/>
+          </a:fontRef>
+        </p:style>
+        <p:txBody>
+          <a:bodyPr wrap="square" rtlCol="0">
+            <a:spAutoFit/>
+          </a:bodyPr>
+          <a:lstStyle/>
+          <a:p>
+            <a:r>
+              <a:rPr lang="de-DE" sz="2000" b="1" dirty="0">
+                <a:latin typeface="Arial" panose="020B0604020202020204" pitchFamily="34" charset="0"/>
+                <a:cs typeface="Arial" panose="020B0604020202020204" pitchFamily="34" charset="0"/>
+              </a:rPr>
+              <a:t>DevOps</a:t>
+            </a:r>
+          </a:p>
+        </p:txBody>
+      </p:sp>
+      <p:sp>
+        <p:nvSpPr>
+          <p:cNvPr id="35" name="Pfeil: 180-Grad 34">
+            <a:extLst>
+              <a:ext uri="{FF2B5EF4-FFF2-40B4-BE49-F238E27FC236}">
+                <a16:creationId xmlns:a16="http://schemas.microsoft.com/office/drawing/2014/main" id="{FE00076C-9551-4409-9655-17A337880288}"/>
+              </a:ext>
+            </a:extLst>
+          </p:cNvPr>
+          <p:cNvSpPr/>
+          <p:nvPr/>
+        </p:nvSpPr>
+        <p:spPr>
+          <a:xfrm flipV="1">
+            <a:off x="853752" y="3579834"/>
+            <a:ext cx="8984606" cy="333408"/>
+          </a:xfrm>
+          <a:prstGeom prst="uturnArrow">
+            <a:avLst>
+              <a:gd name="adj1" fmla="val 262"/>
+              <a:gd name="adj2" fmla="val 4296"/>
+              <a:gd name="adj3" fmla="val 8708"/>
+              <a:gd name="adj4" fmla="val 23807"/>
+              <a:gd name="adj5" fmla="val 96588"/>
+            </a:avLst>
+          </a:prstGeom>
+          <a:ln>
+            <a:prstDash val="dashDot"/>
+          </a:ln>
+        </p:spPr>
+        <p:style>
+          <a:lnRef idx="2">
+            <a:schemeClr val="dk1">
+              <a:shade val="50000"/>
+            </a:schemeClr>
+          </a:lnRef>
+          <a:fillRef idx="1">
+            <a:schemeClr val="dk1"/>
+          </a:fillRef>
+          <a:effectRef idx="0">
+            <a:schemeClr val="dk1"/>
+          </a:effectRef>
+          <a:fontRef idx="minor">
+            <a:schemeClr val="lt1"/>
+          </a:fontRef>
+        </p:style>
+        <p:txBody>
+          <a:bodyPr rtlCol="0" anchor="ctr"/>
+          <a:lstStyle/>
+          <a:p>
+            <a:pPr algn="ctr"/>
+            <a:endParaRPr lang="de-DE" dirty="0">
+              <a:solidFill>
+                <a:schemeClr val="tx1"/>
+              </a:solidFill>
+            </a:endParaRPr>
+          </a:p>
+        </p:txBody>
+      </p:sp>
+      <p:sp>
+        <p:nvSpPr>
+          <p:cNvPr id="37" name="AutoShape 4" descr="Sarger Architekten München | Home">
+            <a:extLst>
+              <a:ext uri="{FF2B5EF4-FFF2-40B4-BE49-F238E27FC236}">
+                <a16:creationId xmlns:a16="http://schemas.microsoft.com/office/drawing/2014/main" id="{B80852DE-0135-46D0-9007-405C96B03D8F}"/>
+              </a:ext>
+            </a:extLst>
+          </p:cNvPr>
+          <p:cNvSpPr>
+            <a:spLocks noChangeAspect="1" noChangeArrowheads="1"/>
+          </p:cNvSpPr>
+          <p:nvPr/>
+        </p:nvSpPr>
+        <p:spPr bwMode="auto">
+          <a:xfrm>
+            <a:off x="6096000" y="3429000"/>
+            <a:ext cx="304800" cy="304800"/>
+          </a:xfrm>
+          <a:prstGeom prst="rect">
+            <a:avLst/>
+          </a:prstGeom>
+          <a:noFill/>
+          <a:extLst>
+            <a:ext uri="{909E8E84-426E-40DD-AFC4-6F175D3DCCD1}">
+              <a14:hiddenFill xmlns:a14="http://schemas.microsoft.com/office/drawing/2010/main">
+                <a:solidFill>
+                  <a:srgbClr val="FFFFFF"/>
+                </a:solidFill>
+              </a14:hiddenFill>
+            </a:ext>
+          </a:extLst>
+        </p:spPr>
+        <p:txBody>
+          <a:bodyPr vert="horz" wrap="square" lIns="91440" tIns="45720" rIns="91440" bIns="45720" numCol="1" anchor="t" anchorCtr="0" compatLnSpc="1">
+            <a:prstTxWarp prst="textNoShape">
+              <a:avLst/>
+            </a:prstTxWarp>
+          </a:bodyPr>
+          <a:lstStyle/>
+          <a:p>
+            <a:endParaRPr lang="de-DE"/>
+          </a:p>
+        </p:txBody>
+      </p:sp>
+      <p:pic>
+        <p:nvPicPr>
+          <p:cNvPr id="1036" name="Picture 12" descr="Plan Icon Images, Stock Photos &amp;amp; Vectors | Shutterstock">
+            <a:extLst>
+              <a:ext uri="{FF2B5EF4-FFF2-40B4-BE49-F238E27FC236}">
+                <a16:creationId xmlns:a16="http://schemas.microsoft.com/office/drawing/2014/main" id="{6D461F95-89F2-4C6B-91B8-C7DC5008D300}"/>
+              </a:ext>
+            </a:extLst>
+          </p:cNvPr>
+          <p:cNvPicPr>
+            <a:picLocks noChangeAspect="1" noChangeArrowheads="1"/>
+          </p:cNvPicPr>
+          <p:nvPr/>
+        </p:nvPicPr>
+        <p:blipFill rotWithShape="1">
+          <a:blip r:embed="rId2">
+            <a:extLst>
+              <a:ext uri="{BEBA8EAE-BF5A-486C-A8C5-ECC9F3942E4B}">
+                <a14:imgProps xmlns:a14="http://schemas.microsoft.com/office/drawing/2010/main">
+                  <a14:imgLayer r:embed="rId3">
+                    <a14:imgEffect>
+                      <a14:backgroundRemoval t="10000" b="90000" l="10000" r="90000">
+                        <a14:foregroundMark x1="54615" y1="25714" x2="59231" y2="25714"/>
+                        <a14:foregroundMark x1="71923" y1="31786" x2="73846" y2="77857"/>
+                        <a14:foregroundMark x1="37308" y1="36786" x2="68077" y2="70714"/>
+                        <a14:foregroundMark x1="68077" y1="70714" x2="68077" y2="70714"/>
+                      </a14:backgroundRemoval>
+                    </a14:imgEffect>
+                  </a14:imgLayer>
+                </a14:imgProps>
+              </a:ext>
+              <a:ext uri="{28A0092B-C50C-407E-A947-70E740481C1C}">
+                <a14:useLocalDpi xmlns:a14="http://schemas.microsoft.com/office/drawing/2010/main" val="0"/>
+              </a:ext>
+            </a:extLst>
+          </a:blip>
+          <a:srcRect l="17488" t="5259" r="16047" b="11453"/>
+          <a:stretch/>
+        </p:blipFill>
+        <p:spPr bwMode="auto">
+          <a:xfrm>
+            <a:off x="785322" y="2630253"/>
+            <a:ext cx="518435" cy="699630"/>
+          </a:xfrm>
+          <a:prstGeom prst="rect">
+            <a:avLst/>
+          </a:prstGeom>
+          <a:noFill/>
+          <a:extLst>
+            <a:ext uri="{909E8E84-426E-40DD-AFC4-6F175D3DCCD1}">
+              <a14:hiddenFill xmlns:a14="http://schemas.microsoft.com/office/drawing/2010/main">
+                <a:solidFill>
+                  <a:srgbClr val="FFFFFF"/>
+                </a:solidFill>
+              </a14:hiddenFill>
+            </a:ext>
+          </a:extLst>
+        </p:spPr>
+      </p:pic>
+      <p:pic>
+        <p:nvPicPr>
+          <p:cNvPr id="1040" name="Picture 16" descr="Testen - Kostenlose bildung Icons">
+            <a:extLst>
+              <a:ext uri="{FF2B5EF4-FFF2-40B4-BE49-F238E27FC236}">
+                <a16:creationId xmlns:a16="http://schemas.microsoft.com/office/drawing/2014/main" id="{B81FF73F-BF76-4BBE-92EE-832F56E0D057}"/>
+              </a:ext>
+            </a:extLst>
+          </p:cNvPr>
+          <p:cNvPicPr>
+            <a:picLocks noChangeAspect="1" noChangeArrowheads="1"/>
+          </p:cNvPicPr>
+          <p:nvPr/>
+        </p:nvPicPr>
+        <p:blipFill>
+          <a:blip r:embed="rId4">
+            <a:extLst>
+              <a:ext uri="{28A0092B-C50C-407E-A947-70E740481C1C}">
+                <a14:useLocalDpi xmlns:a14="http://schemas.microsoft.com/office/drawing/2010/main" val="0"/>
+              </a:ext>
+            </a:extLst>
+          </a:blip>
+          <a:srcRect/>
+          <a:stretch>
+            <a:fillRect/>
+          </a:stretch>
+        </p:blipFill>
+        <p:spPr bwMode="auto">
+          <a:xfrm>
+            <a:off x="5049498" y="2748021"/>
+            <a:ext cx="501652" cy="501652"/>
+          </a:xfrm>
+          <a:prstGeom prst="rect">
+            <a:avLst/>
+          </a:prstGeom>
+          <a:noFill/>
+          <a:extLst>
+            <a:ext uri="{909E8E84-426E-40DD-AFC4-6F175D3DCCD1}">
+              <a14:hiddenFill xmlns:a14="http://schemas.microsoft.com/office/drawing/2010/main">
+                <a:solidFill>
+                  <a:srgbClr val="FFFFFF"/>
+                </a:solidFill>
+              </a14:hiddenFill>
+            </a:ext>
+          </a:extLst>
+        </p:spPr>
+      </p:pic>
+      <p:pic>
+        <p:nvPicPr>
+          <p:cNvPr id="1042" name="Picture 18" descr="Product Release Icons - Download Free Vector Icons | Noun Project">
+            <a:extLst>
+              <a:ext uri="{FF2B5EF4-FFF2-40B4-BE49-F238E27FC236}">
+                <a16:creationId xmlns:a16="http://schemas.microsoft.com/office/drawing/2014/main" id="{FF36A738-8259-48C3-BA52-7CC261E0DF8A}"/>
+              </a:ext>
+            </a:extLst>
+          </p:cNvPr>
+          <p:cNvPicPr>
+            <a:picLocks noChangeAspect="1" noChangeArrowheads="1"/>
+          </p:cNvPicPr>
+          <p:nvPr/>
+        </p:nvPicPr>
+        <p:blipFill>
+          <a:blip r:embed="rId5">
+            <a:extLst>
+              <a:ext uri="{28A0092B-C50C-407E-A947-70E740481C1C}">
+                <a14:useLocalDpi xmlns:a14="http://schemas.microsoft.com/office/drawing/2010/main" val="0"/>
+              </a:ext>
+            </a:extLst>
+          </a:blip>
+          <a:srcRect/>
+          <a:stretch>
+            <a:fillRect/>
+          </a:stretch>
+        </p:blipFill>
+        <p:spPr bwMode="auto">
+          <a:xfrm>
+            <a:off x="6444920" y="2748021"/>
+            <a:ext cx="576745" cy="576745"/>
+          </a:xfrm>
+          <a:prstGeom prst="rect">
+            <a:avLst/>
+          </a:prstGeom>
+          <a:noFill/>
+          <a:extLst>
+            <a:ext uri="{909E8E84-426E-40DD-AFC4-6F175D3DCCD1}">
+              <a14:hiddenFill xmlns:a14="http://schemas.microsoft.com/office/drawing/2010/main">
+                <a:solidFill>
+                  <a:srgbClr val="FFFFFF"/>
+                </a:solidFill>
+              </a14:hiddenFill>
+            </a:ext>
+          </a:extLst>
+        </p:spPr>
+      </p:pic>
+      <p:pic>
+        <p:nvPicPr>
+          <p:cNvPr id="1046" name="Picture 22" descr="Operations Icons - 4,857 free vector icons">
+            <a:extLst>
+              <a:ext uri="{FF2B5EF4-FFF2-40B4-BE49-F238E27FC236}">
+                <a16:creationId xmlns:a16="http://schemas.microsoft.com/office/drawing/2014/main" id="{818596BA-86A9-47F6-BE5C-9FD68313E66E}"/>
+              </a:ext>
+            </a:extLst>
+          </p:cNvPr>
+          <p:cNvPicPr>
+            <a:picLocks noChangeAspect="1" noChangeArrowheads="1"/>
+          </p:cNvPicPr>
+          <p:nvPr/>
+        </p:nvPicPr>
+        <p:blipFill>
+          <a:blip r:embed="rId6">
+            <a:extLst>
+              <a:ext uri="{28A0092B-C50C-407E-A947-70E740481C1C}">
+                <a14:useLocalDpi xmlns:a14="http://schemas.microsoft.com/office/drawing/2010/main" val="0"/>
+              </a:ext>
+            </a:extLst>
+          </a:blip>
+          <a:srcRect/>
+          <a:stretch>
+            <a:fillRect/>
+          </a:stretch>
+        </p:blipFill>
+        <p:spPr bwMode="auto">
+          <a:xfrm>
+            <a:off x="9447411" y="2797688"/>
+            <a:ext cx="576745" cy="576745"/>
+          </a:xfrm>
+          <a:prstGeom prst="rect">
+            <a:avLst/>
+          </a:prstGeom>
+          <a:noFill/>
+          <a:extLst>
+            <a:ext uri="{909E8E84-426E-40DD-AFC4-6F175D3DCCD1}">
+              <a14:hiddenFill xmlns:a14="http://schemas.microsoft.com/office/drawing/2010/main">
+                <a:solidFill>
+                  <a:srgbClr val="FFFFFF"/>
+                </a:solidFill>
+              </a14:hiddenFill>
+            </a:ext>
+          </a:extLst>
+        </p:spPr>
+      </p:pic>
+      <p:pic>
+        <p:nvPicPr>
+          <p:cNvPr id="1052" name="Picture 28" descr="Build - Build Icon Png, Transparent Png , Transparent Png Image - PNGitem">
+            <a:extLst>
+              <a:ext uri="{FF2B5EF4-FFF2-40B4-BE49-F238E27FC236}">
+                <a16:creationId xmlns:a16="http://schemas.microsoft.com/office/drawing/2014/main" id="{5BFFE604-D741-482A-911B-D62392B22E71}"/>
+              </a:ext>
+            </a:extLst>
+          </p:cNvPr>
+          <p:cNvPicPr>
+            <a:picLocks noChangeAspect="1" noChangeArrowheads="1"/>
+          </p:cNvPicPr>
+          <p:nvPr/>
+        </p:nvPicPr>
+        <p:blipFill>
+          <a:blip r:embed="rId7">
+            <a:extLst>
+              <a:ext uri="{BEBA8EAE-BF5A-486C-A8C5-ECC9F3942E4B}">
+                <a14:imgProps xmlns:a14="http://schemas.microsoft.com/office/drawing/2010/main">
+                  <a14:imgLayer r:embed="rId8">
+                    <a14:imgEffect>
+                      <a14:backgroundRemoval t="5444" b="89941" l="4651" r="94535">
+                        <a14:foregroundMark x1="23372" y1="47929" x2="23372" y2="51479"/>
+                        <a14:foregroundMark x1="33140" y1="69822" x2="34419" y2="71124"/>
+                        <a14:foregroundMark x1="71395" y1="50888" x2="75930" y2="54911"/>
+                        <a14:foregroundMark x1="94651" y1="85799" x2="91047" y2="88757"/>
+                        <a14:foregroundMark x1="38023" y1="7929" x2="31163" y2="5562"/>
+                        <a14:foregroundMark x1="4651" y1="62840" x2="6047" y2="66864"/>
+                      </a14:backgroundRemoval>
+                    </a14:imgEffect>
+                  </a14:imgLayer>
+                </a14:imgProps>
+              </a:ext>
+              <a:ext uri="{28A0092B-C50C-407E-A947-70E740481C1C}">
+                <a14:useLocalDpi xmlns:a14="http://schemas.microsoft.com/office/drawing/2010/main" val="0"/>
+              </a:ext>
+            </a:extLst>
+          </a:blip>
+          <a:srcRect/>
+          <a:stretch>
+            <a:fillRect/>
+          </a:stretch>
+        </p:blipFill>
+        <p:spPr bwMode="auto">
+          <a:xfrm>
+            <a:off x="3637264" y="2750232"/>
+            <a:ext cx="518436" cy="509357"/>
+          </a:xfrm>
+          <a:prstGeom prst="rect">
+            <a:avLst/>
+          </a:prstGeom>
+          <a:noFill/>
+          <a:extLst>
+            <a:ext uri="{909E8E84-426E-40DD-AFC4-6F175D3DCCD1}">
+              <a14:hiddenFill xmlns:a14="http://schemas.microsoft.com/office/drawing/2010/main">
+                <a:solidFill>
+                  <a:srgbClr val="FFFFFF"/>
+                </a:solidFill>
+              </a14:hiddenFill>
+            </a:ext>
+          </a:extLst>
+        </p:spPr>
+      </p:pic>
+      <p:pic>
+        <p:nvPicPr>
+          <p:cNvPr id="1054" name="Picture 30" descr="Deploy Free Icon of Zwicon">
+            <a:extLst>
+              <a:ext uri="{FF2B5EF4-FFF2-40B4-BE49-F238E27FC236}">
+                <a16:creationId xmlns:a16="http://schemas.microsoft.com/office/drawing/2014/main" id="{E640A051-CD17-45A1-8D96-882AA26AE05C}"/>
+              </a:ext>
+            </a:extLst>
+          </p:cNvPr>
+          <p:cNvPicPr>
+            <a:picLocks noChangeAspect="1" noChangeArrowheads="1"/>
+          </p:cNvPicPr>
+          <p:nvPr/>
+        </p:nvPicPr>
+        <p:blipFill>
+          <a:blip r:embed="rId9">
+            <a:extLst>
+              <a:ext uri="{28A0092B-C50C-407E-A947-70E740481C1C}">
+                <a14:useLocalDpi xmlns:a14="http://schemas.microsoft.com/office/drawing/2010/main" val="0"/>
+              </a:ext>
+            </a:extLst>
+          </a:blip>
+          <a:srcRect/>
+          <a:stretch>
+            <a:fillRect/>
+          </a:stretch>
+        </p:blipFill>
+        <p:spPr bwMode="auto">
+          <a:xfrm>
+            <a:off x="7936986" y="2738258"/>
+            <a:ext cx="638206" cy="638206"/>
+          </a:xfrm>
+          <a:prstGeom prst="rect">
+            <a:avLst/>
+          </a:prstGeom>
+          <a:noFill/>
+          <a:extLst>
+            <a:ext uri="{909E8E84-426E-40DD-AFC4-6F175D3DCCD1}">
+              <a14:hiddenFill xmlns:a14="http://schemas.microsoft.com/office/drawing/2010/main">
+                <a:solidFill>
+                  <a:srgbClr val="FFFFFF"/>
+                </a:solidFill>
+              </a14:hiddenFill>
+            </a:ext>
+          </a:extLst>
+        </p:spPr>
+      </p:pic>
+      <p:pic>
+        <p:nvPicPr>
+          <p:cNvPr id="1058" name="Picture 34" descr="Code Icons im Simple Small-Stil">
+            <a:extLst>
+              <a:ext uri="{FF2B5EF4-FFF2-40B4-BE49-F238E27FC236}">
+                <a16:creationId xmlns:a16="http://schemas.microsoft.com/office/drawing/2014/main" id="{38337B0E-0DFC-4843-B469-F1ABC4003C7C}"/>
+              </a:ext>
+            </a:extLst>
+          </p:cNvPr>
+          <p:cNvPicPr>
+            <a:picLocks noChangeAspect="1" noChangeArrowheads="1"/>
+          </p:cNvPicPr>
+          <p:nvPr/>
+        </p:nvPicPr>
+        <p:blipFill>
+          <a:blip r:embed="rId10">
+            <a:extLst>
+              <a:ext uri="{28A0092B-C50C-407E-A947-70E740481C1C}">
+                <a14:useLocalDpi xmlns:a14="http://schemas.microsoft.com/office/drawing/2010/main" val="0"/>
+              </a:ext>
+            </a:extLst>
+          </a:blip>
+          <a:srcRect/>
+          <a:stretch>
+            <a:fillRect/>
+          </a:stretch>
+        </p:blipFill>
+        <p:spPr bwMode="auto">
+          <a:xfrm>
+            <a:off x="2192203" y="2744782"/>
+            <a:ext cx="551263" cy="551263"/>
+          </a:xfrm>
+          <a:prstGeom prst="rect">
+            <a:avLst/>
+          </a:prstGeom>
+          <a:noFill/>
+          <a:extLst>
+            <a:ext uri="{909E8E84-426E-40DD-AFC4-6F175D3DCCD1}">
+              <a14:hiddenFill xmlns:a14="http://schemas.microsoft.com/office/drawing/2010/main">
+                <a:solidFill>
+                  <a:srgbClr val="FFFFFF"/>
+                </a:solidFill>
+              </a14:hiddenFill>
+            </a:ext>
+          </a:extLst>
+        </p:spPr>
+      </p:pic>
+      <p:sp>
+        <p:nvSpPr>
+          <p:cNvPr id="39" name="Pfeil: nach rechts 38">
+            <a:extLst>
+              <a:ext uri="{FF2B5EF4-FFF2-40B4-BE49-F238E27FC236}">
+                <a16:creationId xmlns:a16="http://schemas.microsoft.com/office/drawing/2014/main" id="{18D9F0D3-A953-4D61-816B-12D03CCEA8F7}"/>
+              </a:ext>
+            </a:extLst>
+          </p:cNvPr>
+          <p:cNvSpPr/>
+          <p:nvPr/>
+        </p:nvSpPr>
+        <p:spPr>
+          <a:xfrm>
+            <a:off x="1511249" y="2909152"/>
+            <a:ext cx="464820" cy="268648"/>
+          </a:xfrm>
+          <a:prstGeom prst="rightArrow">
+            <a:avLst/>
+          </a:prstGeom>
+          <a:solidFill>
+            <a:srgbClr val="000066"/>
+          </a:solidFill>
+          <a:ln>
+            <a:solidFill>
+              <a:srgbClr val="000066"/>
+            </a:solidFill>
+          </a:ln>
+        </p:spPr>
+        <p:style>
+          <a:lnRef idx="2">
+            <a:schemeClr val="accent1">
+              <a:shade val="50000"/>
+            </a:schemeClr>
+          </a:lnRef>
+          <a:fillRef idx="1">
+            <a:schemeClr val="accent1"/>
+          </a:fillRef>
+          <a:effectRef idx="0">
+            <a:schemeClr val="accent1"/>
+          </a:effectRef>
+          <a:fontRef idx="minor">
+            <a:schemeClr val="lt1"/>
+          </a:fontRef>
+        </p:style>
+        <p:txBody>
+          <a:bodyPr rtlCol="0" anchor="ctr"/>
+          <a:lstStyle/>
+          <a:p>
+            <a:pPr algn="ctr"/>
+            <a:endParaRPr lang="de-DE"/>
+          </a:p>
+        </p:txBody>
+      </p:sp>
+      <p:sp>
+        <p:nvSpPr>
+          <p:cNvPr id="62" name="Pfeil: nach rechts 61">
+            <a:extLst>
+              <a:ext uri="{FF2B5EF4-FFF2-40B4-BE49-F238E27FC236}">
+                <a16:creationId xmlns:a16="http://schemas.microsoft.com/office/drawing/2014/main" id="{9361D078-2385-4664-9932-AD1CB12599B5}"/>
+              </a:ext>
+            </a:extLst>
+          </p:cNvPr>
+          <p:cNvSpPr/>
+          <p:nvPr/>
+        </p:nvSpPr>
+        <p:spPr>
+          <a:xfrm>
+            <a:off x="2957941" y="2909152"/>
+            <a:ext cx="464820" cy="268648"/>
+          </a:xfrm>
+          <a:prstGeom prst="rightArrow">
+            <a:avLst/>
+          </a:prstGeom>
+          <a:solidFill>
+            <a:srgbClr val="000066"/>
+          </a:solidFill>
+          <a:ln>
+            <a:solidFill>
+              <a:srgbClr val="000066"/>
+            </a:solidFill>
+          </a:ln>
+        </p:spPr>
+        <p:style>
+          <a:lnRef idx="2">
+            <a:schemeClr val="accent1">
+              <a:shade val="50000"/>
+            </a:schemeClr>
+          </a:lnRef>
+          <a:fillRef idx="1">
+            <a:schemeClr val="accent1"/>
+          </a:fillRef>
+          <a:effectRef idx="0">
+            <a:schemeClr val="accent1"/>
+          </a:effectRef>
+          <a:fontRef idx="minor">
+            <a:schemeClr val="lt1"/>
+          </a:fontRef>
+        </p:style>
+        <p:txBody>
+          <a:bodyPr rtlCol="0" anchor="ctr"/>
+          <a:lstStyle/>
+          <a:p>
+            <a:pPr algn="ctr"/>
+            <a:endParaRPr lang="de-DE"/>
+          </a:p>
+        </p:txBody>
+      </p:sp>
+      <p:sp>
+        <p:nvSpPr>
+          <p:cNvPr id="63" name="Pfeil: nach rechts 62">
+            <a:extLst>
+              <a:ext uri="{FF2B5EF4-FFF2-40B4-BE49-F238E27FC236}">
+                <a16:creationId xmlns:a16="http://schemas.microsoft.com/office/drawing/2014/main" id="{E42864E0-D73F-4388-93E8-9EE5A307CB50}"/>
+              </a:ext>
+            </a:extLst>
+          </p:cNvPr>
+          <p:cNvSpPr/>
+          <p:nvPr/>
+        </p:nvSpPr>
+        <p:spPr>
+          <a:xfrm>
+            <a:off x="4377186" y="2900545"/>
+            <a:ext cx="464820" cy="268648"/>
+          </a:xfrm>
+          <a:prstGeom prst="rightArrow">
+            <a:avLst/>
+          </a:prstGeom>
+          <a:solidFill>
+            <a:srgbClr val="000066"/>
+          </a:solidFill>
+          <a:ln>
+            <a:solidFill>
+              <a:srgbClr val="000066"/>
+            </a:solidFill>
+          </a:ln>
+        </p:spPr>
+        <p:style>
+          <a:lnRef idx="2">
+            <a:schemeClr val="accent1">
+              <a:shade val="50000"/>
+            </a:schemeClr>
+          </a:lnRef>
+          <a:fillRef idx="1">
+            <a:schemeClr val="accent1"/>
+          </a:fillRef>
+          <a:effectRef idx="0">
+            <a:schemeClr val="accent1"/>
+          </a:effectRef>
+          <a:fontRef idx="minor">
+            <a:schemeClr val="lt1"/>
+          </a:fontRef>
+        </p:style>
+        <p:txBody>
+          <a:bodyPr rtlCol="0" anchor="ctr"/>
+          <a:lstStyle/>
+          <a:p>
+            <a:pPr algn="ctr"/>
+            <a:endParaRPr lang="de-DE"/>
+          </a:p>
+        </p:txBody>
+      </p:sp>
+      <p:sp>
+        <p:nvSpPr>
+          <p:cNvPr id="64" name="Pfeil: nach rechts 63">
+            <a:extLst>
+              <a:ext uri="{FF2B5EF4-FFF2-40B4-BE49-F238E27FC236}">
+                <a16:creationId xmlns:a16="http://schemas.microsoft.com/office/drawing/2014/main" id="{F8659055-E567-4CE7-84E6-3BF848A3564F}"/>
+              </a:ext>
+            </a:extLst>
+          </p:cNvPr>
+          <p:cNvSpPr/>
+          <p:nvPr/>
+        </p:nvSpPr>
+        <p:spPr>
+          <a:xfrm>
+            <a:off x="5758642" y="2892674"/>
+            <a:ext cx="464820" cy="268648"/>
+          </a:xfrm>
+          <a:prstGeom prst="rightArrow">
+            <a:avLst/>
+          </a:prstGeom>
+          <a:solidFill>
+            <a:srgbClr val="000066"/>
+          </a:solidFill>
+          <a:ln>
+            <a:solidFill>
+              <a:srgbClr val="000066"/>
+            </a:solidFill>
+          </a:ln>
+        </p:spPr>
+        <p:style>
+          <a:lnRef idx="2">
+            <a:schemeClr val="accent1">
+              <a:shade val="50000"/>
+            </a:schemeClr>
+          </a:lnRef>
+          <a:fillRef idx="1">
+            <a:schemeClr val="accent1"/>
+          </a:fillRef>
+          <a:effectRef idx="0">
+            <a:schemeClr val="accent1"/>
+          </a:effectRef>
+          <a:fontRef idx="minor">
+            <a:schemeClr val="lt1"/>
+          </a:fontRef>
+        </p:style>
+        <p:txBody>
+          <a:bodyPr rtlCol="0" anchor="ctr"/>
+          <a:lstStyle/>
+          <a:p>
+            <a:pPr algn="ctr"/>
+            <a:endParaRPr lang="de-DE"/>
+          </a:p>
+        </p:txBody>
+      </p:sp>
+      <p:sp>
+        <p:nvSpPr>
+          <p:cNvPr id="65" name="Pfeil: nach rechts 64">
+            <a:extLst>
+              <a:ext uri="{FF2B5EF4-FFF2-40B4-BE49-F238E27FC236}">
+                <a16:creationId xmlns:a16="http://schemas.microsoft.com/office/drawing/2014/main" id="{26FB23D8-0E36-4683-B342-031C588F9195}"/>
+              </a:ext>
+            </a:extLst>
+          </p:cNvPr>
+          <p:cNvSpPr/>
+          <p:nvPr/>
+        </p:nvSpPr>
+        <p:spPr>
+          <a:xfrm>
+            <a:off x="7243123" y="2909152"/>
+            <a:ext cx="464820" cy="268648"/>
+          </a:xfrm>
+          <a:prstGeom prst="rightArrow">
+            <a:avLst/>
+          </a:prstGeom>
+          <a:solidFill>
+            <a:srgbClr val="000066"/>
+          </a:solidFill>
+          <a:ln>
+            <a:solidFill>
+              <a:srgbClr val="000066"/>
+            </a:solidFill>
+          </a:ln>
+        </p:spPr>
+        <p:style>
+          <a:lnRef idx="2">
+            <a:schemeClr val="accent1">
+              <a:shade val="50000"/>
+            </a:schemeClr>
+          </a:lnRef>
+          <a:fillRef idx="1">
+            <a:schemeClr val="accent1"/>
+          </a:fillRef>
+          <a:effectRef idx="0">
+            <a:schemeClr val="accent1"/>
+          </a:effectRef>
+          <a:fontRef idx="minor">
+            <a:schemeClr val="lt1"/>
+          </a:fontRef>
+        </p:style>
+        <p:txBody>
+          <a:bodyPr rtlCol="0" anchor="ctr"/>
+          <a:lstStyle/>
+          <a:p>
+            <a:pPr algn="ctr"/>
+            <a:endParaRPr lang="de-DE"/>
+          </a:p>
+        </p:txBody>
+      </p:sp>
+      <p:sp>
+        <p:nvSpPr>
+          <p:cNvPr id="66" name="Pfeil: nach rechts 65">
+            <a:extLst>
+              <a:ext uri="{FF2B5EF4-FFF2-40B4-BE49-F238E27FC236}">
+                <a16:creationId xmlns:a16="http://schemas.microsoft.com/office/drawing/2014/main" id="{97F7C617-7E09-4690-A818-57A34348EC6B}"/>
+              </a:ext>
+            </a:extLst>
+          </p:cNvPr>
+          <p:cNvSpPr/>
+          <p:nvPr/>
+        </p:nvSpPr>
+        <p:spPr>
+          <a:xfrm>
+            <a:off x="8760669" y="2900545"/>
+            <a:ext cx="464820" cy="268648"/>
+          </a:xfrm>
+          <a:prstGeom prst="rightArrow">
+            <a:avLst/>
+          </a:prstGeom>
+          <a:solidFill>
+            <a:srgbClr val="000066"/>
+          </a:solidFill>
+          <a:ln>
+            <a:solidFill>
+              <a:srgbClr val="000066"/>
+            </a:solidFill>
+          </a:ln>
+        </p:spPr>
+        <p:style>
+          <a:lnRef idx="2">
+            <a:schemeClr val="accent1">
+              <a:shade val="50000"/>
+            </a:schemeClr>
+          </a:lnRef>
+          <a:fillRef idx="1">
+            <a:schemeClr val="accent1"/>
+          </a:fillRef>
+          <a:effectRef idx="0">
+            <a:schemeClr val="accent1"/>
+          </a:effectRef>
+          <a:fontRef idx="minor">
+            <a:schemeClr val="lt1"/>
+          </a:fontRef>
+        </p:style>
+        <p:txBody>
+          <a:bodyPr rtlCol="0" anchor="ctr"/>
+          <a:lstStyle/>
+          <a:p>
+            <a:pPr algn="ctr"/>
+            <a:endParaRPr lang="de-DE"/>
+          </a:p>
+        </p:txBody>
+      </p:sp>
+      <p:sp>
+        <p:nvSpPr>
+          <p:cNvPr id="40" name="Textfeld 39">
+            <a:extLst>
+              <a:ext uri="{FF2B5EF4-FFF2-40B4-BE49-F238E27FC236}">
+                <a16:creationId xmlns:a16="http://schemas.microsoft.com/office/drawing/2014/main" id="{A5678F91-E131-44CF-BD3D-D6502A54DDA5}"/>
+              </a:ext>
+            </a:extLst>
+          </p:cNvPr>
+          <p:cNvSpPr txBox="1"/>
+          <p:nvPr/>
+        </p:nvSpPr>
+        <p:spPr>
+          <a:xfrm>
+            <a:off x="779110" y="3275087"/>
+            <a:ext cx="518436" cy="261610"/>
+          </a:xfrm>
+          <a:prstGeom prst="rect">
+            <a:avLst/>
+          </a:prstGeom>
+          <a:noFill/>
+        </p:spPr>
+        <p:txBody>
+          <a:bodyPr wrap="square" rtlCol="0">
+            <a:spAutoFit/>
+          </a:bodyPr>
+          <a:lstStyle/>
+          <a:p>
+            <a:pPr algn="ctr"/>
+            <a:r>
+              <a:rPr lang="de-DE" sz="1050" dirty="0">
+                <a:latin typeface="Arial" panose="020B0604020202020204" pitchFamily="34" charset="0"/>
+                <a:cs typeface="Arial" panose="020B0604020202020204" pitchFamily="34" charset="0"/>
+              </a:rPr>
+              <a:t>Plan</a:t>
+            </a:r>
+          </a:p>
+        </p:txBody>
+      </p:sp>
+      <p:sp>
+        <p:nvSpPr>
+          <p:cNvPr id="68" name="Textfeld 67">
+            <a:extLst>
+              <a:ext uri="{FF2B5EF4-FFF2-40B4-BE49-F238E27FC236}">
+                <a16:creationId xmlns:a16="http://schemas.microsoft.com/office/drawing/2014/main" id="{6E03CA73-D237-48CF-B937-0497D1D38382}"/>
+              </a:ext>
+            </a:extLst>
+          </p:cNvPr>
+          <p:cNvSpPr txBox="1"/>
+          <p:nvPr/>
+        </p:nvSpPr>
+        <p:spPr>
+          <a:xfrm>
+            <a:off x="2196579" y="3275087"/>
+            <a:ext cx="518436" cy="261610"/>
+          </a:xfrm>
+          <a:prstGeom prst="rect">
+            <a:avLst/>
+          </a:prstGeom>
+          <a:noFill/>
+        </p:spPr>
+        <p:txBody>
+          <a:bodyPr wrap="square" rtlCol="0">
+            <a:spAutoFit/>
+          </a:bodyPr>
+          <a:lstStyle/>
+          <a:p>
+            <a:pPr algn="ctr"/>
+            <a:r>
+              <a:rPr lang="de-DE" sz="1050" dirty="0">
+                <a:latin typeface="Arial" panose="020B0604020202020204" pitchFamily="34" charset="0"/>
+                <a:cs typeface="Arial" panose="020B0604020202020204" pitchFamily="34" charset="0"/>
+              </a:rPr>
+              <a:t>Code</a:t>
+            </a:r>
+          </a:p>
+        </p:txBody>
+      </p:sp>
+      <p:sp>
+        <p:nvSpPr>
+          <p:cNvPr id="69" name="Textfeld 68">
+            <a:extLst>
+              <a:ext uri="{FF2B5EF4-FFF2-40B4-BE49-F238E27FC236}">
+                <a16:creationId xmlns:a16="http://schemas.microsoft.com/office/drawing/2014/main" id="{B82261CE-8C35-46C5-9B21-82EB2302BB03}"/>
+              </a:ext>
+            </a:extLst>
+          </p:cNvPr>
+          <p:cNvSpPr txBox="1"/>
+          <p:nvPr/>
+        </p:nvSpPr>
+        <p:spPr>
+          <a:xfrm>
+            <a:off x="3607837" y="3237742"/>
+            <a:ext cx="518436" cy="261610"/>
+          </a:xfrm>
+          <a:prstGeom prst="rect">
+            <a:avLst/>
+          </a:prstGeom>
+          <a:noFill/>
+        </p:spPr>
+        <p:txBody>
+          <a:bodyPr wrap="square" rtlCol="0">
+            <a:spAutoFit/>
+          </a:bodyPr>
+          <a:lstStyle/>
+          <a:p>
+            <a:pPr algn="ctr"/>
+            <a:r>
+              <a:rPr lang="de-DE" sz="1050" dirty="0">
+                <a:latin typeface="Arial" panose="020B0604020202020204" pitchFamily="34" charset="0"/>
+                <a:cs typeface="Arial" panose="020B0604020202020204" pitchFamily="34" charset="0"/>
+              </a:rPr>
+              <a:t>Build</a:t>
+            </a:r>
+          </a:p>
+        </p:txBody>
+      </p:sp>
+      <p:sp>
+        <p:nvSpPr>
+          <p:cNvPr id="70" name="Textfeld 69">
+            <a:extLst>
+              <a:ext uri="{FF2B5EF4-FFF2-40B4-BE49-F238E27FC236}">
+                <a16:creationId xmlns:a16="http://schemas.microsoft.com/office/drawing/2014/main" id="{4D736DA7-B782-4E2C-9EA7-FD92354206AE}"/>
+              </a:ext>
+            </a:extLst>
+          </p:cNvPr>
+          <p:cNvSpPr txBox="1"/>
+          <p:nvPr/>
+        </p:nvSpPr>
+        <p:spPr>
+          <a:xfrm>
+            <a:off x="5004235" y="3257827"/>
+            <a:ext cx="518436" cy="261610"/>
+          </a:xfrm>
+          <a:prstGeom prst="rect">
+            <a:avLst/>
+          </a:prstGeom>
+          <a:noFill/>
+        </p:spPr>
+        <p:txBody>
+          <a:bodyPr wrap="square" rtlCol="0">
+            <a:spAutoFit/>
+          </a:bodyPr>
+          <a:lstStyle/>
+          <a:p>
+            <a:pPr algn="ctr"/>
+            <a:r>
+              <a:rPr lang="de-DE" sz="1050" dirty="0">
+                <a:latin typeface="Arial" panose="020B0604020202020204" pitchFamily="34" charset="0"/>
+                <a:cs typeface="Arial" panose="020B0604020202020204" pitchFamily="34" charset="0"/>
+              </a:rPr>
+              <a:t>Test</a:t>
+            </a:r>
+          </a:p>
+        </p:txBody>
+      </p:sp>
+      <p:sp>
+        <p:nvSpPr>
+          <p:cNvPr id="71" name="Textfeld 70">
+            <a:extLst>
+              <a:ext uri="{FF2B5EF4-FFF2-40B4-BE49-F238E27FC236}">
+                <a16:creationId xmlns:a16="http://schemas.microsoft.com/office/drawing/2014/main" id="{C373EE46-ACDF-48C4-B21D-80B734E7F977}"/>
+              </a:ext>
+            </a:extLst>
+          </p:cNvPr>
+          <p:cNvSpPr txBox="1"/>
+          <p:nvPr/>
+        </p:nvSpPr>
+        <p:spPr>
+          <a:xfrm>
+            <a:off x="6360479" y="3321265"/>
+            <a:ext cx="696116" cy="253916"/>
+          </a:xfrm>
+          <a:prstGeom prst="rect">
+            <a:avLst/>
+          </a:prstGeom>
+          <a:noFill/>
+        </p:spPr>
+        <p:txBody>
+          <a:bodyPr wrap="square" rtlCol="0">
+            <a:spAutoFit/>
+          </a:bodyPr>
+          <a:lstStyle/>
+          <a:p>
+            <a:pPr algn="ctr"/>
+            <a:r>
+              <a:rPr lang="de-DE" sz="1050" dirty="0">
+                <a:latin typeface="Arial" panose="020B0604020202020204" pitchFamily="34" charset="0"/>
+                <a:cs typeface="Arial" panose="020B0604020202020204" pitchFamily="34" charset="0"/>
+              </a:rPr>
+              <a:t>Release</a:t>
+            </a:r>
+          </a:p>
+        </p:txBody>
+      </p:sp>
+      <p:sp>
+        <p:nvSpPr>
+          <p:cNvPr id="72" name="Textfeld 71">
+            <a:extLst>
+              <a:ext uri="{FF2B5EF4-FFF2-40B4-BE49-F238E27FC236}">
+                <a16:creationId xmlns:a16="http://schemas.microsoft.com/office/drawing/2014/main" id="{EE7CE7B0-1C1D-4C3D-99FF-6D395C1F3F61}"/>
+              </a:ext>
+            </a:extLst>
+          </p:cNvPr>
+          <p:cNvSpPr txBox="1"/>
+          <p:nvPr/>
+        </p:nvSpPr>
+        <p:spPr>
+          <a:xfrm>
+            <a:off x="7862142" y="3328904"/>
+            <a:ext cx="696116" cy="253916"/>
+          </a:xfrm>
+          <a:prstGeom prst="rect">
+            <a:avLst/>
+          </a:prstGeom>
+          <a:noFill/>
+        </p:spPr>
+        <p:txBody>
+          <a:bodyPr wrap="square" rtlCol="0">
+            <a:spAutoFit/>
+          </a:bodyPr>
+          <a:lstStyle/>
+          <a:p>
+            <a:pPr algn="ctr"/>
+            <a:r>
+              <a:rPr lang="de-DE" sz="1050" dirty="0">
+                <a:latin typeface="Arial" panose="020B0604020202020204" pitchFamily="34" charset="0"/>
+                <a:cs typeface="Arial" panose="020B0604020202020204" pitchFamily="34" charset="0"/>
+              </a:rPr>
+              <a:t>Deploy</a:t>
+            </a:r>
+          </a:p>
+        </p:txBody>
+      </p:sp>
+      <p:sp>
+        <p:nvSpPr>
+          <p:cNvPr id="73" name="Textfeld 72">
+            <a:extLst>
+              <a:ext uri="{FF2B5EF4-FFF2-40B4-BE49-F238E27FC236}">
+                <a16:creationId xmlns:a16="http://schemas.microsoft.com/office/drawing/2014/main" id="{17DE82B9-3E0E-480A-8DDF-132CB4502F08}"/>
+              </a:ext>
+            </a:extLst>
+          </p:cNvPr>
+          <p:cNvSpPr txBox="1"/>
+          <p:nvPr/>
+        </p:nvSpPr>
+        <p:spPr>
+          <a:xfrm>
+            <a:off x="9412481" y="3374433"/>
+            <a:ext cx="696116" cy="253916"/>
+          </a:xfrm>
+          <a:prstGeom prst="rect">
+            <a:avLst/>
+          </a:prstGeom>
+          <a:noFill/>
+        </p:spPr>
+        <p:txBody>
+          <a:bodyPr wrap="square" rtlCol="0">
+            <a:spAutoFit/>
+          </a:bodyPr>
+          <a:lstStyle/>
+          <a:p>
+            <a:pPr algn="ctr"/>
+            <a:r>
+              <a:rPr lang="de-DE" sz="1050" dirty="0">
+                <a:latin typeface="Arial" panose="020B0604020202020204" pitchFamily="34" charset="0"/>
+                <a:cs typeface="Arial" panose="020B0604020202020204" pitchFamily="34" charset="0"/>
+              </a:rPr>
+              <a:t>Operate</a:t>
+            </a:r>
+          </a:p>
+        </p:txBody>
+      </p:sp>
+      <p:cxnSp>
+        <p:nvCxnSpPr>
+          <p:cNvPr id="76" name="Gerade Verbindung mit Pfeil 75">
+            <a:extLst>
+              <a:ext uri="{FF2B5EF4-FFF2-40B4-BE49-F238E27FC236}">
+                <a16:creationId xmlns:a16="http://schemas.microsoft.com/office/drawing/2014/main" id="{315A15C8-F237-4072-BFC4-0A357FD3AA35}"/>
+              </a:ext>
+            </a:extLst>
+          </p:cNvPr>
+          <p:cNvCxnSpPr>
+            <a:cxnSpLocks/>
+          </p:cNvCxnSpPr>
+          <p:nvPr/>
+        </p:nvCxnSpPr>
+        <p:spPr>
+          <a:xfrm>
+            <a:off x="723233" y="2016262"/>
+            <a:ext cx="5175347" cy="0"/>
+          </a:xfrm>
+          <a:prstGeom prst="straightConnector1">
+            <a:avLst/>
+          </a:prstGeom>
+          <a:ln w="19050" cap="flat" cmpd="sng" algn="ctr">
+            <a:solidFill>
+              <a:schemeClr val="dk1"/>
+            </a:solidFill>
+            <a:prstDash val="sysDot"/>
+            <a:round/>
+            <a:headEnd type="arrow" w="med" len="med"/>
+            <a:tailEnd type="arrow" w="med" len="med"/>
+          </a:ln>
+        </p:spPr>
+        <p:style>
+          <a:lnRef idx="0">
+            <a:scrgbClr r="0" g="0" b="0"/>
+          </a:lnRef>
+          <a:fillRef idx="0">
+            <a:scrgbClr r="0" g="0" b="0"/>
+          </a:fillRef>
+          <a:effectRef idx="0">
+            <a:scrgbClr r="0" g="0" b="0"/>
+          </a:effectRef>
+          <a:fontRef idx="minor">
+            <a:schemeClr val="tx1"/>
+          </a:fontRef>
+        </p:style>
+      </p:cxnSp>
+      <p:cxnSp>
+        <p:nvCxnSpPr>
+          <p:cNvPr id="79" name="Gerade Verbindung mit Pfeil 78">
+            <a:extLst>
+              <a:ext uri="{FF2B5EF4-FFF2-40B4-BE49-F238E27FC236}">
+                <a16:creationId xmlns:a16="http://schemas.microsoft.com/office/drawing/2014/main" id="{62CD8902-0511-4FAF-9F79-B232A4A456A0}"/>
+              </a:ext>
+            </a:extLst>
+          </p:cNvPr>
+          <p:cNvCxnSpPr>
+            <a:cxnSpLocks/>
+          </p:cNvCxnSpPr>
+          <p:nvPr/>
+        </p:nvCxnSpPr>
+        <p:spPr>
+          <a:xfrm>
+            <a:off x="5898580" y="2016262"/>
+            <a:ext cx="3939778" cy="0"/>
+          </a:xfrm>
+          <a:prstGeom prst="straightConnector1">
+            <a:avLst/>
+          </a:prstGeom>
+          <a:ln w="19050" cap="flat" cmpd="sng" algn="ctr">
+            <a:solidFill>
+              <a:schemeClr val="dk1"/>
+            </a:solidFill>
+            <a:prstDash val="sysDot"/>
+            <a:round/>
+            <a:headEnd type="arrow" w="med" len="med"/>
+            <a:tailEnd type="arrow" w="med" len="med"/>
+          </a:ln>
+        </p:spPr>
+        <p:style>
+          <a:lnRef idx="0">
+            <a:scrgbClr r="0" g="0" b="0"/>
+          </a:lnRef>
+          <a:fillRef idx="0">
+            <a:scrgbClr r="0" g="0" b="0"/>
+          </a:fillRef>
+          <a:effectRef idx="0">
+            <a:scrgbClr r="0" g="0" b="0"/>
+          </a:effectRef>
+          <a:fontRef idx="minor">
+            <a:schemeClr val="tx1"/>
+          </a:fontRef>
+        </p:style>
+      </p:cxnSp>
+      <p:sp>
+        <p:nvSpPr>
+          <p:cNvPr id="83" name="Textfeld 82">
+            <a:extLst>
+              <a:ext uri="{FF2B5EF4-FFF2-40B4-BE49-F238E27FC236}">
+                <a16:creationId xmlns:a16="http://schemas.microsoft.com/office/drawing/2014/main" id="{25BBE49F-5AC5-43A3-9E52-6FA946C7E7FA}"/>
+              </a:ext>
+            </a:extLst>
+          </p:cNvPr>
+          <p:cNvSpPr txBox="1"/>
+          <p:nvPr/>
+        </p:nvSpPr>
+        <p:spPr>
+          <a:xfrm>
+            <a:off x="2614609" y="1754245"/>
+            <a:ext cx="1300887" cy="261610"/>
+          </a:xfrm>
+          <a:prstGeom prst="rect">
+            <a:avLst/>
+          </a:prstGeom>
+          <a:noFill/>
+        </p:spPr>
+        <p:txBody>
+          <a:bodyPr wrap="square" rtlCol="0">
+            <a:spAutoFit/>
+          </a:bodyPr>
+          <a:lstStyle/>
+          <a:p>
+            <a:r>
+              <a:rPr lang="de-DE" sz="1100" i="1" dirty="0">
+                <a:latin typeface="Arial" panose="020B0604020202020204" pitchFamily="34" charset="0"/>
+                <a:cs typeface="Arial" panose="020B0604020202020204" pitchFamily="34" charset="0"/>
+              </a:rPr>
+              <a:t>Development</a:t>
+            </a:r>
+          </a:p>
+        </p:txBody>
+      </p:sp>
+      <p:sp>
+        <p:nvSpPr>
+          <p:cNvPr id="84" name="Textfeld 83">
+            <a:extLst>
+              <a:ext uri="{FF2B5EF4-FFF2-40B4-BE49-F238E27FC236}">
+                <a16:creationId xmlns:a16="http://schemas.microsoft.com/office/drawing/2014/main" id="{3C7C92D2-3BBF-4A3C-9104-B1A3B09BDB8F}"/>
+              </a:ext>
+            </a:extLst>
+          </p:cNvPr>
+          <p:cNvSpPr txBox="1"/>
+          <p:nvPr/>
+        </p:nvSpPr>
+        <p:spPr>
+          <a:xfrm>
+            <a:off x="7357423" y="1724675"/>
+            <a:ext cx="1300887" cy="261610"/>
+          </a:xfrm>
+          <a:prstGeom prst="rect">
+            <a:avLst/>
+          </a:prstGeom>
+          <a:noFill/>
+        </p:spPr>
+        <p:txBody>
+          <a:bodyPr wrap="square" rtlCol="0">
+            <a:spAutoFit/>
+          </a:bodyPr>
+          <a:lstStyle/>
+          <a:p>
+            <a:r>
+              <a:rPr lang="de-DE" sz="1100" i="1" dirty="0">
+                <a:latin typeface="Arial" panose="020B0604020202020204" pitchFamily="34" charset="0"/>
+                <a:cs typeface="Arial" panose="020B0604020202020204" pitchFamily="34" charset="0"/>
+              </a:rPr>
+              <a:t>Operations</a:t>
+            </a:r>
+          </a:p>
+        </p:txBody>
+      </p:sp>
+    </p:spTree>
+    <p:extLst>
+      <p:ext uri="{BB962C8B-B14F-4D97-AF65-F5344CB8AC3E}">
+        <p14:creationId xmlns:p14="http://schemas.microsoft.com/office/powerpoint/2010/main" val="275730440"/>
+      </p:ext>
+    </p:extLst>
+  </p:cSld>
+  <p:clrMapOvr>
+    <a:masterClrMapping/>
+  </p:clrMapOvr>
+</p:sld>
+</file>
+
 <file path=ppt/theme/theme1.xml><?xml version="1.0" encoding="utf-8"?>
 <a:theme xmlns:a="http://schemas.openxmlformats.org/drawingml/2006/main" name="Office">
   <a:themeElements>
@@ -5398,11 +11199,6 @@
 
 <file path=customXml/item1.xml><?xml version="1.0" encoding="utf-8"?>
 <?mso-contentType ?>
-<SharedContentType xmlns="Microsoft.SharePoint.Taxonomy.ContentTypeSync" SourceId="a53a62bb-fe8c-40a9-b721-69dc556ec299" ContentTypeId="0x010100C7CE61CC9E288946BEFBDDE329B145E8" PreviousValue="false"/>
-</file>
-
-<file path=customXml/item2.xml><?xml version="1.0" encoding="utf-8"?>
-<?mso-contentType ?>
 <FormTemplates xmlns="http://schemas.microsoft.com/sharepoint/v3/contenttype/forms">
   <Display>DocumentLibraryForm</Display>
   <Edit>DocumentLibraryForm</Edit>
@@ -5410,23 +11206,12 @@
 </FormTemplates>
 </file>
 
-<file path=customXml/item3.xml><?xml version="1.0" encoding="utf-8"?>
-<p:properties xmlns:p="http://schemas.microsoft.com/office/2006/metadata/properties" xmlns:xsi="http://www.w3.org/2001/XMLSchema-instance" xmlns:pc="http://schemas.microsoft.com/office/infopath/2007/PartnerControls">
-  <documentManagement>
-    <msg_Klassifizierung xmlns="f719ecbf-a19d-4b01-ba1f-7ffa0d8a5235">internal</msg_Klassifizierung>
-    <msg_Status xmlns="f719ecbf-a19d-4b01-ba1f-7ffa0d8a5235">draft</msg_Status>
-    <msg_Firma xmlns="f719ecbf-a19d-4b01-ba1f-7ffa0d8a5235"/>
-    <msg_Version xmlns="f719ecbf-a19d-4b01-ba1f-7ffa0d8a5235">0.1</msg_Version>
-    <msg_Manager xmlns="f719ecbf-a19d-4b01-ba1f-7ffa0d8a5235">[Dokumentverantwortlicher]</msg_Manager>
-    <msg_Dokumententyp xmlns="f719ecbf-a19d-4b01-ba1f-7ffa0d8a5235">Schriftwechsel (allgemein)</msg_Dokumententyp>
-    <msg_gueltig_ab xmlns="f719ecbf-a19d-4b01-ba1f-7ffa0d8a5235">2021-07-21T12:00:00+00:00</msg_gueltig_ab>
-    <msg_gueltig_bis xmlns="f719ecbf-a19d-4b01-ba1f-7ffa0d8a5235">2027-12-31T12:00:00+00:00</msg_gueltig_bis>
-    <msg_Kommentar xmlns="f719ecbf-a19d-4b01-ba1f-7ffa0d8a5235">Neues Dokument erstellt.</msg_Kommentar>
-  </documentManagement>
-</p:properties>
+<file path=customXml/item2.xml><?xml version="1.0" encoding="utf-8"?>
+<?mso-contentType ?>
+<SharedContentType xmlns="Microsoft.SharePoint.Taxonomy.ContentTypeSync" SourceId="a53a62bb-fe8c-40a9-b721-69dc556ec299" ContentTypeId="0x010100C7CE61CC9E288946BEFBDDE329B145E8" PreviousValue="false"/>
 </file>
 
-<file path=customXml/item4.xml><?xml version="1.0" encoding="utf-8"?>
+<file path=customXml/item3.xml><?xml version="1.0" encoding="utf-8"?>
 <ct:contentTypeSchema xmlns:ct="http://schemas.microsoft.com/office/2006/metadata/contentType" xmlns:ma="http://schemas.microsoft.com/office/2006/metadata/properties/metaAttributes" ct:_="" ma:_="" ma:contentTypeName="msg_group_dokument" ma:contentTypeID="0x010100C7CE61CC9E288946BEFBDDE329B145E800A8B45DE0FA6D52458C79C0ECBD3796D6" ma:contentTypeVersion="3" ma:contentTypeDescription="Ein neues Dokument erstellen." ma:contentTypeScope="" ma:versionID="8d8c880da07d662e1b5b8338e5d4b33f">
   <xsd:schema xmlns:xsd="http://www.w3.org/2001/XMLSchema" xmlns:xs="http://www.w3.org/2001/XMLSchema" xmlns:p="http://schemas.microsoft.com/office/2006/metadata/properties" xmlns:ns2="f719ecbf-a19d-4b01-ba1f-7ffa0d8a5235" targetNamespace="http://schemas.microsoft.com/office/2006/metadata/properties" ma:root="true" ma:fieldsID="e5d06e143f6c5d75033272af6bd0bfa9" ns2:_="">
     <xsd:import namespace="f719ecbf-a19d-4b01-ba1f-7ffa0d8a5235"/>
@@ -5635,7 +11420,31 @@
 </ct:contentTypeSchema>
 </file>
 
+<file path=customXml/item4.xml><?xml version="1.0" encoding="utf-8"?>
+<p:properties xmlns:p="http://schemas.microsoft.com/office/2006/metadata/properties" xmlns:xsi="http://www.w3.org/2001/XMLSchema-instance" xmlns:pc="http://schemas.microsoft.com/office/infopath/2007/PartnerControls">
+  <documentManagement>
+    <msg_Klassifizierung xmlns="f719ecbf-a19d-4b01-ba1f-7ffa0d8a5235">internal</msg_Klassifizierung>
+    <msg_Status xmlns="f719ecbf-a19d-4b01-ba1f-7ffa0d8a5235">draft</msg_Status>
+    <msg_Firma xmlns="f719ecbf-a19d-4b01-ba1f-7ffa0d8a5235"/>
+    <msg_Version xmlns="f719ecbf-a19d-4b01-ba1f-7ffa0d8a5235">0.1</msg_Version>
+    <msg_Manager xmlns="f719ecbf-a19d-4b01-ba1f-7ffa0d8a5235">[Dokumentverantwortlicher]</msg_Manager>
+    <msg_Dokumententyp xmlns="f719ecbf-a19d-4b01-ba1f-7ffa0d8a5235">Schriftwechsel (allgemein)</msg_Dokumententyp>
+    <msg_gueltig_ab xmlns="f719ecbf-a19d-4b01-ba1f-7ffa0d8a5235">2021-07-21T12:00:00+00:00</msg_gueltig_ab>
+    <msg_gueltig_bis xmlns="f719ecbf-a19d-4b01-ba1f-7ffa0d8a5235">2027-12-31T12:00:00+00:00</msg_gueltig_bis>
+    <msg_Kommentar xmlns="f719ecbf-a19d-4b01-ba1f-7ffa0d8a5235">Neues Dokument erstellt.</msg_Kommentar>
+  </documentManagement>
+</p:properties>
+</file>
+
 <file path=customXml/itemProps1.xml><?xml version="1.0" encoding="utf-8"?>
+<ds:datastoreItem xmlns:ds="http://schemas.openxmlformats.org/officeDocument/2006/customXml" ds:itemID="{D98B66A7-134E-4EA5-9BDA-160A5846C877}">
+  <ds:schemaRefs>
+    <ds:schemaRef ds:uri="http://schemas.microsoft.com/sharepoint/v3/contenttype/forms"/>
+  </ds:schemaRefs>
+</ds:datastoreItem>
+</file>
+
+<file path=customXml/itemProps2.xml><?xml version="1.0" encoding="utf-8"?>
 <ds:datastoreItem xmlns:ds="http://schemas.openxmlformats.org/officeDocument/2006/customXml" ds:itemID="{8DF79F6A-D353-43B0-B316-2143ED7A0174}">
   <ds:schemaRefs>
     <ds:schemaRef ds:uri="Microsoft.SharePoint.Taxonomy.ContentTypeSync"/>
@@ -5643,26 +11452,7 @@
 </ds:datastoreItem>
 </file>
 
-<file path=customXml/itemProps2.xml><?xml version="1.0" encoding="utf-8"?>
-<ds:datastoreItem xmlns:ds="http://schemas.openxmlformats.org/officeDocument/2006/customXml" ds:itemID="{D98B66A7-134E-4EA5-9BDA-160A5846C877}">
-  <ds:schemaRefs>
-    <ds:schemaRef ds:uri="http://schemas.microsoft.com/sharepoint/v3/contenttype/forms"/>
-  </ds:schemaRefs>
-</ds:datastoreItem>
-</file>
-
 <file path=customXml/itemProps3.xml><?xml version="1.0" encoding="utf-8"?>
-<ds:datastoreItem xmlns:ds="http://schemas.openxmlformats.org/officeDocument/2006/customXml" ds:itemID="{F9A0F7A1-9FD1-467E-B3A0-54E328770C02}">
-  <ds:schemaRefs>
-    <ds:schemaRef ds:uri="http://schemas.microsoft.com/office/2006/metadata/properties"/>
-    <ds:schemaRef ds:uri="http://schemas.microsoft.com/office/infopath/2007/PartnerControls"/>
-    <ds:schemaRef ds:uri="1dd69248-66f9-453d-8211-ae5ae34a4b30"/>
-    <ds:schemaRef ds:uri="f719ecbf-a19d-4b01-ba1f-7ffa0d8a5235"/>
-  </ds:schemaRefs>
-</ds:datastoreItem>
-</file>
-
-<file path=customXml/itemProps4.xml><?xml version="1.0" encoding="utf-8"?>
 <ds:datastoreItem xmlns:ds="http://schemas.openxmlformats.org/officeDocument/2006/customXml" ds:itemID="{12A58A57-45F5-4814-8BFF-EE136CC0C1A4}">
   <ds:schemaRefs>
     <ds:schemaRef ds:uri="http://schemas.microsoft.com/office/2006/metadata/contentType"/>
@@ -5678,4 +11468,15 @@
     <ds:schemaRef ds:uri="http://schemas.microsoft.com/internal/obd"/>
   </ds:schemaRefs>
 </ds:datastoreItem>
+</file>
+
+<file path=customXml/itemProps4.xml><?xml version="1.0" encoding="utf-8"?>
+<ds:datastoreItem xmlns:ds="http://schemas.openxmlformats.org/officeDocument/2006/customXml" ds:itemID="{F9A0F7A1-9FD1-467E-B3A0-54E328770C02}">
+  <ds:schemaRefs>
+    <ds:schemaRef ds:uri="http://schemas.microsoft.com/office/2006/metadata/properties"/>
+    <ds:schemaRef ds:uri="http://schemas.microsoft.com/office/infopath/2007/PartnerControls"/>
+    <ds:schemaRef ds:uri="1dd69248-66f9-453d-8211-ae5ae34a4b30"/>
+    <ds:schemaRef ds:uri="f719ecbf-a19d-4b01-ba1f-7ffa0d8a5235"/>
+  </ds:schemaRefs>
+</ds:datastoreItem>
 </file>